--- a/JournalClub/KDM_JC.pptx
+++ b/JournalClub/KDM_JC.pptx
@@ -8,15 +8,16 @@
   <p:sldIdLst>
     <p:sldId id="256" r:id="rId3"/>
     <p:sldId id="258" r:id="rId4"/>
-    <p:sldId id="261" r:id="rId5"/>
-    <p:sldId id="262" r:id="rId6"/>
-    <p:sldId id="263" r:id="rId7"/>
-    <p:sldId id="264" r:id="rId8"/>
-    <p:sldId id="265" r:id="rId9"/>
-    <p:sldId id="266" r:id="rId10"/>
-    <p:sldId id="267" r:id="rId11"/>
-    <p:sldId id="268" r:id="rId12"/>
-    <p:sldId id="269" r:id="rId13"/>
+    <p:sldId id="270" r:id="rId5"/>
+    <p:sldId id="261" r:id="rId6"/>
+    <p:sldId id="262" r:id="rId7"/>
+    <p:sldId id="263" r:id="rId8"/>
+    <p:sldId id="264" r:id="rId9"/>
+    <p:sldId id="265" r:id="rId10"/>
+    <p:sldId id="266" r:id="rId11"/>
+    <p:sldId id="267" r:id="rId12"/>
+    <p:sldId id="268" r:id="rId13"/>
+    <p:sldId id="269" r:id="rId14"/>
   </p:sldIdLst>
   <p:sldSz cx="9144000" cy="6858000" type="screen4x3"/>
   <p:notesSz cx="6858000" cy="9144000"/>
@@ -9474,6 +9475,106 @@
       </p:grpSpPr>
       <p:sp>
         <p:nvSpPr>
+          <p:cNvPr id="4" name="Title 1">
+            <a:extLst>
+              <a:ext uri="{FF2B5EF4-FFF2-40B4-BE49-F238E27FC236}">
+                <a16:creationId xmlns:a16="http://schemas.microsoft.com/office/drawing/2014/main" id="{BF1EF36E-A40D-46DD-BF2E-71FC1EBFFF90}"/>
+              </a:ext>
+            </a:extLst>
+          </p:cNvPr>
+          <p:cNvSpPr>
+            <a:spLocks noGrp="1"/>
+          </p:cNvSpPr>
+          <p:nvPr>
+            <p:ph type="title"/>
+          </p:nvPr>
+        </p:nvSpPr>
+        <p:spPr>
+          <a:xfrm>
+            <a:off x="457200" y="274638"/>
+            <a:ext cx="8229600" cy="1143000"/>
+          </a:xfrm>
+        </p:spPr>
+        <p:txBody>
+          <a:bodyPr>
+            <a:normAutofit/>
+          </a:bodyPr>
+          <a:lstStyle/>
+          <a:p>
+            <a:r>
+              <a:rPr lang="en-US" dirty="0">
+                <a:solidFill>
+                  <a:srgbClr val="0072BC"/>
+                </a:solidFill>
+              </a:rPr>
+              <a:t>RDBMS &amp; OWL 2.0</a:t>
+            </a:r>
+          </a:p>
+        </p:txBody>
+      </p:sp>
+      <p:graphicFrame>
+        <p:nvGraphicFramePr>
+          <p:cNvPr id="5" name="Content Placeholder 4">
+            <a:extLst>
+              <a:ext uri="{FF2B5EF4-FFF2-40B4-BE49-F238E27FC236}">
+                <a16:creationId xmlns:a16="http://schemas.microsoft.com/office/drawing/2014/main" id="{D446B950-A8E1-4672-9F22-B3327F1B7349}"/>
+              </a:ext>
+            </a:extLst>
+          </p:cNvPr>
+          <p:cNvGraphicFramePr>
+            <a:graphicFrameLocks noGrp="1"/>
+          </p:cNvGraphicFramePr>
+          <p:nvPr>
+            <p:ph idx="1"/>
+            <p:extLst>
+              <p:ext uri="{D42A27DB-BD31-4B8C-83A1-F6EECF244321}">
+                <p14:modId xmlns:p14="http://schemas.microsoft.com/office/powerpoint/2010/main" val="2705088774"/>
+              </p:ext>
+            </p:extLst>
+          </p:nvPr>
+        </p:nvGraphicFramePr>
+        <p:xfrm>
+          <a:off x="790460" y="1924413"/>
+          <a:ext cx="7563080" cy="3225188"/>
+        </p:xfrm>
+        <a:graphic>
+          <a:graphicData uri="http://schemas.openxmlformats.org/drawingml/2006/diagram">
+            <dgm:relIds xmlns:dgm="http://schemas.openxmlformats.org/drawingml/2006/diagram" xmlns:r="http://schemas.openxmlformats.org/officeDocument/2006/relationships" r:dm="rId2" r:lo="rId3" r:qs="rId4" r:cs="rId5"/>
+          </a:graphicData>
+        </a:graphic>
+      </p:graphicFrame>
+    </p:spTree>
+    <p:extLst>
+      <p:ext uri="{BB962C8B-B14F-4D97-AF65-F5344CB8AC3E}">
+        <p14:creationId xmlns:p14="http://schemas.microsoft.com/office/powerpoint/2010/main" val="514020999"/>
+      </p:ext>
+    </p:extLst>
+  </p:cSld>
+  <p:clrMapOvr>
+    <a:masterClrMapping/>
+  </p:clrMapOvr>
+</p:sld>
+</file>
+
+<file path=ppt/slides/slide11.xml><?xml version="1.0" encoding="utf-8"?>
+<p:sld xmlns:a="http://schemas.openxmlformats.org/drawingml/2006/main" xmlns:r="http://schemas.openxmlformats.org/officeDocument/2006/relationships" xmlns:p="http://schemas.openxmlformats.org/presentationml/2006/main">
+  <p:cSld>
+    <p:spTree>
+      <p:nvGrpSpPr>
+        <p:cNvPr id="1" name=""/>
+        <p:cNvGrpSpPr/>
+        <p:nvPr/>
+      </p:nvGrpSpPr>
+      <p:grpSpPr>
+        <a:xfrm>
+          <a:off x="0" y="0"/>
+          <a:ext cx="0" cy="0"/>
+          <a:chOff x="0" y="0"/>
+          <a:chExt cx="0" cy="0"/>
+        </a:xfrm>
+      </p:grpSpPr>
+      <p:sp>
+        <p:nvSpPr>
           <p:cNvPr id="3" name="Content Placeholder 2">
             <a:extLst>
               <a:ext uri="{FF2B5EF4-FFF2-40B4-BE49-F238E27FC236}">
@@ -9659,7 +9760,7 @@
                   <a:srgbClr val="0072BC"/>
                 </a:solidFill>
               </a:rPr>
-              <a:t> </a:t>
+              <a:t> &amp; questions </a:t>
             </a:r>
           </a:p>
         </p:txBody>
@@ -9677,7 +9778,7 @@
 </p:sld>
 </file>
 
-<file path=ppt/slides/slide11.xml><?xml version="1.0" encoding="utf-8"?>
+<file path=ppt/slides/slide12.xml><?xml version="1.0" encoding="utf-8"?>
 <p:sld xmlns:a="http://schemas.openxmlformats.org/drawingml/2006/main" xmlns:r="http://schemas.openxmlformats.org/officeDocument/2006/relationships" xmlns:p="http://schemas.openxmlformats.org/presentationml/2006/main">
   <p:cSld>
     <p:bg>
@@ -9831,7 +9932,7 @@
                   <a:srgbClr val="0072BC"/>
                 </a:solidFill>
               </a:rPr>
-              <a:t>Background</a:t>
+              <a:t>Contents</a:t>
             </a:r>
           </a:p>
         </p:txBody>
@@ -9854,7 +9955,7 @@
         </p:spPr>
         <p:txBody>
           <a:bodyPr>
-            <a:normAutofit fontScale="92500"/>
+            <a:normAutofit lnSpcReduction="10000"/>
           </a:bodyPr>
           <a:lstStyle/>
           <a:p>
@@ -9868,50 +9969,11 @@
             </a:pPr>
             <a:r>
               <a:rPr lang="en-US" sz="2800" dirty="0"/>
-              <a:t>Existing ontology resources </a:t>
-            </a:r>
-          </a:p>
-          <a:p>
-            <a:pPr marL="0" lvl="0" indent="0">
-              <a:lnSpc>
-                <a:spcPct val="150000"/>
-              </a:lnSpc>
-              <a:buClr>
-                <a:srgbClr val="0072BC"/>
-              </a:buClr>
-              <a:buNone/>
-            </a:pPr>
-            <a:r>
-              <a:rPr lang="en-US" sz="2800" dirty="0"/>
-              <a:t>	- </a:t>
-            </a:r>
-            <a:r>
-              <a:rPr lang="en-US" sz="2800" dirty="0" err="1"/>
-              <a:t>RxNorm</a:t>
-            </a:r>
-            <a:r>
-              <a:rPr lang="en-US" sz="2800" dirty="0"/>
-              <a:t>, </a:t>
-            </a:r>
-            <a:r>
-              <a:rPr lang="en-US" sz="2800" dirty="0" err="1"/>
-              <a:t>ChEBI</a:t>
-            </a:r>
-            <a:r>
-              <a:rPr lang="en-US" sz="2800" dirty="0"/>
-              <a:t>, SNOMED, </a:t>
-            </a:r>
-            <a:r>
-              <a:rPr lang="en-US" sz="2800" dirty="0" err="1"/>
-              <a:t>DrugBank</a:t>
-            </a:r>
-            <a:r>
-              <a:rPr lang="en-US" sz="2800" dirty="0"/>
-              <a:t> etc.,</a:t>
-            </a:r>
-          </a:p>
-          <a:p>
-            <a:pPr>
+              <a:t>Background</a:t>
+            </a:r>
+          </a:p>
+          <a:p>
+            <a:pPr lvl="0">
               <a:lnSpc>
                 <a:spcPct val="150000"/>
               </a:lnSpc>
@@ -9921,11 +9983,16 @@
             </a:pPr>
             <a:r>
               <a:rPr lang="en-US" sz="2800" dirty="0"/>
-              <a:t>None have historically comprehensive list of National Drugs Code</a:t>
-            </a:r>
-          </a:p>
-          <a:p>
-            <a:pPr>
+              <a:t>Inception – </a:t>
+            </a:r>
+            <a:r>
+              <a:rPr lang="en-US" sz="2800" dirty="0" err="1"/>
+              <a:t>DrOn</a:t>
+            </a:r>
+            <a:endParaRPr lang="en-US" sz="2800" dirty="0"/>
+          </a:p>
+          <a:p>
+            <a:pPr lvl="0">
               <a:lnSpc>
                 <a:spcPct val="150000"/>
               </a:lnSpc>
@@ -9935,11 +10002,11 @@
             </a:pPr>
             <a:r>
               <a:rPr lang="en-US" sz="2800" dirty="0"/>
-              <a:t>Inconsistent and Incorrect Description from artifacts </a:t>
-            </a:r>
-          </a:p>
-          <a:p>
-            <a:pPr>
+              <a:t>Critique</a:t>
+            </a:r>
+          </a:p>
+          <a:p>
+            <a:pPr lvl="0">
               <a:lnSpc>
                 <a:spcPct val="150000"/>
               </a:lnSpc>
@@ -9949,8 +10016,74 @@
             </a:pPr>
             <a:r>
               <a:rPr lang="en-US" sz="2800" dirty="0"/>
-              <a:t>No inter operability with other ontologies</a:t>
-            </a:r>
+              <a:t>Data Transformation</a:t>
+            </a:r>
+          </a:p>
+          <a:p>
+            <a:pPr lvl="0">
+              <a:lnSpc>
+                <a:spcPct val="150000"/>
+              </a:lnSpc>
+              <a:buClr>
+                <a:srgbClr val="0072BC"/>
+              </a:buClr>
+            </a:pPr>
+            <a:r>
+              <a:rPr lang="en-US" sz="2800" dirty="0"/>
+              <a:t>RDBMS &amp; OWL</a:t>
+            </a:r>
+          </a:p>
+          <a:p>
+            <a:pPr lvl="0">
+              <a:lnSpc>
+                <a:spcPct val="150000"/>
+              </a:lnSpc>
+              <a:buClr>
+                <a:srgbClr val="0072BC"/>
+              </a:buClr>
+            </a:pPr>
+            <a:r>
+              <a:rPr lang="en-US" sz="2800" dirty="0"/>
+              <a:t>General Criticism </a:t>
+            </a:r>
+            <a:r>
+              <a:rPr lang="en-US" sz="2800"/>
+              <a:t>&amp; questions</a:t>
+            </a:r>
+            <a:endParaRPr lang="en-US" sz="2800" dirty="0"/>
+          </a:p>
+          <a:p>
+            <a:pPr lvl="0">
+              <a:lnSpc>
+                <a:spcPct val="150000"/>
+              </a:lnSpc>
+              <a:buClr>
+                <a:srgbClr val="0072BC"/>
+              </a:buClr>
+            </a:pPr>
+            <a:endParaRPr lang="en-US" sz="2800" dirty="0"/>
+          </a:p>
+          <a:p>
+            <a:pPr lvl="0">
+              <a:lnSpc>
+                <a:spcPct val="150000"/>
+              </a:lnSpc>
+              <a:buClr>
+                <a:srgbClr val="0072BC"/>
+              </a:buClr>
+            </a:pPr>
+            <a:endParaRPr lang="en-US" sz="2800" dirty="0"/>
+          </a:p>
+          <a:p>
+            <a:pPr lvl="0">
+              <a:lnSpc>
+                <a:spcPct val="150000"/>
+              </a:lnSpc>
+              <a:buClr>
+                <a:srgbClr val="0072BC"/>
+              </a:buClr>
+            </a:pPr>
+            <a:endParaRPr lang="en-US" sz="2800" dirty="0"/>
           </a:p>
         </p:txBody>
       </p:sp>
@@ -9986,13 +10119,38 @@
       </p:grpSpPr>
       <p:sp>
         <p:nvSpPr>
-          <p:cNvPr id="3" name="Content Placeholder 2">
-            <a:extLst>
-              <a:ext uri="{FF2B5EF4-FFF2-40B4-BE49-F238E27FC236}">
-                <a16:creationId xmlns:a16="http://schemas.microsoft.com/office/drawing/2014/main" id="{334A22E8-3872-4944-A560-8F02AA372F39}"/>
-              </a:ext>
-            </a:extLst>
-          </p:cNvPr>
+          <p:cNvPr id="2" name="Title 1"/>
+          <p:cNvSpPr>
+            <a:spLocks noGrp="1"/>
+          </p:cNvSpPr>
+          <p:nvPr>
+            <p:ph type="title"/>
+          </p:nvPr>
+        </p:nvSpPr>
+        <p:spPr>
+          <a:xfrm>
+            <a:off x="457200" y="208537"/>
+            <a:ext cx="8229600" cy="1143000"/>
+          </a:xfrm>
+        </p:spPr>
+        <p:txBody>
+          <a:bodyPr/>
+          <a:lstStyle/>
+          <a:p>
+            <a:r>
+              <a:rPr lang="en-US" dirty="0">
+                <a:solidFill>
+                  <a:srgbClr val="0072BC"/>
+                </a:solidFill>
+              </a:rPr>
+              <a:t>Background</a:t>
+            </a:r>
+          </a:p>
+        </p:txBody>
+      </p:sp>
+      <p:sp>
+        <p:nvSpPr>
+          <p:cNvPr id="3" name="Content Placeholder 2"/>
           <p:cNvSpPr>
             <a:spLocks noGrp="1"/>
           </p:cNvSpPr>
@@ -10000,12 +10158,70 @@
             <p:ph idx="1"/>
           </p:nvPr>
         </p:nvSpPr>
-        <p:spPr/>
+        <p:spPr>
+          <a:xfrm>
+            <a:off x="457200" y="1600201"/>
+            <a:ext cx="8229600" cy="4216706"/>
+          </a:xfrm>
+        </p:spPr>
         <p:txBody>
           <a:bodyPr>
-            <a:normAutofit/>
+            <a:normAutofit fontScale="92500"/>
           </a:bodyPr>
           <a:lstStyle/>
+          <a:p>
+            <a:pPr lvl="0">
+              <a:lnSpc>
+                <a:spcPct val="150000"/>
+              </a:lnSpc>
+              <a:buClr>
+                <a:srgbClr val="0072BC"/>
+              </a:buClr>
+            </a:pPr>
+            <a:r>
+              <a:rPr lang="en-US" sz="2800" dirty="0"/>
+              <a:t>Existing ontology resources </a:t>
+            </a:r>
+          </a:p>
+          <a:p>
+            <a:pPr marL="0" lvl="0" indent="0">
+              <a:lnSpc>
+                <a:spcPct val="150000"/>
+              </a:lnSpc>
+              <a:buClr>
+                <a:srgbClr val="0072BC"/>
+              </a:buClr>
+              <a:buNone/>
+            </a:pPr>
+            <a:r>
+              <a:rPr lang="en-US" sz="2800" dirty="0"/>
+              <a:t>	- </a:t>
+            </a:r>
+            <a:r>
+              <a:rPr lang="en-US" sz="2800" dirty="0" err="1"/>
+              <a:t>RxNorm</a:t>
+            </a:r>
+            <a:r>
+              <a:rPr lang="en-US" sz="2800" dirty="0"/>
+              <a:t>, </a:t>
+            </a:r>
+            <a:r>
+              <a:rPr lang="en-US" sz="2800" dirty="0" err="1"/>
+              <a:t>ChEBI</a:t>
+            </a:r>
+            <a:r>
+              <a:rPr lang="en-US" sz="2800" dirty="0"/>
+              <a:t>, SNOMED, </a:t>
+            </a:r>
+            <a:r>
+              <a:rPr lang="en-US" sz="2800" dirty="0" err="1"/>
+              <a:t>DrugBank</a:t>
+            </a:r>
+            <a:r>
+              <a:rPr lang="en-US" sz="2800" dirty="0"/>
+              <a:t> etc.,</a:t>
+            </a:r>
+          </a:p>
           <a:p>
             <a:pPr>
               <a:lnSpc>
@@ -10017,13 +10233,8 @@
             </a:pPr>
             <a:r>
               <a:rPr lang="en-US" sz="2800" dirty="0"/>
-              <a:t>Correct, Consistent, </a:t>
-            </a:r>
-            <a:r>
-              <a:rPr lang="en-US" sz="2800" dirty="0" err="1"/>
-              <a:t>interoperable,NDCs</a:t>
-            </a:r>
-            <a:endParaRPr lang="en-US" sz="2800" dirty="0"/>
+              <a:t>None have historically comprehensive list of National Drugs Code</a:t>
+            </a:r>
           </a:p>
           <a:p>
             <a:pPr>
@@ -10036,7 +10247,7 @@
             </a:pPr>
             <a:r>
               <a:rPr lang="en-US" sz="2800" dirty="0"/>
-              <a:t>Used existing resource – base data,  restructured, public availability</a:t>
+              <a:t>Inconsistent and Incorrect Description from artifacts </a:t>
             </a:r>
           </a:p>
           <a:p>
@@ -10049,95 +10260,16 @@
               </a:buClr>
             </a:pPr>
             <a:r>
-              <a:rPr lang="en-US" sz="2800" dirty="0" err="1"/>
-              <a:t>RxNorm</a:t>
-            </a:r>
-            <a:r>
               <a:rPr lang="en-US" sz="2800" dirty="0"/>
-              <a:t> : free, large data, normalized drug names</a:t>
-            </a:r>
-          </a:p>
-          <a:p>
-            <a:pPr>
-              <a:lnSpc>
-                <a:spcPct val="150000"/>
-              </a:lnSpc>
-              <a:buClr>
-                <a:srgbClr val="0072BC"/>
-              </a:buClr>
-            </a:pPr>
-            <a:r>
-              <a:rPr lang="en-US" sz="2800" dirty="0"/>
-              <a:t>Historical NDCs, from 2008</a:t>
-            </a:r>
-          </a:p>
-          <a:p>
-            <a:pPr>
-              <a:lnSpc>
-                <a:spcPct val="150000"/>
-              </a:lnSpc>
-              <a:buClr>
-                <a:srgbClr val="0072BC"/>
-              </a:buClr>
-            </a:pPr>
-            <a:endParaRPr lang="en-US" sz="2800" dirty="0"/>
-          </a:p>
-        </p:txBody>
-      </p:sp>
-      <p:sp>
-        <p:nvSpPr>
-          <p:cNvPr id="4" name="Title 1">
-            <a:extLst>
-              <a:ext uri="{FF2B5EF4-FFF2-40B4-BE49-F238E27FC236}">
-                <a16:creationId xmlns:a16="http://schemas.microsoft.com/office/drawing/2014/main" id="{BF1EF36E-A40D-46DD-BF2E-71FC1EBFFF90}"/>
-              </a:ext>
-            </a:extLst>
-          </p:cNvPr>
-          <p:cNvSpPr>
-            <a:spLocks noGrp="1"/>
-          </p:cNvSpPr>
-          <p:nvPr>
-            <p:ph type="title"/>
-          </p:nvPr>
-        </p:nvSpPr>
-        <p:spPr>
-          <a:xfrm>
-            <a:off x="457200" y="274638"/>
-            <a:ext cx="8229600" cy="1143000"/>
-          </a:xfrm>
-        </p:spPr>
-        <p:txBody>
-          <a:bodyPr/>
-          <a:lstStyle/>
-          <a:p>
-            <a:r>
-              <a:rPr lang="en-US" dirty="0">
-                <a:solidFill>
-                  <a:srgbClr val="0072BC"/>
-                </a:solidFill>
-              </a:rPr>
-              <a:t>Inception - </a:t>
-            </a:r>
-            <a:r>
-              <a:rPr lang="en-US" dirty="0" err="1">
-                <a:solidFill>
-                  <a:srgbClr val="0072BC"/>
-                </a:solidFill>
-              </a:rPr>
-              <a:t>DrON</a:t>
-            </a:r>
-            <a:endParaRPr lang="en-US" dirty="0">
-              <a:solidFill>
-                <a:srgbClr val="0072BC"/>
-              </a:solidFill>
-            </a:endParaRPr>
+              <a:t>No inter operability with other ontologies</a:t>
+            </a:r>
           </a:p>
         </p:txBody>
       </p:sp>
     </p:spTree>
     <p:extLst>
       <p:ext uri="{BB962C8B-B14F-4D97-AF65-F5344CB8AC3E}">
-        <p14:creationId xmlns:p14="http://schemas.microsoft.com/office/powerpoint/2010/main" val="2733997693"/>
+        <p14:creationId xmlns:p14="http://schemas.microsoft.com/office/powerpoint/2010/main" val="655442341"/>
       </p:ext>
     </p:extLst>
   </p:cSld>
@@ -10182,68 +10314,85 @@
         </p:nvSpPr>
         <p:spPr/>
         <p:txBody>
-          <a:bodyPr/>
+          <a:bodyPr>
+            <a:normAutofit/>
+          </a:bodyPr>
           <a:lstStyle/>
           <a:p>
             <a:pPr>
+              <a:lnSpc>
+                <a:spcPct val="150000"/>
+              </a:lnSpc>
               <a:buClr>
                 <a:srgbClr val="0072BC"/>
               </a:buClr>
             </a:pPr>
             <a:r>
-              <a:rPr lang="en-US" dirty="0"/>
+              <a:rPr lang="en-US" sz="2800" dirty="0"/>
               <a:t>Correct, Consistent, </a:t>
             </a:r>
             <a:r>
-              <a:rPr lang="en-US" dirty="0" err="1"/>
+              <a:rPr lang="en-US" sz="2800" dirty="0" err="1"/>
               <a:t>interoperable,NDCs</a:t>
             </a:r>
-            <a:endParaRPr lang="en-US" dirty="0"/>
+            <a:endParaRPr lang="en-US" sz="2800" dirty="0"/>
           </a:p>
           <a:p>
             <a:pPr>
+              <a:lnSpc>
+                <a:spcPct val="150000"/>
+              </a:lnSpc>
               <a:buClr>
                 <a:srgbClr val="0072BC"/>
               </a:buClr>
             </a:pPr>
             <a:r>
-              <a:rPr lang="en-US" dirty="0"/>
+              <a:rPr lang="en-US" sz="2800" dirty="0"/>
               <a:t>Used existing resource – base data,  restructured, public availability</a:t>
             </a:r>
           </a:p>
           <a:p>
             <a:pPr>
+              <a:lnSpc>
+                <a:spcPct val="150000"/>
+              </a:lnSpc>
               <a:buClr>
                 <a:srgbClr val="0072BC"/>
               </a:buClr>
             </a:pPr>
             <a:r>
-              <a:rPr lang="en-US" dirty="0" err="1"/>
+              <a:rPr lang="en-US" sz="2800" dirty="0" err="1"/>
               <a:t>RxNorm</a:t>
             </a:r>
             <a:r>
-              <a:rPr lang="en-US" dirty="0"/>
+              <a:rPr lang="en-US" sz="2800" dirty="0"/>
               <a:t> : free, large data, normalized drug names</a:t>
             </a:r>
           </a:p>
           <a:p>
             <a:pPr>
+              <a:lnSpc>
+                <a:spcPct val="150000"/>
+              </a:lnSpc>
               <a:buClr>
                 <a:srgbClr val="0072BC"/>
               </a:buClr>
             </a:pPr>
             <a:r>
-              <a:rPr lang="en-US" dirty="0"/>
+              <a:rPr lang="en-US" sz="2800" dirty="0"/>
               <a:t>Historical NDCs, from 2008</a:t>
             </a:r>
           </a:p>
           <a:p>
             <a:pPr>
+              <a:lnSpc>
+                <a:spcPct val="150000"/>
+              </a:lnSpc>
               <a:buClr>
                 <a:srgbClr val="0072BC"/>
               </a:buClr>
             </a:pPr>
-            <a:endParaRPr lang="en-US" dirty="0"/>
+            <a:endParaRPr lang="en-US" sz="2800" dirty="0"/>
           </a:p>
         </p:txBody>
       </p:sp>
@@ -10287,7 +10436,7 @@
                   <a:srgbClr val="0072BC"/>
                 </a:solidFill>
               </a:rPr>
-              <a:t>DrOn</a:t>
+              <a:t>DrON</a:t>
             </a:r>
             <a:endParaRPr lang="en-US" dirty="0">
               <a:solidFill>
@@ -10300,7 +10449,7 @@
     </p:spTree>
     <p:extLst>
       <p:ext uri="{BB962C8B-B14F-4D97-AF65-F5344CB8AC3E}">
-        <p14:creationId xmlns:p14="http://schemas.microsoft.com/office/powerpoint/2010/main" val="1277594804"/>
+        <p14:creationId xmlns:p14="http://schemas.microsoft.com/office/powerpoint/2010/main" val="2733997693"/>
       </p:ext>
     </p:extLst>
   </p:cSld>
@@ -10349,6 +10498,169 @@
           <a:lstStyle/>
           <a:p>
             <a:pPr>
+              <a:buClr>
+                <a:srgbClr val="0072BC"/>
+              </a:buClr>
+            </a:pPr>
+            <a:r>
+              <a:rPr lang="en-US" dirty="0"/>
+              <a:t>Correct, Consistent, </a:t>
+            </a:r>
+            <a:r>
+              <a:rPr lang="en-US" dirty="0" err="1"/>
+              <a:t>interoperable,NDCs</a:t>
+            </a:r>
+            <a:endParaRPr lang="en-US" dirty="0"/>
+          </a:p>
+          <a:p>
+            <a:pPr>
+              <a:buClr>
+                <a:srgbClr val="0072BC"/>
+              </a:buClr>
+            </a:pPr>
+            <a:r>
+              <a:rPr lang="en-US" dirty="0"/>
+              <a:t>Used existing resource – base data,  restructured, public availability</a:t>
+            </a:r>
+          </a:p>
+          <a:p>
+            <a:pPr>
+              <a:buClr>
+                <a:srgbClr val="0072BC"/>
+              </a:buClr>
+            </a:pPr>
+            <a:r>
+              <a:rPr lang="en-US" dirty="0" err="1"/>
+              <a:t>RxNorm</a:t>
+            </a:r>
+            <a:r>
+              <a:rPr lang="en-US" dirty="0"/>
+              <a:t> : free, large data, normalized drug names</a:t>
+            </a:r>
+          </a:p>
+          <a:p>
+            <a:pPr>
+              <a:buClr>
+                <a:srgbClr val="0072BC"/>
+              </a:buClr>
+            </a:pPr>
+            <a:r>
+              <a:rPr lang="en-US" dirty="0"/>
+              <a:t>Historical NDCs, from 2008</a:t>
+            </a:r>
+          </a:p>
+          <a:p>
+            <a:pPr>
+              <a:buClr>
+                <a:srgbClr val="0072BC"/>
+              </a:buClr>
+            </a:pPr>
+            <a:endParaRPr lang="en-US" dirty="0"/>
+          </a:p>
+        </p:txBody>
+      </p:sp>
+      <p:sp>
+        <p:nvSpPr>
+          <p:cNvPr id="4" name="Title 1">
+            <a:extLst>
+              <a:ext uri="{FF2B5EF4-FFF2-40B4-BE49-F238E27FC236}">
+                <a16:creationId xmlns:a16="http://schemas.microsoft.com/office/drawing/2014/main" id="{BF1EF36E-A40D-46DD-BF2E-71FC1EBFFF90}"/>
+              </a:ext>
+            </a:extLst>
+          </p:cNvPr>
+          <p:cNvSpPr>
+            <a:spLocks noGrp="1"/>
+          </p:cNvSpPr>
+          <p:nvPr>
+            <p:ph type="title"/>
+          </p:nvPr>
+        </p:nvSpPr>
+        <p:spPr>
+          <a:xfrm>
+            <a:off x="457200" y="274638"/>
+            <a:ext cx="8229600" cy="1143000"/>
+          </a:xfrm>
+        </p:spPr>
+        <p:txBody>
+          <a:bodyPr/>
+          <a:lstStyle/>
+          <a:p>
+            <a:r>
+              <a:rPr lang="en-US" dirty="0">
+                <a:solidFill>
+                  <a:srgbClr val="0072BC"/>
+                </a:solidFill>
+              </a:rPr>
+              <a:t>Inception - </a:t>
+            </a:r>
+            <a:r>
+              <a:rPr lang="en-US" dirty="0" err="1">
+                <a:solidFill>
+                  <a:srgbClr val="0072BC"/>
+                </a:solidFill>
+              </a:rPr>
+              <a:t>DrOn</a:t>
+            </a:r>
+            <a:endParaRPr lang="en-US" dirty="0">
+              <a:solidFill>
+                <a:srgbClr val="0072BC"/>
+              </a:solidFill>
+            </a:endParaRPr>
+          </a:p>
+        </p:txBody>
+      </p:sp>
+    </p:spTree>
+    <p:extLst>
+      <p:ext uri="{BB962C8B-B14F-4D97-AF65-F5344CB8AC3E}">
+        <p14:creationId xmlns:p14="http://schemas.microsoft.com/office/powerpoint/2010/main" val="1277594804"/>
+      </p:ext>
+    </p:extLst>
+  </p:cSld>
+  <p:clrMapOvr>
+    <a:masterClrMapping/>
+  </p:clrMapOvr>
+</p:sld>
+</file>
+
+<file path=ppt/slides/slide6.xml><?xml version="1.0" encoding="utf-8"?>
+<p:sld xmlns:a="http://schemas.openxmlformats.org/drawingml/2006/main" xmlns:r="http://schemas.openxmlformats.org/officeDocument/2006/relationships" xmlns:p="http://schemas.openxmlformats.org/presentationml/2006/main">
+  <p:cSld>
+    <p:spTree>
+      <p:nvGrpSpPr>
+        <p:cNvPr id="1" name=""/>
+        <p:cNvGrpSpPr/>
+        <p:nvPr/>
+      </p:nvGrpSpPr>
+      <p:grpSpPr>
+        <a:xfrm>
+          <a:off x="0" y="0"/>
+          <a:ext cx="0" cy="0"/>
+          <a:chOff x="0" y="0"/>
+          <a:chExt cx="0" cy="0"/>
+        </a:xfrm>
+      </p:grpSpPr>
+      <p:sp>
+        <p:nvSpPr>
+          <p:cNvPr id="3" name="Content Placeholder 2">
+            <a:extLst>
+              <a:ext uri="{FF2B5EF4-FFF2-40B4-BE49-F238E27FC236}">
+                <a16:creationId xmlns:a16="http://schemas.microsoft.com/office/drawing/2014/main" id="{334A22E8-3872-4944-A560-8F02AA372F39}"/>
+              </a:ext>
+            </a:extLst>
+          </p:cNvPr>
+          <p:cNvSpPr>
+            <a:spLocks noGrp="1"/>
+          </p:cNvSpPr>
+          <p:nvPr>
+            <p:ph idx="1"/>
+          </p:nvPr>
+        </p:nvSpPr>
+        <p:spPr/>
+        <p:txBody>
+          <a:bodyPr/>
+          <a:lstStyle/>
+          <a:p>
+            <a:pPr>
               <a:lnSpc>
                 <a:spcPct val="150000"/>
               </a:lnSpc>
@@ -10489,7 +10801,7 @@
 </p:sld>
 </file>
 
-<file path=ppt/slides/slide6.xml><?xml version="1.0" encoding="utf-8"?>
+<file path=ppt/slides/slide7.xml><?xml version="1.0" encoding="utf-8"?>
 <p:sld xmlns:a="http://schemas.openxmlformats.org/drawingml/2006/main" xmlns:r="http://schemas.openxmlformats.org/officeDocument/2006/relationships" xmlns:p="http://schemas.openxmlformats.org/presentationml/2006/main">
   <p:cSld>
     <p:spTree>
@@ -10644,7 +10956,7 @@
 </p:sld>
 </file>
 
-<file path=ppt/slides/slide7.xml><?xml version="1.0" encoding="utf-8"?>
+<file path=ppt/slides/slide8.xml><?xml version="1.0" encoding="utf-8"?>
 <p:sld xmlns:a="http://schemas.openxmlformats.org/drawingml/2006/main" xmlns:r="http://schemas.openxmlformats.org/officeDocument/2006/relationships" xmlns:p="http://schemas.openxmlformats.org/presentationml/2006/main">
   <p:cSld>
     <p:spTree>
@@ -11074,7 +11386,7 @@
 </p:sld>
 </file>
 
-<file path=ppt/slides/slide8.xml><?xml version="1.0" encoding="utf-8"?>
+<file path=ppt/slides/slide9.xml><?xml version="1.0" encoding="utf-8"?>
 <p:sld xmlns:a="http://schemas.openxmlformats.org/drawingml/2006/main" xmlns:r="http://schemas.openxmlformats.org/officeDocument/2006/relationships" xmlns:p="http://schemas.openxmlformats.org/presentationml/2006/main">
   <p:cSld>
     <p:spTree>
@@ -11210,7 +11522,7 @@
                   <a:srgbClr val="0072BC"/>
                 </a:solidFill>
               </a:rPr>
-              <a:t>Transforming Data</a:t>
+              <a:t>Data Transforming</a:t>
             </a:r>
           </a:p>
         </p:txBody>
@@ -11249,106 +11561,6 @@
     <p:extLst>
       <p:ext uri="{BB962C8B-B14F-4D97-AF65-F5344CB8AC3E}">
         <p14:creationId xmlns:p14="http://schemas.microsoft.com/office/powerpoint/2010/main" val="3638066799"/>
-      </p:ext>
-    </p:extLst>
-  </p:cSld>
-  <p:clrMapOvr>
-    <a:masterClrMapping/>
-  </p:clrMapOvr>
-</p:sld>
-</file>
-
-<file path=ppt/slides/slide9.xml><?xml version="1.0" encoding="utf-8"?>
-<p:sld xmlns:a="http://schemas.openxmlformats.org/drawingml/2006/main" xmlns:r="http://schemas.openxmlformats.org/officeDocument/2006/relationships" xmlns:p="http://schemas.openxmlformats.org/presentationml/2006/main">
-  <p:cSld>
-    <p:spTree>
-      <p:nvGrpSpPr>
-        <p:cNvPr id="1" name=""/>
-        <p:cNvGrpSpPr/>
-        <p:nvPr/>
-      </p:nvGrpSpPr>
-      <p:grpSpPr>
-        <a:xfrm>
-          <a:off x="0" y="0"/>
-          <a:ext cx="0" cy="0"/>
-          <a:chOff x="0" y="0"/>
-          <a:chExt cx="0" cy="0"/>
-        </a:xfrm>
-      </p:grpSpPr>
-      <p:sp>
-        <p:nvSpPr>
-          <p:cNvPr id="4" name="Title 1">
-            <a:extLst>
-              <a:ext uri="{FF2B5EF4-FFF2-40B4-BE49-F238E27FC236}">
-                <a16:creationId xmlns:a16="http://schemas.microsoft.com/office/drawing/2014/main" id="{BF1EF36E-A40D-46DD-BF2E-71FC1EBFFF90}"/>
-              </a:ext>
-            </a:extLst>
-          </p:cNvPr>
-          <p:cNvSpPr>
-            <a:spLocks noGrp="1"/>
-          </p:cNvSpPr>
-          <p:nvPr>
-            <p:ph type="title"/>
-          </p:nvPr>
-        </p:nvSpPr>
-        <p:spPr>
-          <a:xfrm>
-            <a:off x="457200" y="274638"/>
-            <a:ext cx="8229600" cy="1143000"/>
-          </a:xfrm>
-        </p:spPr>
-        <p:txBody>
-          <a:bodyPr>
-            <a:normAutofit/>
-          </a:bodyPr>
-          <a:lstStyle/>
-          <a:p>
-            <a:r>
-              <a:rPr lang="en-US" dirty="0">
-                <a:solidFill>
-                  <a:srgbClr val="0072BC"/>
-                </a:solidFill>
-              </a:rPr>
-              <a:t>RDBMS &amp; OWL 2.0</a:t>
-            </a:r>
-          </a:p>
-        </p:txBody>
-      </p:sp>
-      <p:graphicFrame>
-        <p:nvGraphicFramePr>
-          <p:cNvPr id="5" name="Content Placeholder 4">
-            <a:extLst>
-              <a:ext uri="{FF2B5EF4-FFF2-40B4-BE49-F238E27FC236}">
-                <a16:creationId xmlns:a16="http://schemas.microsoft.com/office/drawing/2014/main" id="{D446B950-A8E1-4672-9F22-B3327F1B7349}"/>
-              </a:ext>
-            </a:extLst>
-          </p:cNvPr>
-          <p:cNvGraphicFramePr>
-            <a:graphicFrameLocks noGrp="1"/>
-          </p:cNvGraphicFramePr>
-          <p:nvPr>
-            <p:ph idx="1"/>
-            <p:extLst>
-              <p:ext uri="{D42A27DB-BD31-4B8C-83A1-F6EECF244321}">
-                <p14:modId xmlns:p14="http://schemas.microsoft.com/office/powerpoint/2010/main" val="2705088774"/>
-              </p:ext>
-            </p:extLst>
-          </p:nvPr>
-        </p:nvGraphicFramePr>
-        <p:xfrm>
-          <a:off x="790460" y="1924413"/>
-          <a:ext cx="7563080" cy="3225188"/>
-        </p:xfrm>
-        <a:graphic>
-          <a:graphicData uri="http://schemas.openxmlformats.org/drawingml/2006/diagram">
-            <dgm:relIds xmlns:dgm="http://schemas.openxmlformats.org/drawingml/2006/diagram" xmlns:r="http://schemas.openxmlformats.org/officeDocument/2006/relationships" r:dm="rId2" r:lo="rId3" r:qs="rId4" r:cs="rId5"/>
-          </a:graphicData>
-        </a:graphic>
-      </p:graphicFrame>
-    </p:spTree>
-    <p:extLst>
-      <p:ext uri="{BB962C8B-B14F-4D97-AF65-F5344CB8AC3E}">
-        <p14:creationId xmlns:p14="http://schemas.microsoft.com/office/powerpoint/2010/main" val="514020999"/>
       </p:ext>
     </p:extLst>
   </p:cSld>

--- a/JournalClub/KDM_JC.pptx
+++ b/JournalClub/KDM_JC.pptx
@@ -10431,12 +10431,12 @@
               <a:t>Inception - </a:t>
             </a:r>
             <a:r>
-              <a:rPr lang="en-US" dirty="0" err="1">
+              <a:rPr lang="en-US">
                 <a:solidFill>
                   <a:srgbClr val="0072BC"/>
                 </a:solidFill>
               </a:rPr>
-              <a:t>DrON</a:t>
+              <a:t>DrOn</a:t>
             </a:r>
             <a:endParaRPr lang="en-US" dirty="0">
               <a:solidFill>

--- a/JournalClub/KDM_JC.pptx
+++ b/JournalClub/KDM_JC.pptx
@@ -136,6 +136,925 @@
 </file>
 
 <file path=ppt/diagrams/colors1.xml><?xml version="1.0" encoding="utf-8"?>
+<dgm:colorsDef xmlns:dgm="http://schemas.openxmlformats.org/drawingml/2006/diagram" xmlns:a="http://schemas.openxmlformats.org/drawingml/2006/main" uniqueId="urn:microsoft.com/office/officeart/2005/8/colors/colorful1">
+  <dgm:title val=""/>
+  <dgm:desc val=""/>
+  <dgm:catLst>
+    <dgm:cat type="colorful" pri="10100"/>
+  </dgm:catLst>
+  <dgm:styleLbl name="node0">
+    <dgm:fillClrLst meth="repeat">
+      <a:schemeClr val="accent1"/>
+    </dgm:fillClrLst>
+    <dgm:linClrLst meth="repeat">
+      <a:schemeClr val="lt1"/>
+    </dgm:linClrLst>
+    <dgm:effectClrLst/>
+    <dgm:txLinClrLst/>
+    <dgm:txFillClrLst/>
+    <dgm:txEffectClrLst/>
+  </dgm:styleLbl>
+  <dgm:styleLbl name="node1">
+    <dgm:fillClrLst meth="repeat">
+      <a:schemeClr val="accent2"/>
+      <a:schemeClr val="accent3"/>
+      <a:schemeClr val="accent4"/>
+      <a:schemeClr val="accent5"/>
+      <a:schemeClr val="accent6"/>
+    </dgm:fillClrLst>
+    <dgm:linClrLst meth="repeat">
+      <a:schemeClr val="lt1"/>
+    </dgm:linClrLst>
+    <dgm:effectClrLst/>
+    <dgm:txLinClrLst/>
+    <dgm:txFillClrLst/>
+    <dgm:txEffectClrLst/>
+  </dgm:styleLbl>
+  <dgm:styleLbl name="alignNode1">
+    <dgm:fillClrLst meth="repeat">
+      <a:schemeClr val="accent2"/>
+      <a:schemeClr val="accent3"/>
+      <a:schemeClr val="accent4"/>
+      <a:schemeClr val="accent5"/>
+      <a:schemeClr val="accent6"/>
+    </dgm:fillClrLst>
+    <dgm:linClrLst meth="repeat">
+      <a:schemeClr val="accent2"/>
+      <a:schemeClr val="accent3"/>
+      <a:schemeClr val="accent4"/>
+      <a:schemeClr val="accent5"/>
+      <a:schemeClr val="accent6"/>
+    </dgm:linClrLst>
+    <dgm:effectClrLst/>
+    <dgm:txLinClrLst/>
+    <dgm:txFillClrLst/>
+    <dgm:txEffectClrLst/>
+  </dgm:styleLbl>
+  <dgm:styleLbl name="lnNode1">
+    <dgm:fillClrLst meth="repeat">
+      <a:schemeClr val="accent2"/>
+      <a:schemeClr val="accent3"/>
+      <a:schemeClr val="accent4"/>
+      <a:schemeClr val="accent5"/>
+      <a:schemeClr val="accent6"/>
+    </dgm:fillClrLst>
+    <dgm:linClrLst meth="repeat">
+      <a:schemeClr val="lt1"/>
+    </dgm:linClrLst>
+    <dgm:effectClrLst/>
+    <dgm:txLinClrLst/>
+    <dgm:txFillClrLst/>
+    <dgm:txEffectClrLst/>
+  </dgm:styleLbl>
+  <dgm:styleLbl name="vennNode1">
+    <dgm:fillClrLst meth="repeat">
+      <a:schemeClr val="accent2">
+        <a:alpha val="50000"/>
+      </a:schemeClr>
+      <a:schemeClr val="accent3">
+        <a:alpha val="50000"/>
+      </a:schemeClr>
+      <a:schemeClr val="accent4">
+        <a:alpha val="50000"/>
+      </a:schemeClr>
+      <a:schemeClr val="accent5">
+        <a:alpha val="50000"/>
+      </a:schemeClr>
+      <a:schemeClr val="accent6">
+        <a:alpha val="50000"/>
+      </a:schemeClr>
+    </dgm:fillClrLst>
+    <dgm:linClrLst meth="repeat">
+      <a:schemeClr val="lt1"/>
+    </dgm:linClrLst>
+    <dgm:effectClrLst/>
+    <dgm:txLinClrLst/>
+    <dgm:txFillClrLst/>
+    <dgm:txEffectClrLst/>
+  </dgm:styleLbl>
+  <dgm:styleLbl name="node2">
+    <dgm:fillClrLst>
+      <a:schemeClr val="accent2"/>
+    </dgm:fillClrLst>
+    <dgm:linClrLst meth="repeat">
+      <a:schemeClr val="lt1"/>
+    </dgm:linClrLst>
+    <dgm:effectClrLst/>
+    <dgm:txLinClrLst/>
+    <dgm:txFillClrLst/>
+    <dgm:txEffectClrLst/>
+  </dgm:styleLbl>
+  <dgm:styleLbl name="node3">
+    <dgm:fillClrLst>
+      <a:schemeClr val="accent3"/>
+    </dgm:fillClrLst>
+    <dgm:linClrLst meth="repeat">
+      <a:schemeClr val="lt1"/>
+    </dgm:linClrLst>
+    <dgm:effectClrLst/>
+    <dgm:txLinClrLst/>
+    <dgm:txFillClrLst/>
+    <dgm:txEffectClrLst/>
+  </dgm:styleLbl>
+  <dgm:styleLbl name="node4">
+    <dgm:fillClrLst>
+      <a:schemeClr val="accent4"/>
+    </dgm:fillClrLst>
+    <dgm:linClrLst meth="repeat">
+      <a:schemeClr val="lt1"/>
+    </dgm:linClrLst>
+    <dgm:effectClrLst/>
+    <dgm:txLinClrLst/>
+    <dgm:txFillClrLst/>
+    <dgm:txEffectClrLst/>
+  </dgm:styleLbl>
+  <dgm:styleLbl name="fgImgPlace1">
+    <dgm:fillClrLst meth="repeat">
+      <a:schemeClr val="accent2">
+        <a:tint val="50000"/>
+      </a:schemeClr>
+      <a:schemeClr val="accent3">
+        <a:tint val="50000"/>
+      </a:schemeClr>
+      <a:schemeClr val="accent4">
+        <a:tint val="50000"/>
+      </a:schemeClr>
+      <a:schemeClr val="accent5">
+        <a:tint val="50000"/>
+      </a:schemeClr>
+      <a:schemeClr val="accent6">
+        <a:tint val="50000"/>
+      </a:schemeClr>
+    </dgm:fillClrLst>
+    <dgm:linClrLst meth="repeat">
+      <a:schemeClr val="lt1"/>
+    </dgm:linClrLst>
+    <dgm:effectClrLst/>
+    <dgm:txLinClrLst/>
+    <dgm:txFillClrLst meth="repeat">
+      <a:schemeClr val="lt1"/>
+    </dgm:txFillClrLst>
+    <dgm:txEffectClrLst/>
+  </dgm:styleLbl>
+  <dgm:styleLbl name="alignImgPlace1">
+    <dgm:fillClrLst>
+      <a:schemeClr val="accent1">
+        <a:tint val="50000"/>
+      </a:schemeClr>
+      <a:schemeClr val="accent2">
+        <a:tint val="20000"/>
+      </a:schemeClr>
+    </dgm:fillClrLst>
+    <dgm:linClrLst meth="repeat">
+      <a:schemeClr val="lt1"/>
+    </dgm:linClrLst>
+    <dgm:effectClrLst/>
+    <dgm:txLinClrLst/>
+    <dgm:txFillClrLst meth="repeat">
+      <a:schemeClr val="lt1"/>
+    </dgm:txFillClrLst>
+    <dgm:txEffectClrLst/>
+  </dgm:styleLbl>
+  <dgm:styleLbl name="bgImgPlace1">
+    <dgm:fillClrLst>
+      <a:schemeClr val="accent1">
+        <a:tint val="50000"/>
+      </a:schemeClr>
+      <a:schemeClr val="accent2">
+        <a:tint val="20000"/>
+      </a:schemeClr>
+    </dgm:fillClrLst>
+    <dgm:linClrLst meth="repeat">
+      <a:schemeClr val="lt1"/>
+    </dgm:linClrLst>
+    <dgm:effectClrLst/>
+    <dgm:txLinClrLst/>
+    <dgm:txFillClrLst meth="repeat">
+      <a:schemeClr val="lt1"/>
+    </dgm:txFillClrLst>
+    <dgm:txEffectClrLst/>
+  </dgm:styleLbl>
+  <dgm:styleLbl name="sibTrans2D1">
+    <dgm:fillClrLst meth="repeat">
+      <a:schemeClr val="accent2"/>
+      <a:schemeClr val="accent3"/>
+      <a:schemeClr val="accent4"/>
+      <a:schemeClr val="accent5"/>
+      <a:schemeClr val="accent6"/>
+    </dgm:fillClrLst>
+    <dgm:linClrLst meth="cycle">
+      <a:schemeClr val="lt1"/>
+    </dgm:linClrLst>
+    <dgm:effectClrLst/>
+    <dgm:txLinClrLst/>
+    <dgm:txFillClrLst/>
+    <dgm:txEffectClrLst/>
+  </dgm:styleLbl>
+  <dgm:styleLbl name="fgSibTrans2D1">
+    <dgm:fillClrLst meth="repeat">
+      <a:schemeClr val="accent2"/>
+      <a:schemeClr val="accent3"/>
+      <a:schemeClr val="accent4"/>
+      <a:schemeClr val="accent5"/>
+      <a:schemeClr val="accent6"/>
+    </dgm:fillClrLst>
+    <dgm:linClrLst meth="cycle">
+      <a:schemeClr val="lt1"/>
+    </dgm:linClrLst>
+    <dgm:effectClrLst/>
+    <dgm:txLinClrLst/>
+    <dgm:txFillClrLst meth="repeat">
+      <a:schemeClr val="lt1"/>
+    </dgm:txFillClrLst>
+    <dgm:txEffectClrLst/>
+  </dgm:styleLbl>
+  <dgm:styleLbl name="bgSibTrans2D1">
+    <dgm:fillClrLst meth="repeat">
+      <a:schemeClr val="accent2"/>
+      <a:schemeClr val="accent3"/>
+      <a:schemeClr val="accent4"/>
+      <a:schemeClr val="accent5"/>
+      <a:schemeClr val="accent6"/>
+    </dgm:fillClrLst>
+    <dgm:linClrLst meth="cycle">
+      <a:schemeClr val="lt1"/>
+    </dgm:linClrLst>
+    <dgm:effectClrLst/>
+    <dgm:txLinClrLst/>
+    <dgm:txFillClrLst meth="repeat">
+      <a:schemeClr val="lt1"/>
+    </dgm:txFillClrLst>
+    <dgm:txEffectClrLst/>
+  </dgm:styleLbl>
+  <dgm:styleLbl name="sibTrans1D1">
+    <dgm:fillClrLst meth="repeat">
+      <a:schemeClr val="accent2"/>
+      <a:schemeClr val="accent3"/>
+      <a:schemeClr val="accent4"/>
+      <a:schemeClr val="accent5"/>
+      <a:schemeClr val="accent6"/>
+    </dgm:fillClrLst>
+    <dgm:linClrLst meth="repeat">
+      <a:schemeClr val="accent2"/>
+      <a:schemeClr val="accent3"/>
+      <a:schemeClr val="accent4"/>
+      <a:schemeClr val="accent5"/>
+      <a:schemeClr val="accent6"/>
+    </dgm:linClrLst>
+    <dgm:effectClrLst/>
+    <dgm:txLinClrLst/>
+    <dgm:txFillClrLst meth="repeat">
+      <a:schemeClr val="tx1"/>
+    </dgm:txFillClrLst>
+    <dgm:txEffectClrLst/>
+  </dgm:styleLbl>
+  <dgm:styleLbl name="callout">
+    <dgm:fillClrLst meth="repeat">
+      <a:schemeClr val="accent2"/>
+    </dgm:fillClrLst>
+    <dgm:linClrLst meth="repeat">
+      <a:schemeClr val="accent2">
+        <a:tint val="50000"/>
+      </a:schemeClr>
+    </dgm:linClrLst>
+    <dgm:effectClrLst/>
+    <dgm:txLinClrLst/>
+    <dgm:txFillClrLst meth="repeat">
+      <a:schemeClr val="tx1"/>
+    </dgm:txFillClrLst>
+    <dgm:txEffectClrLst/>
+  </dgm:styleLbl>
+  <dgm:styleLbl name="asst0">
+    <dgm:fillClrLst meth="repeat">
+      <a:schemeClr val="accent1"/>
+    </dgm:fillClrLst>
+    <dgm:linClrLst meth="repeat">
+      <a:schemeClr val="lt1"/>
+    </dgm:linClrLst>
+    <dgm:effectClrLst/>
+    <dgm:txLinClrLst/>
+    <dgm:txFillClrLst/>
+    <dgm:txEffectClrLst/>
+  </dgm:styleLbl>
+  <dgm:styleLbl name="asst1">
+    <dgm:fillClrLst meth="repeat">
+      <a:schemeClr val="accent2"/>
+    </dgm:fillClrLst>
+    <dgm:linClrLst meth="repeat">
+      <a:schemeClr val="lt1"/>
+    </dgm:linClrLst>
+    <dgm:effectClrLst/>
+    <dgm:txLinClrLst/>
+    <dgm:txFillClrLst/>
+    <dgm:txEffectClrLst/>
+  </dgm:styleLbl>
+  <dgm:styleLbl name="asst2">
+    <dgm:fillClrLst>
+      <a:schemeClr val="accent3"/>
+    </dgm:fillClrLst>
+    <dgm:linClrLst meth="repeat">
+      <a:schemeClr val="lt1"/>
+    </dgm:linClrLst>
+    <dgm:effectClrLst/>
+    <dgm:txLinClrLst/>
+    <dgm:txFillClrLst/>
+    <dgm:txEffectClrLst/>
+  </dgm:styleLbl>
+  <dgm:styleLbl name="asst3">
+    <dgm:fillClrLst>
+      <a:schemeClr val="accent4"/>
+    </dgm:fillClrLst>
+    <dgm:linClrLst meth="repeat">
+      <a:schemeClr val="lt1"/>
+    </dgm:linClrLst>
+    <dgm:effectClrLst/>
+    <dgm:txLinClrLst/>
+    <dgm:txFillClrLst/>
+    <dgm:txEffectClrLst/>
+  </dgm:styleLbl>
+  <dgm:styleLbl name="asst4">
+    <dgm:fillClrLst>
+      <a:schemeClr val="accent5"/>
+    </dgm:fillClrLst>
+    <dgm:linClrLst meth="repeat">
+      <a:schemeClr val="lt1"/>
+    </dgm:linClrLst>
+    <dgm:effectClrLst/>
+    <dgm:txLinClrLst/>
+    <dgm:txFillClrLst/>
+    <dgm:txEffectClrLst/>
+  </dgm:styleLbl>
+  <dgm:styleLbl name="parChTrans2D1">
+    <dgm:fillClrLst meth="repeat">
+      <a:schemeClr val="accent2"/>
+    </dgm:fillClrLst>
+    <dgm:linClrLst meth="repeat">
+      <a:schemeClr val="lt1"/>
+    </dgm:linClrLst>
+    <dgm:effectClrLst/>
+    <dgm:txLinClrLst/>
+    <dgm:txFillClrLst meth="repeat">
+      <a:schemeClr val="lt1"/>
+    </dgm:txFillClrLst>
+    <dgm:txEffectClrLst/>
+  </dgm:styleLbl>
+  <dgm:styleLbl name="parChTrans2D2">
+    <dgm:fillClrLst meth="repeat">
+      <a:schemeClr val="accent3"/>
+    </dgm:fillClrLst>
+    <dgm:linClrLst meth="repeat">
+      <a:schemeClr val="lt1"/>
+    </dgm:linClrLst>
+    <dgm:effectClrLst/>
+    <dgm:txLinClrLst/>
+    <dgm:txFillClrLst/>
+    <dgm:txEffectClrLst/>
+  </dgm:styleLbl>
+  <dgm:styleLbl name="parChTrans2D3">
+    <dgm:fillClrLst meth="repeat">
+      <a:schemeClr val="accent4"/>
+    </dgm:fillClrLst>
+    <dgm:linClrLst meth="repeat">
+      <a:schemeClr val="lt1"/>
+    </dgm:linClrLst>
+    <dgm:effectClrLst/>
+    <dgm:txLinClrLst/>
+    <dgm:txFillClrLst/>
+    <dgm:txEffectClrLst/>
+  </dgm:styleLbl>
+  <dgm:styleLbl name="parChTrans2D4">
+    <dgm:fillClrLst meth="repeat">
+      <a:schemeClr val="accent5"/>
+    </dgm:fillClrLst>
+    <dgm:linClrLst meth="repeat">
+      <a:schemeClr val="lt1"/>
+    </dgm:linClrLst>
+    <dgm:effectClrLst/>
+    <dgm:txLinClrLst/>
+    <dgm:txFillClrLst meth="repeat">
+      <a:schemeClr val="lt1"/>
+    </dgm:txFillClrLst>
+    <dgm:txEffectClrLst/>
+  </dgm:styleLbl>
+  <dgm:styleLbl name="parChTrans1D1">
+    <dgm:fillClrLst meth="repeat">
+      <a:schemeClr val="accent2"/>
+    </dgm:fillClrLst>
+    <dgm:linClrLst meth="repeat">
+      <a:schemeClr val="accent1"/>
+    </dgm:linClrLst>
+    <dgm:effectClrLst/>
+    <dgm:txLinClrLst/>
+    <dgm:txFillClrLst meth="repeat">
+      <a:schemeClr val="tx1"/>
+    </dgm:txFillClrLst>
+    <dgm:txEffectClrLst/>
+  </dgm:styleLbl>
+  <dgm:styleLbl name="parChTrans1D2">
+    <dgm:fillClrLst meth="repeat">
+      <a:schemeClr val="accent3">
+        <a:tint val="90000"/>
+      </a:schemeClr>
+    </dgm:fillClrLst>
+    <dgm:linClrLst meth="repeat">
+      <a:schemeClr val="accent2"/>
+    </dgm:linClrLst>
+    <dgm:effectClrLst/>
+    <dgm:txLinClrLst/>
+    <dgm:txFillClrLst meth="repeat">
+      <a:schemeClr val="tx1"/>
+    </dgm:txFillClrLst>
+    <dgm:txEffectClrLst/>
+  </dgm:styleLbl>
+  <dgm:styleLbl name="parChTrans1D3">
+    <dgm:fillClrLst meth="repeat">
+      <a:schemeClr val="accent4">
+        <a:tint val="70000"/>
+      </a:schemeClr>
+    </dgm:fillClrLst>
+    <dgm:linClrLst meth="repeat">
+      <a:schemeClr val="accent3"/>
+    </dgm:linClrLst>
+    <dgm:effectClrLst/>
+    <dgm:txLinClrLst/>
+    <dgm:txFillClrLst meth="repeat">
+      <a:schemeClr val="tx1"/>
+    </dgm:txFillClrLst>
+    <dgm:txEffectClrLst/>
+  </dgm:styleLbl>
+  <dgm:styleLbl name="parChTrans1D4">
+    <dgm:fillClrLst meth="repeat">
+      <a:schemeClr val="accent5">
+        <a:tint val="50000"/>
+      </a:schemeClr>
+    </dgm:fillClrLst>
+    <dgm:linClrLst meth="repeat">
+      <a:schemeClr val="accent4"/>
+    </dgm:linClrLst>
+    <dgm:effectClrLst/>
+    <dgm:txLinClrLst/>
+    <dgm:txFillClrLst meth="repeat">
+      <a:schemeClr val="tx1"/>
+    </dgm:txFillClrLst>
+    <dgm:txEffectClrLst/>
+  </dgm:styleLbl>
+  <dgm:styleLbl name="fgAcc1">
+    <dgm:fillClrLst meth="repeat">
+      <a:schemeClr val="lt1">
+        <a:alpha val="90000"/>
+      </a:schemeClr>
+    </dgm:fillClrLst>
+    <dgm:linClrLst meth="repeat">
+      <a:schemeClr val="accent2"/>
+      <a:schemeClr val="accent3"/>
+      <a:schemeClr val="accent4"/>
+      <a:schemeClr val="accent5"/>
+      <a:schemeClr val="accent6"/>
+    </dgm:linClrLst>
+    <dgm:effectClrLst/>
+    <dgm:txLinClrLst/>
+    <dgm:txFillClrLst meth="repeat">
+      <a:schemeClr val="dk1"/>
+    </dgm:txFillClrLst>
+    <dgm:txEffectClrLst/>
+  </dgm:styleLbl>
+  <dgm:styleLbl name="conFgAcc1">
+    <dgm:fillClrLst meth="repeat">
+      <a:schemeClr val="lt1">
+        <a:alpha val="90000"/>
+      </a:schemeClr>
+    </dgm:fillClrLst>
+    <dgm:linClrLst meth="repeat">
+      <a:schemeClr val="accent2"/>
+      <a:schemeClr val="accent3"/>
+      <a:schemeClr val="accent4"/>
+      <a:schemeClr val="accent5"/>
+      <a:schemeClr val="accent6"/>
+    </dgm:linClrLst>
+    <dgm:effectClrLst/>
+    <dgm:txLinClrLst/>
+    <dgm:txFillClrLst meth="repeat">
+      <a:schemeClr val="dk1"/>
+    </dgm:txFillClrLst>
+    <dgm:txEffectClrLst/>
+  </dgm:styleLbl>
+  <dgm:styleLbl name="alignAcc1">
+    <dgm:fillClrLst meth="repeat">
+      <a:schemeClr val="lt1">
+        <a:alpha val="90000"/>
+      </a:schemeClr>
+    </dgm:fillClrLst>
+    <dgm:linClrLst meth="repeat">
+      <a:schemeClr val="accent2"/>
+      <a:schemeClr val="accent3"/>
+      <a:schemeClr val="accent4"/>
+      <a:schemeClr val="accent5"/>
+      <a:schemeClr val="accent6"/>
+    </dgm:linClrLst>
+    <dgm:effectClrLst/>
+    <dgm:txLinClrLst/>
+    <dgm:txFillClrLst meth="repeat">
+      <a:schemeClr val="dk1"/>
+    </dgm:txFillClrLst>
+    <dgm:txEffectClrLst/>
+  </dgm:styleLbl>
+  <dgm:styleLbl name="trAlignAcc1">
+    <dgm:fillClrLst meth="repeat">
+      <a:schemeClr val="lt1">
+        <a:alpha val="40000"/>
+      </a:schemeClr>
+    </dgm:fillClrLst>
+    <dgm:linClrLst meth="repeat">
+      <a:schemeClr val="accent1"/>
+    </dgm:linClrLst>
+    <dgm:effectClrLst/>
+    <dgm:txLinClrLst/>
+    <dgm:txFillClrLst meth="repeat">
+      <a:schemeClr val="dk1"/>
+    </dgm:txFillClrLst>
+    <dgm:txEffectClrLst/>
+  </dgm:styleLbl>
+  <dgm:styleLbl name="bgAcc1">
+    <dgm:fillClrLst meth="repeat">
+      <a:schemeClr val="lt1">
+        <a:alpha val="90000"/>
+      </a:schemeClr>
+    </dgm:fillClrLst>
+    <dgm:linClrLst meth="repeat">
+      <a:schemeClr val="accent2"/>
+      <a:schemeClr val="accent3"/>
+      <a:schemeClr val="accent4"/>
+      <a:schemeClr val="accent5"/>
+      <a:schemeClr val="accent6"/>
+    </dgm:linClrLst>
+    <dgm:effectClrLst/>
+    <dgm:txLinClrLst/>
+    <dgm:txFillClrLst meth="repeat">
+      <a:schemeClr val="dk1"/>
+    </dgm:txFillClrLst>
+    <dgm:txEffectClrLst/>
+  </dgm:styleLbl>
+  <dgm:styleLbl name="solidFgAcc1">
+    <dgm:fillClrLst meth="repeat">
+      <a:schemeClr val="lt1"/>
+    </dgm:fillClrLst>
+    <dgm:linClrLst meth="repeat">
+      <a:schemeClr val="accent2"/>
+      <a:schemeClr val="accent3"/>
+      <a:schemeClr val="accent4"/>
+      <a:schemeClr val="accent5"/>
+      <a:schemeClr val="accent6"/>
+    </dgm:linClrLst>
+    <dgm:effectClrLst/>
+    <dgm:txLinClrLst/>
+    <dgm:txFillClrLst meth="repeat">
+      <a:schemeClr val="dk1"/>
+    </dgm:txFillClrLst>
+    <dgm:txEffectClrLst/>
+  </dgm:styleLbl>
+  <dgm:styleLbl name="solidAlignAcc1">
+    <dgm:fillClrLst meth="repeat">
+      <a:schemeClr val="lt1"/>
+    </dgm:fillClrLst>
+    <dgm:linClrLst meth="repeat">
+      <a:schemeClr val="accent2"/>
+      <a:schemeClr val="accent3"/>
+      <a:schemeClr val="accent4"/>
+      <a:schemeClr val="accent5"/>
+      <a:schemeClr val="accent6"/>
+    </dgm:linClrLst>
+    <dgm:effectClrLst/>
+    <dgm:txLinClrLst/>
+    <dgm:txFillClrLst meth="repeat">
+      <a:schemeClr val="dk1"/>
+    </dgm:txFillClrLst>
+    <dgm:txEffectClrLst/>
+  </dgm:styleLbl>
+  <dgm:styleLbl name="solidBgAcc1">
+    <dgm:fillClrLst meth="repeat">
+      <a:schemeClr val="lt1"/>
+    </dgm:fillClrLst>
+    <dgm:linClrLst meth="repeat">
+      <a:schemeClr val="accent2"/>
+      <a:schemeClr val="accent3"/>
+      <a:schemeClr val="accent4"/>
+      <a:schemeClr val="accent5"/>
+      <a:schemeClr val="accent6"/>
+    </dgm:linClrLst>
+    <dgm:effectClrLst/>
+    <dgm:txLinClrLst/>
+    <dgm:txFillClrLst meth="repeat">
+      <a:schemeClr val="dk1"/>
+    </dgm:txFillClrLst>
+    <dgm:txEffectClrLst/>
+  </dgm:styleLbl>
+  <dgm:styleLbl name="fgAccFollowNode1">
+    <dgm:fillClrLst meth="repeat">
+      <a:schemeClr val="accent2">
+        <a:tint val="40000"/>
+        <a:alpha val="90000"/>
+      </a:schemeClr>
+      <a:schemeClr val="accent3">
+        <a:tint val="40000"/>
+        <a:alpha val="90000"/>
+      </a:schemeClr>
+      <a:schemeClr val="accent4">
+        <a:tint val="40000"/>
+        <a:alpha val="90000"/>
+      </a:schemeClr>
+      <a:schemeClr val="accent5">
+        <a:tint val="40000"/>
+        <a:alpha val="90000"/>
+      </a:schemeClr>
+      <a:schemeClr val="accent6">
+        <a:tint val="40000"/>
+        <a:alpha val="90000"/>
+      </a:schemeClr>
+    </dgm:fillClrLst>
+    <dgm:linClrLst meth="repeat">
+      <a:schemeClr val="accent2">
+        <a:tint val="40000"/>
+        <a:alpha val="90000"/>
+      </a:schemeClr>
+      <a:schemeClr val="accent3">
+        <a:tint val="40000"/>
+        <a:alpha val="90000"/>
+      </a:schemeClr>
+      <a:schemeClr val="accent4">
+        <a:tint val="40000"/>
+        <a:alpha val="90000"/>
+      </a:schemeClr>
+      <a:schemeClr val="accent5">
+        <a:tint val="40000"/>
+        <a:alpha val="90000"/>
+      </a:schemeClr>
+      <a:schemeClr val="accent6">
+        <a:tint val="40000"/>
+        <a:alpha val="90000"/>
+      </a:schemeClr>
+    </dgm:linClrLst>
+    <dgm:effectClrLst/>
+    <dgm:txLinClrLst/>
+    <dgm:txFillClrLst meth="repeat">
+      <a:schemeClr val="dk1"/>
+    </dgm:txFillClrLst>
+    <dgm:txEffectClrLst/>
+  </dgm:styleLbl>
+  <dgm:styleLbl name="alignAccFollowNode1">
+    <dgm:fillClrLst meth="repeat">
+      <a:schemeClr val="accent2">
+        <a:tint val="40000"/>
+        <a:alpha val="90000"/>
+      </a:schemeClr>
+      <a:schemeClr val="accent3">
+        <a:tint val="40000"/>
+        <a:alpha val="90000"/>
+      </a:schemeClr>
+      <a:schemeClr val="accent4">
+        <a:tint val="40000"/>
+        <a:alpha val="90000"/>
+      </a:schemeClr>
+      <a:schemeClr val="accent5">
+        <a:tint val="40000"/>
+        <a:alpha val="90000"/>
+      </a:schemeClr>
+      <a:schemeClr val="accent6">
+        <a:tint val="40000"/>
+        <a:alpha val="90000"/>
+      </a:schemeClr>
+    </dgm:fillClrLst>
+    <dgm:linClrLst meth="repeat">
+      <a:schemeClr val="accent2">
+        <a:tint val="40000"/>
+        <a:alpha val="90000"/>
+      </a:schemeClr>
+      <a:schemeClr val="accent3">
+        <a:tint val="40000"/>
+        <a:alpha val="90000"/>
+      </a:schemeClr>
+      <a:schemeClr val="accent4">
+        <a:tint val="40000"/>
+        <a:alpha val="90000"/>
+      </a:schemeClr>
+      <a:schemeClr val="accent5">
+        <a:tint val="40000"/>
+        <a:alpha val="90000"/>
+      </a:schemeClr>
+      <a:schemeClr val="accent6">
+        <a:tint val="40000"/>
+        <a:alpha val="90000"/>
+      </a:schemeClr>
+    </dgm:linClrLst>
+    <dgm:effectClrLst/>
+    <dgm:txLinClrLst/>
+    <dgm:txFillClrLst meth="repeat">
+      <a:schemeClr val="dk1"/>
+    </dgm:txFillClrLst>
+    <dgm:txEffectClrLst/>
+  </dgm:styleLbl>
+  <dgm:styleLbl name="bgAccFollowNode1">
+    <dgm:fillClrLst meth="repeat">
+      <a:schemeClr val="accent2">
+        <a:tint val="40000"/>
+        <a:alpha val="90000"/>
+      </a:schemeClr>
+      <a:schemeClr val="accent3">
+        <a:tint val="40000"/>
+        <a:alpha val="90000"/>
+      </a:schemeClr>
+      <a:schemeClr val="accent4">
+        <a:tint val="40000"/>
+        <a:alpha val="90000"/>
+      </a:schemeClr>
+      <a:schemeClr val="accent5">
+        <a:tint val="40000"/>
+        <a:alpha val="90000"/>
+      </a:schemeClr>
+      <a:schemeClr val="accent6">
+        <a:tint val="40000"/>
+        <a:alpha val="90000"/>
+      </a:schemeClr>
+    </dgm:fillClrLst>
+    <dgm:linClrLst meth="repeat">
+      <a:schemeClr val="accent2">
+        <a:tint val="40000"/>
+        <a:alpha val="90000"/>
+      </a:schemeClr>
+      <a:schemeClr val="accent3">
+        <a:tint val="40000"/>
+        <a:alpha val="90000"/>
+      </a:schemeClr>
+      <a:schemeClr val="accent4">
+        <a:tint val="40000"/>
+        <a:alpha val="90000"/>
+      </a:schemeClr>
+      <a:schemeClr val="accent5">
+        <a:tint val="40000"/>
+        <a:alpha val="90000"/>
+      </a:schemeClr>
+      <a:schemeClr val="accent6">
+        <a:tint val="40000"/>
+        <a:alpha val="90000"/>
+      </a:schemeClr>
+    </dgm:linClrLst>
+    <dgm:effectClrLst/>
+    <dgm:txLinClrLst/>
+    <dgm:txFillClrLst meth="repeat">
+      <a:schemeClr val="dk1"/>
+    </dgm:txFillClrLst>
+    <dgm:txEffectClrLst/>
+  </dgm:styleLbl>
+  <dgm:styleLbl name="fgAcc0">
+    <dgm:fillClrLst meth="repeat">
+      <a:schemeClr val="lt1">
+        <a:alpha val="90000"/>
+      </a:schemeClr>
+    </dgm:fillClrLst>
+    <dgm:linClrLst>
+      <a:schemeClr val="accent1"/>
+    </dgm:linClrLst>
+    <dgm:effectClrLst/>
+    <dgm:txLinClrLst/>
+    <dgm:txFillClrLst meth="repeat">
+      <a:schemeClr val="dk1"/>
+    </dgm:txFillClrLst>
+    <dgm:txEffectClrLst/>
+  </dgm:styleLbl>
+  <dgm:styleLbl name="fgAcc2">
+    <dgm:fillClrLst meth="repeat">
+      <a:schemeClr val="lt1">
+        <a:alpha val="90000"/>
+      </a:schemeClr>
+    </dgm:fillClrLst>
+    <dgm:linClrLst>
+      <a:schemeClr val="accent2"/>
+    </dgm:linClrLst>
+    <dgm:effectClrLst/>
+    <dgm:txLinClrLst/>
+    <dgm:txFillClrLst meth="repeat">
+      <a:schemeClr val="dk1"/>
+    </dgm:txFillClrLst>
+    <dgm:txEffectClrLst/>
+  </dgm:styleLbl>
+  <dgm:styleLbl name="fgAcc3">
+    <dgm:fillClrLst meth="repeat">
+      <a:schemeClr val="lt1">
+        <a:alpha val="90000"/>
+      </a:schemeClr>
+    </dgm:fillClrLst>
+    <dgm:linClrLst>
+      <a:schemeClr val="accent3"/>
+    </dgm:linClrLst>
+    <dgm:effectClrLst/>
+    <dgm:txLinClrLst/>
+    <dgm:txFillClrLst meth="repeat">
+      <a:schemeClr val="dk1"/>
+    </dgm:txFillClrLst>
+    <dgm:txEffectClrLst/>
+  </dgm:styleLbl>
+  <dgm:styleLbl name="fgAcc4">
+    <dgm:fillClrLst meth="repeat">
+      <a:schemeClr val="lt1">
+        <a:alpha val="90000"/>
+      </a:schemeClr>
+    </dgm:fillClrLst>
+    <dgm:linClrLst>
+      <a:schemeClr val="accent4"/>
+    </dgm:linClrLst>
+    <dgm:effectClrLst/>
+    <dgm:txLinClrLst/>
+    <dgm:txFillClrLst meth="repeat">
+      <a:schemeClr val="dk1"/>
+    </dgm:txFillClrLst>
+    <dgm:txEffectClrLst/>
+  </dgm:styleLbl>
+  <dgm:styleLbl name="bgShp">
+    <dgm:fillClrLst meth="repeat">
+      <a:schemeClr val="accent2">
+        <a:tint val="40000"/>
+      </a:schemeClr>
+    </dgm:fillClrLst>
+    <dgm:linClrLst meth="repeat">
+      <a:schemeClr val="dk1"/>
+    </dgm:linClrLst>
+    <dgm:effectClrLst/>
+    <dgm:txLinClrLst/>
+    <dgm:txFillClrLst meth="repeat">
+      <a:schemeClr val="dk1"/>
+    </dgm:txFillClrLst>
+    <dgm:txEffectClrLst/>
+  </dgm:styleLbl>
+  <dgm:styleLbl name="dkBgShp">
+    <dgm:fillClrLst meth="repeat">
+      <a:schemeClr val="accent2">
+        <a:shade val="90000"/>
+      </a:schemeClr>
+    </dgm:fillClrLst>
+    <dgm:linClrLst meth="repeat">
+      <a:schemeClr val="dk1"/>
+    </dgm:linClrLst>
+    <dgm:effectClrLst/>
+    <dgm:txLinClrLst/>
+    <dgm:txFillClrLst meth="repeat">
+      <a:schemeClr val="lt1"/>
+    </dgm:txFillClrLst>
+    <dgm:txEffectClrLst/>
+  </dgm:styleLbl>
+  <dgm:styleLbl name="trBgShp">
+    <dgm:fillClrLst meth="repeat">
+      <a:schemeClr val="accent1">
+        <a:tint val="50000"/>
+        <a:alpha val="40000"/>
+      </a:schemeClr>
+    </dgm:fillClrLst>
+    <dgm:linClrLst meth="repeat">
+      <a:schemeClr val="accent2"/>
+    </dgm:linClrLst>
+    <dgm:effectClrLst/>
+    <dgm:txLinClrLst/>
+    <dgm:txFillClrLst meth="repeat">
+      <a:schemeClr val="lt1"/>
+    </dgm:txFillClrLst>
+    <dgm:txEffectClrLst/>
+  </dgm:styleLbl>
+  <dgm:styleLbl name="fgShp">
+    <dgm:fillClrLst meth="repeat">
+      <a:schemeClr val="accent2">
+        <a:tint val="40000"/>
+      </a:schemeClr>
+    </dgm:fillClrLst>
+    <dgm:linClrLst meth="repeat">
+      <a:schemeClr val="lt1"/>
+    </dgm:linClrLst>
+    <dgm:effectClrLst/>
+    <dgm:txLinClrLst/>
+    <dgm:txFillClrLst meth="repeat">
+      <a:schemeClr val="dk1"/>
+    </dgm:txFillClrLst>
+    <dgm:txEffectClrLst/>
+  </dgm:styleLbl>
+  <dgm:styleLbl name="revTx">
+    <dgm:fillClrLst meth="repeat">
+      <a:schemeClr val="lt1">
+        <a:alpha val="0"/>
+      </a:schemeClr>
+    </dgm:fillClrLst>
+    <dgm:linClrLst meth="repeat">
+      <a:schemeClr val="dk1">
+        <a:alpha val="0"/>
+      </a:schemeClr>
+    </dgm:linClrLst>
+    <dgm:effectClrLst/>
+    <dgm:txLinClrLst/>
+    <dgm:txFillClrLst meth="repeat">
+      <a:schemeClr val="tx1"/>
+    </dgm:txFillClrLst>
+    <dgm:txEffectClrLst/>
+  </dgm:styleLbl>
+</dgm:colorsDef>
+</file>
+
+<file path=ppt/diagrams/colors2.xml><?xml version="1.0" encoding="utf-8"?>
 <dgm:colorsDef xmlns:dgm="http://schemas.openxmlformats.org/drawingml/2006/diagram" xmlns:a="http://schemas.openxmlformats.org/drawingml/2006/main" uniqueId="urn:microsoft.com/office/officeart/2005/8/colors/accent1_2">
   <dgm:title val=""/>
   <dgm:desc val=""/>
@@ -882,7 +1801,1559 @@
 </dgm:colorsDef>
 </file>
 
+<file path=ppt/diagrams/colors3.xml><?xml version="1.0" encoding="utf-8"?>
+<dgm:colorsDef xmlns:dgm="http://schemas.openxmlformats.org/drawingml/2006/diagram" xmlns:a="http://schemas.openxmlformats.org/drawingml/2006/main" uniqueId="urn:microsoft.com/office/officeart/2005/8/colors/accent1_2">
+  <dgm:title val=""/>
+  <dgm:desc val=""/>
+  <dgm:catLst>
+    <dgm:cat type="accent1" pri="11200"/>
+  </dgm:catLst>
+  <dgm:styleLbl name="node0">
+    <dgm:fillClrLst meth="repeat">
+      <a:schemeClr val="accent1"/>
+    </dgm:fillClrLst>
+    <dgm:linClrLst meth="repeat">
+      <a:schemeClr val="lt1"/>
+    </dgm:linClrLst>
+    <dgm:effectClrLst/>
+    <dgm:txLinClrLst/>
+    <dgm:txFillClrLst/>
+    <dgm:txEffectClrLst/>
+  </dgm:styleLbl>
+  <dgm:styleLbl name="alignNode1">
+    <dgm:fillClrLst meth="repeat">
+      <a:schemeClr val="accent1"/>
+    </dgm:fillClrLst>
+    <dgm:linClrLst meth="repeat">
+      <a:schemeClr val="accent1"/>
+    </dgm:linClrLst>
+    <dgm:effectClrLst/>
+    <dgm:txLinClrLst/>
+    <dgm:txFillClrLst/>
+    <dgm:txEffectClrLst/>
+  </dgm:styleLbl>
+  <dgm:styleLbl name="node1">
+    <dgm:fillClrLst meth="repeat">
+      <a:schemeClr val="accent1"/>
+    </dgm:fillClrLst>
+    <dgm:linClrLst meth="repeat">
+      <a:schemeClr val="lt1"/>
+    </dgm:linClrLst>
+    <dgm:effectClrLst/>
+    <dgm:txLinClrLst/>
+    <dgm:txFillClrLst/>
+    <dgm:txEffectClrLst/>
+  </dgm:styleLbl>
+  <dgm:styleLbl name="lnNode1">
+    <dgm:fillClrLst meth="repeat">
+      <a:schemeClr val="accent1"/>
+    </dgm:fillClrLst>
+    <dgm:linClrLst meth="repeat">
+      <a:schemeClr val="lt1"/>
+    </dgm:linClrLst>
+    <dgm:effectClrLst/>
+    <dgm:txLinClrLst/>
+    <dgm:txFillClrLst/>
+    <dgm:txEffectClrLst/>
+  </dgm:styleLbl>
+  <dgm:styleLbl name="vennNode1">
+    <dgm:fillClrLst meth="repeat">
+      <a:schemeClr val="accent1">
+        <a:alpha val="50000"/>
+      </a:schemeClr>
+    </dgm:fillClrLst>
+    <dgm:linClrLst meth="repeat">
+      <a:schemeClr val="lt1"/>
+    </dgm:linClrLst>
+    <dgm:effectClrLst/>
+    <dgm:txLinClrLst/>
+    <dgm:txFillClrLst/>
+    <dgm:txEffectClrLst/>
+  </dgm:styleLbl>
+  <dgm:styleLbl name="node2">
+    <dgm:fillClrLst meth="repeat">
+      <a:schemeClr val="accent1"/>
+    </dgm:fillClrLst>
+    <dgm:linClrLst meth="repeat">
+      <a:schemeClr val="lt1"/>
+    </dgm:linClrLst>
+    <dgm:effectClrLst/>
+    <dgm:txLinClrLst/>
+    <dgm:txFillClrLst/>
+    <dgm:txEffectClrLst/>
+  </dgm:styleLbl>
+  <dgm:styleLbl name="node3">
+    <dgm:fillClrLst meth="repeat">
+      <a:schemeClr val="accent1"/>
+    </dgm:fillClrLst>
+    <dgm:linClrLst meth="repeat">
+      <a:schemeClr val="lt1"/>
+    </dgm:linClrLst>
+    <dgm:effectClrLst/>
+    <dgm:txLinClrLst/>
+    <dgm:txFillClrLst/>
+    <dgm:txEffectClrLst/>
+  </dgm:styleLbl>
+  <dgm:styleLbl name="node4">
+    <dgm:fillClrLst meth="repeat">
+      <a:schemeClr val="accent1"/>
+    </dgm:fillClrLst>
+    <dgm:linClrLst meth="repeat">
+      <a:schemeClr val="lt1"/>
+    </dgm:linClrLst>
+    <dgm:effectClrLst/>
+    <dgm:txLinClrLst/>
+    <dgm:txFillClrLst/>
+    <dgm:txEffectClrLst/>
+  </dgm:styleLbl>
+  <dgm:styleLbl name="fgImgPlace1">
+    <dgm:fillClrLst meth="repeat">
+      <a:schemeClr val="accent1">
+        <a:tint val="50000"/>
+      </a:schemeClr>
+    </dgm:fillClrLst>
+    <dgm:linClrLst meth="repeat">
+      <a:schemeClr val="lt1"/>
+    </dgm:linClrLst>
+    <dgm:effectClrLst/>
+    <dgm:txLinClrLst/>
+    <dgm:txFillClrLst meth="repeat">
+      <a:schemeClr val="lt1"/>
+    </dgm:txFillClrLst>
+    <dgm:txEffectClrLst/>
+  </dgm:styleLbl>
+  <dgm:styleLbl name="alignImgPlace1">
+    <dgm:fillClrLst meth="repeat">
+      <a:schemeClr val="accent1">
+        <a:tint val="50000"/>
+      </a:schemeClr>
+    </dgm:fillClrLst>
+    <dgm:linClrLst meth="repeat">
+      <a:schemeClr val="lt1"/>
+    </dgm:linClrLst>
+    <dgm:effectClrLst/>
+    <dgm:txLinClrLst/>
+    <dgm:txFillClrLst meth="repeat">
+      <a:schemeClr val="lt1"/>
+    </dgm:txFillClrLst>
+    <dgm:txEffectClrLst/>
+  </dgm:styleLbl>
+  <dgm:styleLbl name="bgImgPlace1">
+    <dgm:fillClrLst meth="repeat">
+      <a:schemeClr val="accent1">
+        <a:tint val="50000"/>
+      </a:schemeClr>
+    </dgm:fillClrLst>
+    <dgm:linClrLst meth="repeat">
+      <a:schemeClr val="lt1"/>
+    </dgm:linClrLst>
+    <dgm:effectClrLst/>
+    <dgm:txLinClrLst/>
+    <dgm:txFillClrLst meth="repeat">
+      <a:schemeClr val="lt1"/>
+    </dgm:txFillClrLst>
+    <dgm:txEffectClrLst/>
+  </dgm:styleLbl>
+  <dgm:styleLbl name="sibTrans2D1">
+    <dgm:fillClrLst meth="repeat">
+      <a:schemeClr val="accent1">
+        <a:tint val="60000"/>
+      </a:schemeClr>
+    </dgm:fillClrLst>
+    <dgm:linClrLst meth="repeat">
+      <a:schemeClr val="accent1">
+        <a:tint val="60000"/>
+      </a:schemeClr>
+    </dgm:linClrLst>
+    <dgm:effectClrLst/>
+    <dgm:txLinClrLst/>
+    <dgm:txFillClrLst/>
+    <dgm:txEffectClrLst/>
+  </dgm:styleLbl>
+  <dgm:styleLbl name="fgSibTrans2D1">
+    <dgm:fillClrLst meth="repeat">
+      <a:schemeClr val="accent1">
+        <a:tint val="60000"/>
+      </a:schemeClr>
+    </dgm:fillClrLst>
+    <dgm:linClrLst meth="repeat">
+      <a:schemeClr val="accent1">
+        <a:tint val="60000"/>
+      </a:schemeClr>
+    </dgm:linClrLst>
+    <dgm:effectClrLst/>
+    <dgm:txLinClrLst/>
+    <dgm:txFillClrLst/>
+    <dgm:txEffectClrLst/>
+  </dgm:styleLbl>
+  <dgm:styleLbl name="bgSibTrans2D1">
+    <dgm:fillClrLst meth="repeat">
+      <a:schemeClr val="accent1">
+        <a:tint val="60000"/>
+      </a:schemeClr>
+    </dgm:fillClrLst>
+    <dgm:linClrLst meth="repeat">
+      <a:schemeClr val="accent1">
+        <a:tint val="60000"/>
+      </a:schemeClr>
+    </dgm:linClrLst>
+    <dgm:effectClrLst/>
+    <dgm:txLinClrLst/>
+    <dgm:txFillClrLst/>
+    <dgm:txEffectClrLst/>
+  </dgm:styleLbl>
+  <dgm:styleLbl name="sibTrans1D1">
+    <dgm:fillClrLst meth="repeat">
+      <a:schemeClr val="accent1"/>
+    </dgm:fillClrLst>
+    <dgm:linClrLst meth="repeat">
+      <a:schemeClr val="accent1"/>
+    </dgm:linClrLst>
+    <dgm:effectClrLst/>
+    <dgm:txLinClrLst/>
+    <dgm:txFillClrLst meth="repeat">
+      <a:schemeClr val="tx1"/>
+    </dgm:txFillClrLst>
+    <dgm:txEffectClrLst/>
+  </dgm:styleLbl>
+  <dgm:styleLbl name="callout">
+    <dgm:fillClrLst meth="repeat">
+      <a:schemeClr val="accent1"/>
+    </dgm:fillClrLst>
+    <dgm:linClrLst meth="repeat">
+      <a:schemeClr val="accent1">
+        <a:tint val="50000"/>
+      </a:schemeClr>
+    </dgm:linClrLst>
+    <dgm:effectClrLst/>
+    <dgm:txLinClrLst/>
+    <dgm:txFillClrLst meth="repeat">
+      <a:schemeClr val="tx1"/>
+    </dgm:txFillClrLst>
+    <dgm:txEffectClrLst/>
+  </dgm:styleLbl>
+  <dgm:styleLbl name="asst0">
+    <dgm:fillClrLst meth="repeat">
+      <a:schemeClr val="accent1"/>
+    </dgm:fillClrLst>
+    <dgm:linClrLst meth="repeat">
+      <a:schemeClr val="lt1"/>
+    </dgm:linClrLst>
+    <dgm:effectClrLst/>
+    <dgm:txLinClrLst/>
+    <dgm:txFillClrLst/>
+    <dgm:txEffectClrLst/>
+  </dgm:styleLbl>
+  <dgm:styleLbl name="asst1">
+    <dgm:fillClrLst meth="repeat">
+      <a:schemeClr val="accent1"/>
+    </dgm:fillClrLst>
+    <dgm:linClrLst meth="repeat">
+      <a:schemeClr val="lt1"/>
+    </dgm:linClrLst>
+    <dgm:effectClrLst/>
+    <dgm:txLinClrLst/>
+    <dgm:txFillClrLst/>
+    <dgm:txEffectClrLst/>
+  </dgm:styleLbl>
+  <dgm:styleLbl name="asst2">
+    <dgm:fillClrLst meth="repeat">
+      <a:schemeClr val="accent1"/>
+    </dgm:fillClrLst>
+    <dgm:linClrLst meth="repeat">
+      <a:schemeClr val="lt1"/>
+    </dgm:linClrLst>
+    <dgm:effectClrLst/>
+    <dgm:txLinClrLst/>
+    <dgm:txFillClrLst/>
+    <dgm:txEffectClrLst/>
+  </dgm:styleLbl>
+  <dgm:styleLbl name="asst3">
+    <dgm:fillClrLst meth="repeat">
+      <a:schemeClr val="accent1"/>
+    </dgm:fillClrLst>
+    <dgm:linClrLst meth="repeat">
+      <a:schemeClr val="lt1"/>
+    </dgm:linClrLst>
+    <dgm:effectClrLst/>
+    <dgm:txLinClrLst/>
+    <dgm:txFillClrLst/>
+    <dgm:txEffectClrLst/>
+  </dgm:styleLbl>
+  <dgm:styleLbl name="asst4">
+    <dgm:fillClrLst meth="repeat">
+      <a:schemeClr val="accent1"/>
+    </dgm:fillClrLst>
+    <dgm:linClrLst meth="repeat">
+      <a:schemeClr val="lt1"/>
+    </dgm:linClrLst>
+    <dgm:effectClrLst/>
+    <dgm:txLinClrLst/>
+    <dgm:txFillClrLst/>
+    <dgm:txEffectClrLst/>
+  </dgm:styleLbl>
+  <dgm:styleLbl name="parChTrans2D1">
+    <dgm:fillClrLst meth="repeat">
+      <a:schemeClr val="accent1">
+        <a:tint val="60000"/>
+      </a:schemeClr>
+    </dgm:fillClrLst>
+    <dgm:linClrLst meth="repeat">
+      <a:schemeClr val="accent1">
+        <a:tint val="60000"/>
+      </a:schemeClr>
+    </dgm:linClrLst>
+    <dgm:effectClrLst/>
+    <dgm:txLinClrLst/>
+    <dgm:txFillClrLst meth="repeat">
+      <a:schemeClr val="lt1"/>
+    </dgm:txFillClrLst>
+    <dgm:txEffectClrLst/>
+  </dgm:styleLbl>
+  <dgm:styleLbl name="parChTrans2D2">
+    <dgm:fillClrLst meth="repeat">
+      <a:schemeClr val="accent1"/>
+    </dgm:fillClrLst>
+    <dgm:linClrLst meth="repeat">
+      <a:schemeClr val="accent1"/>
+    </dgm:linClrLst>
+    <dgm:effectClrLst/>
+    <dgm:txLinClrLst/>
+    <dgm:txFillClrLst meth="repeat">
+      <a:schemeClr val="lt1"/>
+    </dgm:txFillClrLst>
+    <dgm:txEffectClrLst/>
+  </dgm:styleLbl>
+  <dgm:styleLbl name="parChTrans2D3">
+    <dgm:fillClrLst meth="repeat">
+      <a:schemeClr val="accent1"/>
+    </dgm:fillClrLst>
+    <dgm:linClrLst meth="repeat">
+      <a:schemeClr val="accent1"/>
+    </dgm:linClrLst>
+    <dgm:effectClrLst/>
+    <dgm:txLinClrLst/>
+    <dgm:txFillClrLst meth="repeat">
+      <a:schemeClr val="lt1"/>
+    </dgm:txFillClrLst>
+    <dgm:txEffectClrLst/>
+  </dgm:styleLbl>
+  <dgm:styleLbl name="parChTrans2D4">
+    <dgm:fillClrLst meth="repeat">
+      <a:schemeClr val="accent1"/>
+    </dgm:fillClrLst>
+    <dgm:linClrLst meth="repeat">
+      <a:schemeClr val="accent1"/>
+    </dgm:linClrLst>
+    <dgm:effectClrLst/>
+    <dgm:txLinClrLst/>
+    <dgm:txFillClrLst meth="repeat">
+      <a:schemeClr val="lt1"/>
+    </dgm:txFillClrLst>
+    <dgm:txEffectClrLst/>
+  </dgm:styleLbl>
+  <dgm:styleLbl name="parChTrans1D1">
+    <dgm:fillClrLst meth="repeat">
+      <a:schemeClr val="accent1"/>
+    </dgm:fillClrLst>
+    <dgm:linClrLst meth="repeat">
+      <a:schemeClr val="accent1">
+        <a:shade val="60000"/>
+      </a:schemeClr>
+    </dgm:linClrLst>
+    <dgm:effectClrLst/>
+    <dgm:txLinClrLst/>
+    <dgm:txFillClrLst meth="repeat">
+      <a:schemeClr val="tx1"/>
+    </dgm:txFillClrLst>
+    <dgm:txEffectClrLst/>
+  </dgm:styleLbl>
+  <dgm:styleLbl name="parChTrans1D2">
+    <dgm:fillClrLst meth="repeat">
+      <a:schemeClr val="accent1"/>
+    </dgm:fillClrLst>
+    <dgm:linClrLst meth="repeat">
+      <a:schemeClr val="accent1">
+        <a:shade val="60000"/>
+      </a:schemeClr>
+    </dgm:linClrLst>
+    <dgm:effectClrLst/>
+    <dgm:txLinClrLst/>
+    <dgm:txFillClrLst meth="repeat">
+      <a:schemeClr val="tx1"/>
+    </dgm:txFillClrLst>
+    <dgm:txEffectClrLst/>
+  </dgm:styleLbl>
+  <dgm:styleLbl name="parChTrans1D3">
+    <dgm:fillClrLst meth="repeat">
+      <a:schemeClr val="accent1"/>
+    </dgm:fillClrLst>
+    <dgm:linClrLst meth="repeat">
+      <a:schemeClr val="accent1">
+        <a:shade val="80000"/>
+      </a:schemeClr>
+    </dgm:linClrLst>
+    <dgm:effectClrLst/>
+    <dgm:txLinClrLst/>
+    <dgm:txFillClrLst meth="repeat">
+      <a:schemeClr val="tx1"/>
+    </dgm:txFillClrLst>
+    <dgm:txEffectClrLst/>
+  </dgm:styleLbl>
+  <dgm:styleLbl name="parChTrans1D4">
+    <dgm:fillClrLst meth="repeat">
+      <a:schemeClr val="accent1"/>
+    </dgm:fillClrLst>
+    <dgm:linClrLst meth="repeat">
+      <a:schemeClr val="accent1">
+        <a:shade val="80000"/>
+      </a:schemeClr>
+    </dgm:linClrLst>
+    <dgm:effectClrLst/>
+    <dgm:txLinClrLst/>
+    <dgm:txFillClrLst meth="repeat">
+      <a:schemeClr val="tx1"/>
+    </dgm:txFillClrLst>
+    <dgm:txEffectClrLst/>
+  </dgm:styleLbl>
+  <dgm:styleLbl name="fgAcc1">
+    <dgm:fillClrLst meth="repeat">
+      <a:schemeClr val="lt1">
+        <a:alpha val="90000"/>
+      </a:schemeClr>
+    </dgm:fillClrLst>
+    <dgm:linClrLst meth="repeat">
+      <a:schemeClr val="accent1"/>
+    </dgm:linClrLst>
+    <dgm:effectClrLst/>
+    <dgm:txLinClrLst/>
+    <dgm:txFillClrLst meth="repeat">
+      <a:schemeClr val="dk1"/>
+    </dgm:txFillClrLst>
+    <dgm:txEffectClrLst/>
+  </dgm:styleLbl>
+  <dgm:styleLbl name="conFgAcc1">
+    <dgm:fillClrLst meth="repeat">
+      <a:schemeClr val="lt1">
+        <a:alpha val="90000"/>
+      </a:schemeClr>
+    </dgm:fillClrLst>
+    <dgm:linClrLst meth="repeat">
+      <a:schemeClr val="accent1"/>
+    </dgm:linClrLst>
+    <dgm:effectClrLst/>
+    <dgm:txLinClrLst/>
+    <dgm:txFillClrLst meth="repeat">
+      <a:schemeClr val="dk1"/>
+    </dgm:txFillClrLst>
+    <dgm:txEffectClrLst/>
+  </dgm:styleLbl>
+  <dgm:styleLbl name="alignAcc1">
+    <dgm:fillClrLst meth="repeat">
+      <a:schemeClr val="lt1">
+        <a:alpha val="90000"/>
+      </a:schemeClr>
+    </dgm:fillClrLst>
+    <dgm:linClrLst meth="repeat">
+      <a:schemeClr val="accent1"/>
+    </dgm:linClrLst>
+    <dgm:effectClrLst/>
+    <dgm:txLinClrLst/>
+    <dgm:txFillClrLst meth="repeat">
+      <a:schemeClr val="dk1"/>
+    </dgm:txFillClrLst>
+    <dgm:txEffectClrLst/>
+  </dgm:styleLbl>
+  <dgm:styleLbl name="trAlignAcc1">
+    <dgm:fillClrLst meth="repeat">
+      <a:schemeClr val="lt1">
+        <a:alpha val="40000"/>
+      </a:schemeClr>
+    </dgm:fillClrLst>
+    <dgm:linClrLst meth="repeat">
+      <a:schemeClr val="accent1"/>
+    </dgm:linClrLst>
+    <dgm:effectClrLst/>
+    <dgm:txLinClrLst/>
+    <dgm:txFillClrLst meth="repeat">
+      <a:schemeClr val="dk1"/>
+    </dgm:txFillClrLst>
+    <dgm:txEffectClrLst/>
+  </dgm:styleLbl>
+  <dgm:styleLbl name="bgAcc1">
+    <dgm:fillClrLst meth="repeat">
+      <a:schemeClr val="lt1">
+        <a:alpha val="90000"/>
+      </a:schemeClr>
+    </dgm:fillClrLst>
+    <dgm:linClrLst meth="repeat">
+      <a:schemeClr val="accent1"/>
+    </dgm:linClrLst>
+    <dgm:effectClrLst/>
+    <dgm:txLinClrLst/>
+    <dgm:txFillClrLst meth="repeat">
+      <a:schemeClr val="dk1"/>
+    </dgm:txFillClrLst>
+    <dgm:txEffectClrLst/>
+  </dgm:styleLbl>
+  <dgm:styleLbl name="solidFgAcc1">
+    <dgm:fillClrLst meth="repeat">
+      <a:schemeClr val="lt1"/>
+    </dgm:fillClrLst>
+    <dgm:linClrLst meth="repeat">
+      <a:schemeClr val="accent1"/>
+    </dgm:linClrLst>
+    <dgm:effectClrLst/>
+    <dgm:txLinClrLst/>
+    <dgm:txFillClrLst meth="repeat">
+      <a:schemeClr val="dk1"/>
+    </dgm:txFillClrLst>
+    <dgm:txEffectClrLst/>
+  </dgm:styleLbl>
+  <dgm:styleLbl name="solidAlignAcc1">
+    <dgm:fillClrLst meth="repeat">
+      <a:schemeClr val="lt1"/>
+    </dgm:fillClrLst>
+    <dgm:linClrLst meth="repeat">
+      <a:schemeClr val="accent1"/>
+    </dgm:linClrLst>
+    <dgm:effectClrLst/>
+    <dgm:txLinClrLst/>
+    <dgm:txFillClrLst meth="repeat">
+      <a:schemeClr val="dk1"/>
+    </dgm:txFillClrLst>
+    <dgm:txEffectClrLst/>
+  </dgm:styleLbl>
+  <dgm:styleLbl name="solidBgAcc1">
+    <dgm:fillClrLst meth="repeat">
+      <a:schemeClr val="lt1"/>
+    </dgm:fillClrLst>
+    <dgm:linClrLst meth="repeat">
+      <a:schemeClr val="accent1"/>
+    </dgm:linClrLst>
+    <dgm:effectClrLst/>
+    <dgm:txLinClrLst/>
+    <dgm:txFillClrLst meth="repeat">
+      <a:schemeClr val="dk1"/>
+    </dgm:txFillClrLst>
+    <dgm:txEffectClrLst/>
+  </dgm:styleLbl>
+  <dgm:styleLbl name="fgAccFollowNode1">
+    <dgm:fillClrLst meth="repeat">
+      <a:schemeClr val="accent1">
+        <a:alpha val="90000"/>
+        <a:tint val="40000"/>
+      </a:schemeClr>
+    </dgm:fillClrLst>
+    <dgm:linClrLst meth="repeat">
+      <a:schemeClr val="accent1">
+        <a:alpha val="90000"/>
+        <a:tint val="40000"/>
+      </a:schemeClr>
+    </dgm:linClrLst>
+    <dgm:effectClrLst/>
+    <dgm:txLinClrLst/>
+    <dgm:txFillClrLst meth="repeat">
+      <a:schemeClr val="dk1"/>
+    </dgm:txFillClrLst>
+    <dgm:txEffectClrLst/>
+  </dgm:styleLbl>
+  <dgm:styleLbl name="alignAccFollowNode1">
+    <dgm:fillClrLst meth="repeat">
+      <a:schemeClr val="accent1">
+        <a:alpha val="90000"/>
+        <a:tint val="40000"/>
+      </a:schemeClr>
+    </dgm:fillClrLst>
+    <dgm:linClrLst meth="repeat">
+      <a:schemeClr val="accent1">
+        <a:alpha val="90000"/>
+        <a:tint val="40000"/>
+      </a:schemeClr>
+    </dgm:linClrLst>
+    <dgm:effectClrLst/>
+    <dgm:txLinClrLst/>
+    <dgm:txFillClrLst meth="repeat">
+      <a:schemeClr val="dk1"/>
+    </dgm:txFillClrLst>
+    <dgm:txEffectClrLst/>
+  </dgm:styleLbl>
+  <dgm:styleLbl name="bgAccFollowNode1">
+    <dgm:fillClrLst meth="repeat">
+      <a:schemeClr val="accent1">
+        <a:alpha val="90000"/>
+        <a:tint val="40000"/>
+      </a:schemeClr>
+    </dgm:fillClrLst>
+    <dgm:linClrLst meth="repeat">
+      <a:schemeClr val="accent1">
+        <a:alpha val="90000"/>
+        <a:tint val="40000"/>
+      </a:schemeClr>
+    </dgm:linClrLst>
+    <dgm:effectClrLst/>
+    <dgm:txLinClrLst/>
+    <dgm:txFillClrLst meth="repeat">
+      <a:schemeClr val="dk1"/>
+    </dgm:txFillClrLst>
+    <dgm:txEffectClrLst/>
+  </dgm:styleLbl>
+  <dgm:styleLbl name="fgAcc0">
+    <dgm:fillClrLst meth="repeat">
+      <a:schemeClr val="lt1">
+        <a:alpha val="90000"/>
+      </a:schemeClr>
+    </dgm:fillClrLst>
+    <dgm:linClrLst meth="repeat">
+      <a:schemeClr val="accent1"/>
+    </dgm:linClrLst>
+    <dgm:effectClrLst/>
+    <dgm:txLinClrLst/>
+    <dgm:txFillClrLst meth="repeat">
+      <a:schemeClr val="dk1"/>
+    </dgm:txFillClrLst>
+    <dgm:txEffectClrLst/>
+  </dgm:styleLbl>
+  <dgm:styleLbl name="fgAcc2">
+    <dgm:fillClrLst meth="repeat">
+      <a:schemeClr val="lt1">
+        <a:alpha val="90000"/>
+      </a:schemeClr>
+    </dgm:fillClrLst>
+    <dgm:linClrLst meth="repeat">
+      <a:schemeClr val="accent1"/>
+    </dgm:linClrLst>
+    <dgm:effectClrLst/>
+    <dgm:txLinClrLst/>
+    <dgm:txFillClrLst meth="repeat">
+      <a:schemeClr val="dk1"/>
+    </dgm:txFillClrLst>
+    <dgm:txEffectClrLst/>
+  </dgm:styleLbl>
+  <dgm:styleLbl name="fgAcc3">
+    <dgm:fillClrLst meth="repeat">
+      <a:schemeClr val="lt1">
+        <a:alpha val="90000"/>
+      </a:schemeClr>
+    </dgm:fillClrLst>
+    <dgm:linClrLst meth="repeat">
+      <a:schemeClr val="accent1"/>
+    </dgm:linClrLst>
+    <dgm:effectClrLst/>
+    <dgm:txLinClrLst/>
+    <dgm:txFillClrLst meth="repeat">
+      <a:schemeClr val="dk1"/>
+    </dgm:txFillClrLst>
+    <dgm:txEffectClrLst/>
+  </dgm:styleLbl>
+  <dgm:styleLbl name="fgAcc4">
+    <dgm:fillClrLst meth="repeat">
+      <a:schemeClr val="lt1">
+        <a:alpha val="90000"/>
+      </a:schemeClr>
+    </dgm:fillClrLst>
+    <dgm:linClrLst meth="repeat">
+      <a:schemeClr val="accent1"/>
+    </dgm:linClrLst>
+    <dgm:effectClrLst/>
+    <dgm:txLinClrLst/>
+    <dgm:txFillClrLst meth="repeat">
+      <a:schemeClr val="dk1"/>
+    </dgm:txFillClrLst>
+    <dgm:txEffectClrLst/>
+  </dgm:styleLbl>
+  <dgm:styleLbl name="bgShp">
+    <dgm:fillClrLst meth="repeat">
+      <a:schemeClr val="accent1">
+        <a:tint val="40000"/>
+      </a:schemeClr>
+    </dgm:fillClrLst>
+    <dgm:linClrLst meth="repeat">
+      <a:schemeClr val="accent1"/>
+    </dgm:linClrLst>
+    <dgm:effectClrLst/>
+    <dgm:txLinClrLst/>
+    <dgm:txFillClrLst meth="repeat">
+      <a:schemeClr val="dk1"/>
+    </dgm:txFillClrLst>
+    <dgm:txEffectClrLst/>
+  </dgm:styleLbl>
+  <dgm:styleLbl name="dkBgShp">
+    <dgm:fillClrLst meth="repeat">
+      <a:schemeClr val="accent1">
+        <a:shade val="80000"/>
+      </a:schemeClr>
+    </dgm:fillClrLst>
+    <dgm:linClrLst meth="repeat">
+      <a:schemeClr val="accent1"/>
+    </dgm:linClrLst>
+    <dgm:effectClrLst/>
+    <dgm:txLinClrLst/>
+    <dgm:txFillClrLst meth="repeat">
+      <a:schemeClr val="lt1"/>
+    </dgm:txFillClrLst>
+    <dgm:txEffectClrLst/>
+  </dgm:styleLbl>
+  <dgm:styleLbl name="trBgShp">
+    <dgm:fillClrLst meth="repeat">
+      <a:schemeClr val="accent1">
+        <a:tint val="50000"/>
+        <a:alpha val="40000"/>
+      </a:schemeClr>
+    </dgm:fillClrLst>
+    <dgm:linClrLst meth="repeat">
+      <a:schemeClr val="accent1"/>
+    </dgm:linClrLst>
+    <dgm:effectClrLst/>
+    <dgm:txLinClrLst/>
+    <dgm:txFillClrLst meth="repeat">
+      <a:schemeClr val="lt1"/>
+    </dgm:txFillClrLst>
+    <dgm:txEffectClrLst/>
+  </dgm:styleLbl>
+  <dgm:styleLbl name="fgShp">
+    <dgm:fillClrLst meth="repeat">
+      <a:schemeClr val="accent1">
+        <a:tint val="60000"/>
+      </a:schemeClr>
+    </dgm:fillClrLst>
+    <dgm:linClrLst meth="repeat">
+      <a:schemeClr val="lt1"/>
+    </dgm:linClrLst>
+    <dgm:effectClrLst/>
+    <dgm:txLinClrLst/>
+    <dgm:txFillClrLst meth="repeat">
+      <a:schemeClr val="dk1"/>
+    </dgm:txFillClrLst>
+    <dgm:txEffectClrLst/>
+  </dgm:styleLbl>
+  <dgm:styleLbl name="revTx">
+    <dgm:fillClrLst meth="repeat">
+      <a:schemeClr val="lt1">
+        <a:alpha val="0"/>
+      </a:schemeClr>
+    </dgm:fillClrLst>
+    <dgm:linClrLst meth="repeat">
+      <a:schemeClr val="dk1">
+        <a:alpha val="0"/>
+      </a:schemeClr>
+    </dgm:linClrLst>
+    <dgm:effectClrLst/>
+    <dgm:txLinClrLst/>
+    <dgm:txFillClrLst meth="repeat">
+      <a:schemeClr val="tx1"/>
+    </dgm:txFillClrLst>
+    <dgm:txEffectClrLst/>
+  </dgm:styleLbl>
+</dgm:colorsDef>
+</file>
+
 <file path=ppt/diagrams/data1.xml><?xml version="1.0" encoding="utf-8"?>
+<dgm:dataModel xmlns:dgm="http://schemas.openxmlformats.org/drawingml/2006/diagram" xmlns:a="http://schemas.openxmlformats.org/drawingml/2006/main">
+  <dgm:ptLst>
+    <dgm:pt modelId="{848D01FD-0740-46F1-97EE-7A3833C7D7E4}" type="doc">
+      <dgm:prSet loTypeId="urn:microsoft.com/office/officeart/2005/8/layout/lProcess2" loCatId="list" qsTypeId="urn:microsoft.com/office/officeart/2005/8/quickstyle/simple1" qsCatId="simple" csTypeId="urn:microsoft.com/office/officeart/2005/8/colors/colorful1" csCatId="colorful" phldr="1"/>
+      <dgm:spPr/>
+      <dgm:t>
+        <a:bodyPr/>
+        <a:lstStyle/>
+        <a:p>
+          <a:endParaRPr lang="en-US"/>
+        </a:p>
+      </dgm:t>
+    </dgm:pt>
+    <dgm:pt modelId="{A17E4A61-527A-472B-BF05-CA94EE350D09}">
+      <dgm:prSet phldrT="[Text]"/>
+      <dgm:spPr/>
+      <dgm:t>
+        <a:bodyPr/>
+        <a:lstStyle/>
+        <a:p>
+          <a:r>
+            <a:rPr lang="en-US" dirty="0"/>
+            <a:t>Data</a:t>
+          </a:r>
+        </a:p>
+      </dgm:t>
+    </dgm:pt>
+    <dgm:pt modelId="{B331BBD8-9E30-4C75-9BA6-F75B5989A699}" type="parTrans" cxnId="{58C996B6-B896-4A1E-BE77-8C654310A733}">
+      <dgm:prSet/>
+      <dgm:spPr/>
+      <dgm:t>
+        <a:bodyPr/>
+        <a:lstStyle/>
+        <a:p>
+          <a:endParaRPr lang="en-US"/>
+        </a:p>
+      </dgm:t>
+    </dgm:pt>
+    <dgm:pt modelId="{7DB8E0D9-789F-4CB5-9C70-DEB8847C46A5}" type="sibTrans" cxnId="{58C996B6-B896-4A1E-BE77-8C654310A733}">
+      <dgm:prSet/>
+      <dgm:spPr/>
+      <dgm:t>
+        <a:bodyPr/>
+        <a:lstStyle/>
+        <a:p>
+          <a:endParaRPr lang="en-US"/>
+        </a:p>
+      </dgm:t>
+    </dgm:pt>
+    <dgm:pt modelId="{823C171A-F021-4562-8B9E-D0A2A47BEE55}">
+      <dgm:prSet phldrT="[Text]"/>
+      <dgm:spPr/>
+      <dgm:t>
+        <a:bodyPr/>
+        <a:lstStyle/>
+        <a:p>
+          <a:r>
+            <a:rPr lang="en-US" dirty="0"/>
+            <a:t>Ontology</a:t>
+          </a:r>
+        </a:p>
+      </dgm:t>
+    </dgm:pt>
+    <dgm:pt modelId="{220BDB61-81DF-4B2F-8001-5CE6C8832152}" type="parTrans" cxnId="{B396FB36-FDA3-42E6-B514-F5FACFC065DA}">
+      <dgm:prSet/>
+      <dgm:spPr/>
+      <dgm:t>
+        <a:bodyPr/>
+        <a:lstStyle/>
+        <a:p>
+          <a:endParaRPr lang="en-US"/>
+        </a:p>
+      </dgm:t>
+    </dgm:pt>
+    <dgm:pt modelId="{21AEF340-C780-438E-84AE-D0D7E3509E5D}" type="sibTrans" cxnId="{B396FB36-FDA3-42E6-B514-F5FACFC065DA}">
+      <dgm:prSet/>
+      <dgm:spPr/>
+      <dgm:t>
+        <a:bodyPr/>
+        <a:lstStyle/>
+        <a:p>
+          <a:endParaRPr lang="en-US"/>
+        </a:p>
+      </dgm:t>
+    </dgm:pt>
+    <dgm:pt modelId="{DFD4D504-BA62-4E0B-AAB2-384EEDDDE41B}">
+      <dgm:prSet phldrT="[Text]"/>
+      <dgm:spPr/>
+      <dgm:t>
+        <a:bodyPr/>
+        <a:lstStyle/>
+        <a:p>
+          <a:r>
+            <a:rPr lang="en-US" dirty="0"/>
+            <a:t>Drug data</a:t>
+          </a:r>
+        </a:p>
+      </dgm:t>
+    </dgm:pt>
+    <dgm:pt modelId="{8E595548-CC73-4F99-B261-1CE6F77DDFDB}" type="parTrans" cxnId="{6E31CC2C-064F-4795-A276-E35CB24FBFB8}">
+      <dgm:prSet/>
+      <dgm:spPr/>
+      <dgm:t>
+        <a:bodyPr/>
+        <a:lstStyle/>
+        <a:p>
+          <a:endParaRPr lang="en-US"/>
+        </a:p>
+      </dgm:t>
+    </dgm:pt>
+    <dgm:pt modelId="{D8788CA3-C4E7-41F8-A2E9-3A461DDD643C}" type="sibTrans" cxnId="{6E31CC2C-064F-4795-A276-E35CB24FBFB8}">
+      <dgm:prSet/>
+      <dgm:spPr/>
+      <dgm:t>
+        <a:bodyPr/>
+        <a:lstStyle/>
+        <a:p>
+          <a:endParaRPr lang="en-US"/>
+        </a:p>
+      </dgm:t>
+    </dgm:pt>
+    <dgm:pt modelId="{F8455A37-DE20-448A-99BB-4D5646EEE788}">
+      <dgm:prSet phldrT="[Text]"/>
+      <dgm:spPr/>
+      <dgm:t>
+        <a:bodyPr/>
+        <a:lstStyle/>
+        <a:p>
+          <a:r>
+            <a:rPr lang="en-US" dirty="0"/>
+            <a:t>Data</a:t>
+          </a:r>
+        </a:p>
+      </dgm:t>
+    </dgm:pt>
+    <dgm:pt modelId="{D795C251-7935-4B22-9919-2153F08704BE}" type="parTrans" cxnId="{F9BAE885-6024-415C-B5D2-5979D859100C}">
+      <dgm:prSet/>
+      <dgm:spPr/>
+      <dgm:t>
+        <a:bodyPr/>
+        <a:lstStyle/>
+        <a:p>
+          <a:endParaRPr lang="en-US"/>
+        </a:p>
+      </dgm:t>
+    </dgm:pt>
+    <dgm:pt modelId="{E1A21C59-6AE3-4ACA-9409-F97264856E5C}" type="sibTrans" cxnId="{F9BAE885-6024-415C-B5D2-5979D859100C}">
+      <dgm:prSet/>
+      <dgm:spPr/>
+      <dgm:t>
+        <a:bodyPr/>
+        <a:lstStyle/>
+        <a:p>
+          <a:endParaRPr lang="en-US"/>
+        </a:p>
+      </dgm:t>
+    </dgm:pt>
+    <dgm:pt modelId="{04603289-036D-4AF9-8BF1-E32482F2554D}">
+      <dgm:prSet phldrT="[Text]"/>
+      <dgm:spPr/>
+      <dgm:t>
+        <a:bodyPr/>
+        <a:lstStyle/>
+        <a:p>
+          <a:r>
+            <a:rPr lang="en-US" dirty="0"/>
+            <a:t>Map</a:t>
+          </a:r>
+        </a:p>
+      </dgm:t>
+    </dgm:pt>
+    <dgm:pt modelId="{44D6B15E-5663-4D96-ACDE-01DEF1502A4B}" type="parTrans" cxnId="{000277F2-3CCA-4F5E-9171-0C995B96C19A}">
+      <dgm:prSet/>
+      <dgm:spPr/>
+      <dgm:t>
+        <a:bodyPr/>
+        <a:lstStyle/>
+        <a:p>
+          <a:endParaRPr lang="en-US"/>
+        </a:p>
+      </dgm:t>
+    </dgm:pt>
+    <dgm:pt modelId="{FB884A7C-86FA-414E-BB67-642BF453164C}" type="sibTrans" cxnId="{000277F2-3CCA-4F5E-9171-0C995B96C19A}">
+      <dgm:prSet/>
+      <dgm:spPr/>
+      <dgm:t>
+        <a:bodyPr/>
+        <a:lstStyle/>
+        <a:p>
+          <a:endParaRPr lang="en-US"/>
+        </a:p>
+      </dgm:t>
+    </dgm:pt>
+    <dgm:pt modelId="{EF35030C-589D-482E-9479-FC02190757AF}">
+      <dgm:prSet phldrT="[Text]"/>
+      <dgm:spPr/>
+      <dgm:t>
+        <a:bodyPr/>
+        <a:lstStyle/>
+        <a:p>
+          <a:r>
+            <a:rPr lang="en-US" dirty="0"/>
+            <a:t>link</a:t>
+          </a:r>
+        </a:p>
+      </dgm:t>
+    </dgm:pt>
+    <dgm:pt modelId="{779FCE77-31BC-4B12-B4E5-610E17F70FED}" type="parTrans" cxnId="{86BAC700-1A03-4ADC-8797-B6DEF3B0A9DF}">
+      <dgm:prSet/>
+      <dgm:spPr/>
+      <dgm:t>
+        <a:bodyPr/>
+        <a:lstStyle/>
+        <a:p>
+          <a:endParaRPr lang="en-US"/>
+        </a:p>
+      </dgm:t>
+    </dgm:pt>
+    <dgm:pt modelId="{DF2C5431-71A9-4C7D-A49A-A1B661390FF1}" type="sibTrans" cxnId="{86BAC700-1A03-4ADC-8797-B6DEF3B0A9DF}">
+      <dgm:prSet/>
+      <dgm:spPr/>
+      <dgm:t>
+        <a:bodyPr/>
+        <a:lstStyle/>
+        <a:p>
+          <a:endParaRPr lang="en-US"/>
+        </a:p>
+      </dgm:t>
+    </dgm:pt>
+    <dgm:pt modelId="{63072881-0D7B-4DF7-9C13-061B33186ABB}">
+      <dgm:prSet phldrT="[Text]"/>
+      <dgm:spPr/>
+      <dgm:t>
+        <a:bodyPr/>
+        <a:lstStyle/>
+        <a:p>
+          <a:r>
+            <a:rPr lang="en-US" dirty="0"/>
+            <a:t>Data</a:t>
+          </a:r>
+        </a:p>
+      </dgm:t>
+    </dgm:pt>
+    <dgm:pt modelId="{FD38D16B-DA57-44B2-858F-D1F90233DF67}" type="parTrans" cxnId="{4601A5C1-2DB0-49F8-81BD-695B783EBC5D}">
+      <dgm:prSet/>
+      <dgm:spPr/>
+      <dgm:t>
+        <a:bodyPr/>
+        <a:lstStyle/>
+        <a:p>
+          <a:endParaRPr lang="en-US"/>
+        </a:p>
+      </dgm:t>
+    </dgm:pt>
+    <dgm:pt modelId="{7D80CD76-8C55-4018-9E73-42ABCF925EFD}" type="sibTrans" cxnId="{4601A5C1-2DB0-49F8-81BD-695B783EBC5D}">
+      <dgm:prSet/>
+      <dgm:spPr/>
+      <dgm:t>
+        <a:bodyPr/>
+        <a:lstStyle/>
+        <a:p>
+          <a:endParaRPr lang="en-US"/>
+        </a:p>
+      </dgm:t>
+    </dgm:pt>
+    <dgm:pt modelId="{CC36FCBF-D55C-4708-A431-5D29356CA057}">
+      <dgm:prSet phldrT="[Text]"/>
+      <dgm:spPr/>
+      <dgm:t>
+        <a:bodyPr/>
+        <a:lstStyle/>
+        <a:p>
+          <a:r>
+            <a:rPr lang="en-US" dirty="0"/>
+            <a:t>Entity</a:t>
+          </a:r>
+        </a:p>
+      </dgm:t>
+    </dgm:pt>
+    <dgm:pt modelId="{153381EF-B710-4CCB-B079-655B9B496525}" type="parTrans" cxnId="{F02FD46F-1BAE-4BA9-8993-00E3B77D6D40}">
+      <dgm:prSet/>
+      <dgm:spPr/>
+      <dgm:t>
+        <a:bodyPr/>
+        <a:lstStyle/>
+        <a:p>
+          <a:endParaRPr lang="en-US"/>
+        </a:p>
+      </dgm:t>
+    </dgm:pt>
+    <dgm:pt modelId="{2143067D-6D81-420B-8F30-FFB5616DDB20}" type="sibTrans" cxnId="{F02FD46F-1BAE-4BA9-8993-00E3B77D6D40}">
+      <dgm:prSet/>
+      <dgm:spPr/>
+      <dgm:t>
+        <a:bodyPr/>
+        <a:lstStyle/>
+        <a:p>
+          <a:endParaRPr lang="en-US"/>
+        </a:p>
+      </dgm:t>
+    </dgm:pt>
+    <dgm:pt modelId="{2A0815D1-E5EA-4CA9-A7E2-9A00BB89FCCF}">
+      <dgm:prSet phldrT="[Text]"/>
+      <dgm:spPr/>
+      <dgm:t>
+        <a:bodyPr/>
+        <a:lstStyle/>
+        <a:p>
+          <a:r>
+            <a:rPr lang="en-US" dirty="0" err="1"/>
+            <a:t>Mechanoism</a:t>
+          </a:r>
+          <a:endParaRPr lang="en-US" dirty="0"/>
+        </a:p>
+      </dgm:t>
+    </dgm:pt>
+    <dgm:pt modelId="{791BE18F-359F-42D2-9DA4-C95353E807B2}" type="parTrans" cxnId="{FCC79687-FEC8-430A-A46B-63C88FC8B85E}">
+      <dgm:prSet/>
+      <dgm:spPr/>
+      <dgm:t>
+        <a:bodyPr/>
+        <a:lstStyle/>
+        <a:p>
+          <a:endParaRPr lang="en-US"/>
+        </a:p>
+      </dgm:t>
+    </dgm:pt>
+    <dgm:pt modelId="{26137983-C57E-480F-AE05-1869FF18401E}" type="sibTrans" cxnId="{FCC79687-FEC8-430A-A46B-63C88FC8B85E}">
+      <dgm:prSet/>
+      <dgm:spPr/>
+      <dgm:t>
+        <a:bodyPr/>
+        <a:lstStyle/>
+        <a:p>
+          <a:endParaRPr lang="en-US"/>
+        </a:p>
+      </dgm:t>
+    </dgm:pt>
+    <dgm:pt modelId="{BCFC5BCB-BD3D-4AAE-AE72-AF87EBA1D3C5}" type="pres">
+      <dgm:prSet presAssocID="{848D01FD-0740-46F1-97EE-7A3833C7D7E4}" presName="theList" presStyleCnt="0">
+        <dgm:presLayoutVars>
+          <dgm:dir/>
+          <dgm:animLvl val="lvl"/>
+          <dgm:resizeHandles val="exact"/>
+        </dgm:presLayoutVars>
+      </dgm:prSet>
+      <dgm:spPr/>
+    </dgm:pt>
+    <dgm:pt modelId="{24B59845-77BC-407E-9E74-B3B17C726A3F}" type="pres">
+      <dgm:prSet presAssocID="{A17E4A61-527A-472B-BF05-CA94EE350D09}" presName="compNode" presStyleCnt="0"/>
+      <dgm:spPr/>
+    </dgm:pt>
+    <dgm:pt modelId="{26C7F48E-6FCE-4727-A767-A74B80A78DA2}" type="pres">
+      <dgm:prSet presAssocID="{A17E4A61-527A-472B-BF05-CA94EE350D09}" presName="aNode" presStyleLbl="bgShp" presStyleIdx="0" presStyleCnt="3"/>
+      <dgm:spPr/>
+    </dgm:pt>
+    <dgm:pt modelId="{450CDDD7-21E6-46BC-8708-1D8E3B10E0B4}" type="pres">
+      <dgm:prSet presAssocID="{A17E4A61-527A-472B-BF05-CA94EE350D09}" presName="textNode" presStyleLbl="bgShp" presStyleIdx="0" presStyleCnt="3"/>
+      <dgm:spPr/>
+    </dgm:pt>
+    <dgm:pt modelId="{F4430569-891A-48B1-AAC9-0FD32427A62A}" type="pres">
+      <dgm:prSet presAssocID="{A17E4A61-527A-472B-BF05-CA94EE350D09}" presName="compChildNode" presStyleCnt="0"/>
+      <dgm:spPr/>
+    </dgm:pt>
+    <dgm:pt modelId="{7D50ED72-92F5-476B-9C3F-163E6C09E2BE}" type="pres">
+      <dgm:prSet presAssocID="{A17E4A61-527A-472B-BF05-CA94EE350D09}" presName="theInnerList" presStyleCnt="0"/>
+      <dgm:spPr/>
+    </dgm:pt>
+    <dgm:pt modelId="{69F7B089-3EB7-4078-A11D-C3519D51922D}" type="pres">
+      <dgm:prSet presAssocID="{823C171A-F021-4562-8B9E-D0A2A47BEE55}" presName="childNode" presStyleLbl="node1" presStyleIdx="0" presStyleCnt="6">
+        <dgm:presLayoutVars>
+          <dgm:bulletEnabled val="1"/>
+        </dgm:presLayoutVars>
+      </dgm:prSet>
+      <dgm:spPr/>
+    </dgm:pt>
+    <dgm:pt modelId="{19C2FC30-F77E-44AF-A69D-9D80BEB075A6}" type="pres">
+      <dgm:prSet presAssocID="{823C171A-F021-4562-8B9E-D0A2A47BEE55}" presName="aSpace2" presStyleCnt="0"/>
+      <dgm:spPr/>
+    </dgm:pt>
+    <dgm:pt modelId="{F33106A5-AF4D-4F48-AD3D-E30F406869FA}" type="pres">
+      <dgm:prSet presAssocID="{DFD4D504-BA62-4E0B-AAB2-384EEDDDE41B}" presName="childNode" presStyleLbl="node1" presStyleIdx="1" presStyleCnt="6">
+        <dgm:presLayoutVars>
+          <dgm:bulletEnabled val="1"/>
+        </dgm:presLayoutVars>
+      </dgm:prSet>
+      <dgm:spPr/>
+    </dgm:pt>
+    <dgm:pt modelId="{86B43020-E344-433A-84FE-6E20A201E372}" type="pres">
+      <dgm:prSet presAssocID="{A17E4A61-527A-472B-BF05-CA94EE350D09}" presName="aSpace" presStyleCnt="0"/>
+      <dgm:spPr/>
+    </dgm:pt>
+    <dgm:pt modelId="{6B5AA3D7-A4D5-4CC7-B111-B922726073BA}" type="pres">
+      <dgm:prSet presAssocID="{F8455A37-DE20-448A-99BB-4D5646EEE788}" presName="compNode" presStyleCnt="0"/>
+      <dgm:spPr/>
+    </dgm:pt>
+    <dgm:pt modelId="{17D9B208-6056-4BE4-BBB1-783FFD5C3B37}" type="pres">
+      <dgm:prSet presAssocID="{F8455A37-DE20-448A-99BB-4D5646EEE788}" presName="aNode" presStyleLbl="bgShp" presStyleIdx="1" presStyleCnt="3"/>
+      <dgm:spPr/>
+    </dgm:pt>
+    <dgm:pt modelId="{24762DB8-9E67-463E-9EBC-7CA584652F62}" type="pres">
+      <dgm:prSet presAssocID="{F8455A37-DE20-448A-99BB-4D5646EEE788}" presName="textNode" presStyleLbl="bgShp" presStyleIdx="1" presStyleCnt="3"/>
+      <dgm:spPr/>
+    </dgm:pt>
+    <dgm:pt modelId="{35488B9A-708C-45D5-9CB1-630A82D06DF5}" type="pres">
+      <dgm:prSet presAssocID="{F8455A37-DE20-448A-99BB-4D5646EEE788}" presName="compChildNode" presStyleCnt="0"/>
+      <dgm:spPr/>
+    </dgm:pt>
+    <dgm:pt modelId="{2C5BB51E-EFEC-47EA-B4B9-434DA2FA4AB1}" type="pres">
+      <dgm:prSet presAssocID="{F8455A37-DE20-448A-99BB-4D5646EEE788}" presName="theInnerList" presStyleCnt="0"/>
+      <dgm:spPr/>
+    </dgm:pt>
+    <dgm:pt modelId="{80C8E01A-3C9C-477A-990B-FCABBB81A7D6}" type="pres">
+      <dgm:prSet presAssocID="{04603289-036D-4AF9-8BF1-E32482F2554D}" presName="childNode" presStyleLbl="node1" presStyleIdx="2" presStyleCnt="6">
+        <dgm:presLayoutVars>
+          <dgm:bulletEnabled val="1"/>
+        </dgm:presLayoutVars>
+      </dgm:prSet>
+      <dgm:spPr/>
+    </dgm:pt>
+    <dgm:pt modelId="{A8033B3E-178D-4EF7-AFAC-F5176BFEB314}" type="pres">
+      <dgm:prSet presAssocID="{04603289-036D-4AF9-8BF1-E32482F2554D}" presName="aSpace2" presStyleCnt="0"/>
+      <dgm:spPr/>
+    </dgm:pt>
+    <dgm:pt modelId="{228B47B1-59AA-49DA-9FE7-37C004A1B707}" type="pres">
+      <dgm:prSet presAssocID="{EF35030C-589D-482E-9479-FC02190757AF}" presName="childNode" presStyleLbl="node1" presStyleIdx="3" presStyleCnt="6">
+        <dgm:presLayoutVars>
+          <dgm:bulletEnabled val="1"/>
+        </dgm:presLayoutVars>
+      </dgm:prSet>
+      <dgm:spPr/>
+    </dgm:pt>
+    <dgm:pt modelId="{8CDAA53B-CEF6-4B15-B774-2220581C98EA}" type="pres">
+      <dgm:prSet presAssocID="{F8455A37-DE20-448A-99BB-4D5646EEE788}" presName="aSpace" presStyleCnt="0"/>
+      <dgm:spPr/>
+    </dgm:pt>
+    <dgm:pt modelId="{EC76DD07-F4E3-40DC-ADC8-A4A552AA9845}" type="pres">
+      <dgm:prSet presAssocID="{63072881-0D7B-4DF7-9C13-061B33186ABB}" presName="compNode" presStyleCnt="0"/>
+      <dgm:spPr/>
+    </dgm:pt>
+    <dgm:pt modelId="{07063025-3330-4CF1-B534-F5A69DB81250}" type="pres">
+      <dgm:prSet presAssocID="{63072881-0D7B-4DF7-9C13-061B33186ABB}" presName="aNode" presStyleLbl="bgShp" presStyleIdx="2" presStyleCnt="3"/>
+      <dgm:spPr/>
+    </dgm:pt>
+    <dgm:pt modelId="{1DAE4B76-D287-4DAF-9C0C-627F617FFC3F}" type="pres">
+      <dgm:prSet presAssocID="{63072881-0D7B-4DF7-9C13-061B33186ABB}" presName="textNode" presStyleLbl="bgShp" presStyleIdx="2" presStyleCnt="3"/>
+      <dgm:spPr/>
+    </dgm:pt>
+    <dgm:pt modelId="{5FA1D0AE-5C8F-4B96-877B-CD29BA632783}" type="pres">
+      <dgm:prSet presAssocID="{63072881-0D7B-4DF7-9C13-061B33186ABB}" presName="compChildNode" presStyleCnt="0"/>
+      <dgm:spPr/>
+    </dgm:pt>
+    <dgm:pt modelId="{18518AAB-C989-45C5-8992-E7BB0DB3FE40}" type="pres">
+      <dgm:prSet presAssocID="{63072881-0D7B-4DF7-9C13-061B33186ABB}" presName="theInnerList" presStyleCnt="0"/>
+      <dgm:spPr/>
+    </dgm:pt>
+    <dgm:pt modelId="{2472C480-56CE-4022-A858-47784D085C74}" type="pres">
+      <dgm:prSet presAssocID="{CC36FCBF-D55C-4708-A431-5D29356CA057}" presName="childNode" presStyleLbl="node1" presStyleIdx="4" presStyleCnt="6">
+        <dgm:presLayoutVars>
+          <dgm:bulletEnabled val="1"/>
+        </dgm:presLayoutVars>
+      </dgm:prSet>
+      <dgm:spPr/>
+    </dgm:pt>
+    <dgm:pt modelId="{650992B7-A76B-465C-A8A8-11D7A6F0FF66}" type="pres">
+      <dgm:prSet presAssocID="{CC36FCBF-D55C-4708-A431-5D29356CA057}" presName="aSpace2" presStyleCnt="0"/>
+      <dgm:spPr/>
+    </dgm:pt>
+    <dgm:pt modelId="{3C9DC714-6EA8-48C4-85C0-CD6EA99AB3AE}" type="pres">
+      <dgm:prSet presAssocID="{2A0815D1-E5EA-4CA9-A7E2-9A00BB89FCCF}" presName="childNode" presStyleLbl="node1" presStyleIdx="5" presStyleCnt="6">
+        <dgm:presLayoutVars>
+          <dgm:bulletEnabled val="1"/>
+        </dgm:presLayoutVars>
+      </dgm:prSet>
+      <dgm:spPr/>
+    </dgm:pt>
+  </dgm:ptLst>
+  <dgm:cxnLst>
+    <dgm:cxn modelId="{721BB500-1B56-4DEC-8A19-CD5895DAA967}" type="presOf" srcId="{A17E4A61-527A-472B-BF05-CA94EE350D09}" destId="{450CDDD7-21E6-46BC-8708-1D8E3B10E0B4}" srcOrd="1" destOrd="0" presId="urn:microsoft.com/office/officeart/2005/8/layout/lProcess2"/>
+    <dgm:cxn modelId="{86BAC700-1A03-4ADC-8797-B6DEF3B0A9DF}" srcId="{F8455A37-DE20-448A-99BB-4D5646EEE788}" destId="{EF35030C-589D-482E-9479-FC02190757AF}" srcOrd="1" destOrd="0" parTransId="{779FCE77-31BC-4B12-B4E5-610E17F70FED}" sibTransId="{DF2C5431-71A9-4C7D-A49A-A1B661390FF1}"/>
+    <dgm:cxn modelId="{F317D201-0675-4D88-8E55-7F191AACD223}" type="presOf" srcId="{04603289-036D-4AF9-8BF1-E32482F2554D}" destId="{80C8E01A-3C9C-477A-990B-FCABBB81A7D6}" srcOrd="0" destOrd="0" presId="urn:microsoft.com/office/officeart/2005/8/layout/lProcess2"/>
+    <dgm:cxn modelId="{1C09CE02-22F7-4BF7-A56E-315C3C3F14C6}" type="presOf" srcId="{F8455A37-DE20-448A-99BB-4D5646EEE788}" destId="{24762DB8-9E67-463E-9EBC-7CA584652F62}" srcOrd="1" destOrd="0" presId="urn:microsoft.com/office/officeart/2005/8/layout/lProcess2"/>
+    <dgm:cxn modelId="{348F5F0A-5E45-4054-8941-18411779C5A5}" type="presOf" srcId="{F8455A37-DE20-448A-99BB-4D5646EEE788}" destId="{17D9B208-6056-4BE4-BBB1-783FFD5C3B37}" srcOrd="0" destOrd="0" presId="urn:microsoft.com/office/officeart/2005/8/layout/lProcess2"/>
+    <dgm:cxn modelId="{B078C014-22EF-4318-A111-61570F6D5EA4}" type="presOf" srcId="{823C171A-F021-4562-8B9E-D0A2A47BEE55}" destId="{69F7B089-3EB7-4078-A11D-C3519D51922D}" srcOrd="0" destOrd="0" presId="urn:microsoft.com/office/officeart/2005/8/layout/lProcess2"/>
+    <dgm:cxn modelId="{C89C762A-56B5-4650-8C25-0037732DA640}" type="presOf" srcId="{63072881-0D7B-4DF7-9C13-061B33186ABB}" destId="{1DAE4B76-D287-4DAF-9C0C-627F617FFC3F}" srcOrd="1" destOrd="0" presId="urn:microsoft.com/office/officeart/2005/8/layout/lProcess2"/>
+    <dgm:cxn modelId="{6E31CC2C-064F-4795-A276-E35CB24FBFB8}" srcId="{A17E4A61-527A-472B-BF05-CA94EE350D09}" destId="{DFD4D504-BA62-4E0B-AAB2-384EEDDDE41B}" srcOrd="1" destOrd="0" parTransId="{8E595548-CC73-4F99-B261-1CE6F77DDFDB}" sibTransId="{D8788CA3-C4E7-41F8-A2E9-3A461DDD643C}"/>
+    <dgm:cxn modelId="{B396FB36-FDA3-42E6-B514-F5FACFC065DA}" srcId="{A17E4A61-527A-472B-BF05-CA94EE350D09}" destId="{823C171A-F021-4562-8B9E-D0A2A47BEE55}" srcOrd="0" destOrd="0" parTransId="{220BDB61-81DF-4B2F-8001-5CE6C8832152}" sibTransId="{21AEF340-C780-438E-84AE-D0D7E3509E5D}"/>
+    <dgm:cxn modelId="{F6ECAE39-484F-43D1-91EC-9C4B3FFCC36C}" type="presOf" srcId="{EF35030C-589D-482E-9479-FC02190757AF}" destId="{228B47B1-59AA-49DA-9FE7-37C004A1B707}" srcOrd="0" destOrd="0" presId="urn:microsoft.com/office/officeart/2005/8/layout/lProcess2"/>
+    <dgm:cxn modelId="{F02FD46F-1BAE-4BA9-8993-00E3B77D6D40}" srcId="{63072881-0D7B-4DF7-9C13-061B33186ABB}" destId="{CC36FCBF-D55C-4708-A431-5D29356CA057}" srcOrd="0" destOrd="0" parTransId="{153381EF-B710-4CCB-B079-655B9B496525}" sibTransId="{2143067D-6D81-420B-8F30-FFB5616DDB20}"/>
+    <dgm:cxn modelId="{F9BAE885-6024-415C-B5D2-5979D859100C}" srcId="{848D01FD-0740-46F1-97EE-7A3833C7D7E4}" destId="{F8455A37-DE20-448A-99BB-4D5646EEE788}" srcOrd="1" destOrd="0" parTransId="{D795C251-7935-4B22-9919-2153F08704BE}" sibTransId="{E1A21C59-6AE3-4ACA-9409-F97264856E5C}"/>
+    <dgm:cxn modelId="{FCC79687-FEC8-430A-A46B-63C88FC8B85E}" srcId="{63072881-0D7B-4DF7-9C13-061B33186ABB}" destId="{2A0815D1-E5EA-4CA9-A7E2-9A00BB89FCCF}" srcOrd="1" destOrd="0" parTransId="{791BE18F-359F-42D2-9DA4-C95353E807B2}" sibTransId="{26137983-C57E-480F-AE05-1869FF18401E}"/>
+    <dgm:cxn modelId="{1CD50094-192D-4245-A6E3-FF662D6A006B}" type="presOf" srcId="{CC36FCBF-D55C-4708-A431-5D29356CA057}" destId="{2472C480-56CE-4022-A858-47784D085C74}" srcOrd="0" destOrd="0" presId="urn:microsoft.com/office/officeart/2005/8/layout/lProcess2"/>
+    <dgm:cxn modelId="{58C996B6-B896-4A1E-BE77-8C654310A733}" srcId="{848D01FD-0740-46F1-97EE-7A3833C7D7E4}" destId="{A17E4A61-527A-472B-BF05-CA94EE350D09}" srcOrd="0" destOrd="0" parTransId="{B331BBD8-9E30-4C75-9BA6-F75B5989A699}" sibTransId="{7DB8E0D9-789F-4CB5-9C70-DEB8847C46A5}"/>
+    <dgm:cxn modelId="{4601A5C1-2DB0-49F8-81BD-695B783EBC5D}" srcId="{848D01FD-0740-46F1-97EE-7A3833C7D7E4}" destId="{63072881-0D7B-4DF7-9C13-061B33186ABB}" srcOrd="2" destOrd="0" parTransId="{FD38D16B-DA57-44B2-858F-D1F90233DF67}" sibTransId="{7D80CD76-8C55-4018-9E73-42ABCF925EFD}"/>
+    <dgm:cxn modelId="{70ABE1CE-7E2C-4418-9250-159D88507E40}" type="presOf" srcId="{848D01FD-0740-46F1-97EE-7A3833C7D7E4}" destId="{BCFC5BCB-BD3D-4AAE-AE72-AF87EBA1D3C5}" srcOrd="0" destOrd="0" presId="urn:microsoft.com/office/officeart/2005/8/layout/lProcess2"/>
+    <dgm:cxn modelId="{67BE24DD-17D0-4C1C-9886-75658CE6CCD2}" type="presOf" srcId="{63072881-0D7B-4DF7-9C13-061B33186ABB}" destId="{07063025-3330-4CF1-B534-F5A69DB81250}" srcOrd="0" destOrd="0" presId="urn:microsoft.com/office/officeart/2005/8/layout/lProcess2"/>
+    <dgm:cxn modelId="{125CAAE0-18E1-4859-87F2-49D776E1FFBB}" type="presOf" srcId="{2A0815D1-E5EA-4CA9-A7E2-9A00BB89FCCF}" destId="{3C9DC714-6EA8-48C4-85C0-CD6EA99AB3AE}" srcOrd="0" destOrd="0" presId="urn:microsoft.com/office/officeart/2005/8/layout/lProcess2"/>
+    <dgm:cxn modelId="{560AD4EB-40CA-42FE-BDF9-83054759102A}" type="presOf" srcId="{A17E4A61-527A-472B-BF05-CA94EE350D09}" destId="{26C7F48E-6FCE-4727-A767-A74B80A78DA2}" srcOrd="0" destOrd="0" presId="urn:microsoft.com/office/officeart/2005/8/layout/lProcess2"/>
+    <dgm:cxn modelId="{6D98AEED-7AD7-415F-96BD-EAFDC649C7C5}" type="presOf" srcId="{DFD4D504-BA62-4E0B-AAB2-384EEDDDE41B}" destId="{F33106A5-AF4D-4F48-AD3D-E30F406869FA}" srcOrd="0" destOrd="0" presId="urn:microsoft.com/office/officeart/2005/8/layout/lProcess2"/>
+    <dgm:cxn modelId="{000277F2-3CCA-4F5E-9171-0C995B96C19A}" srcId="{F8455A37-DE20-448A-99BB-4D5646EEE788}" destId="{04603289-036D-4AF9-8BF1-E32482F2554D}" srcOrd="0" destOrd="0" parTransId="{44D6B15E-5663-4D96-ACDE-01DEF1502A4B}" sibTransId="{FB884A7C-86FA-414E-BB67-642BF453164C}"/>
+    <dgm:cxn modelId="{8C0B71F4-1355-4C22-BBD8-70F00DB635BA}" type="presParOf" srcId="{BCFC5BCB-BD3D-4AAE-AE72-AF87EBA1D3C5}" destId="{24B59845-77BC-407E-9E74-B3B17C726A3F}" srcOrd="0" destOrd="0" presId="urn:microsoft.com/office/officeart/2005/8/layout/lProcess2"/>
+    <dgm:cxn modelId="{143C2946-D4D5-4EA5-84EB-6B5E9534F7B1}" type="presParOf" srcId="{24B59845-77BC-407E-9E74-B3B17C726A3F}" destId="{26C7F48E-6FCE-4727-A767-A74B80A78DA2}" srcOrd="0" destOrd="0" presId="urn:microsoft.com/office/officeart/2005/8/layout/lProcess2"/>
+    <dgm:cxn modelId="{273A8B8D-BB71-45B2-AE2E-9243312731A6}" type="presParOf" srcId="{24B59845-77BC-407E-9E74-B3B17C726A3F}" destId="{450CDDD7-21E6-46BC-8708-1D8E3B10E0B4}" srcOrd="1" destOrd="0" presId="urn:microsoft.com/office/officeart/2005/8/layout/lProcess2"/>
+    <dgm:cxn modelId="{A7E54ACA-03B1-4B79-984D-08CF5CFBB0C2}" type="presParOf" srcId="{24B59845-77BC-407E-9E74-B3B17C726A3F}" destId="{F4430569-891A-48B1-AAC9-0FD32427A62A}" srcOrd="2" destOrd="0" presId="urn:microsoft.com/office/officeart/2005/8/layout/lProcess2"/>
+    <dgm:cxn modelId="{5D32AD36-8468-46BE-AB56-24401713F775}" type="presParOf" srcId="{F4430569-891A-48B1-AAC9-0FD32427A62A}" destId="{7D50ED72-92F5-476B-9C3F-163E6C09E2BE}" srcOrd="0" destOrd="0" presId="urn:microsoft.com/office/officeart/2005/8/layout/lProcess2"/>
+    <dgm:cxn modelId="{A169B7F1-110D-4827-A02C-A828EC4C425E}" type="presParOf" srcId="{7D50ED72-92F5-476B-9C3F-163E6C09E2BE}" destId="{69F7B089-3EB7-4078-A11D-C3519D51922D}" srcOrd="0" destOrd="0" presId="urn:microsoft.com/office/officeart/2005/8/layout/lProcess2"/>
+    <dgm:cxn modelId="{78335636-DE57-4D30-B88C-CDA3BBEA944E}" type="presParOf" srcId="{7D50ED72-92F5-476B-9C3F-163E6C09E2BE}" destId="{19C2FC30-F77E-44AF-A69D-9D80BEB075A6}" srcOrd="1" destOrd="0" presId="urn:microsoft.com/office/officeart/2005/8/layout/lProcess2"/>
+    <dgm:cxn modelId="{444F1865-D9F4-41F3-A9D9-5F5CBCDD3261}" type="presParOf" srcId="{7D50ED72-92F5-476B-9C3F-163E6C09E2BE}" destId="{F33106A5-AF4D-4F48-AD3D-E30F406869FA}" srcOrd="2" destOrd="0" presId="urn:microsoft.com/office/officeart/2005/8/layout/lProcess2"/>
+    <dgm:cxn modelId="{BA13A8DB-21BF-47E3-9FB3-B33A1806A98D}" type="presParOf" srcId="{BCFC5BCB-BD3D-4AAE-AE72-AF87EBA1D3C5}" destId="{86B43020-E344-433A-84FE-6E20A201E372}" srcOrd="1" destOrd="0" presId="urn:microsoft.com/office/officeart/2005/8/layout/lProcess2"/>
+    <dgm:cxn modelId="{CE566555-2F2D-408A-9168-E2DDCB8757D8}" type="presParOf" srcId="{BCFC5BCB-BD3D-4AAE-AE72-AF87EBA1D3C5}" destId="{6B5AA3D7-A4D5-4CC7-B111-B922726073BA}" srcOrd="2" destOrd="0" presId="urn:microsoft.com/office/officeart/2005/8/layout/lProcess2"/>
+    <dgm:cxn modelId="{9631CA24-A9C7-49D7-81C6-0AE7F2F8A536}" type="presParOf" srcId="{6B5AA3D7-A4D5-4CC7-B111-B922726073BA}" destId="{17D9B208-6056-4BE4-BBB1-783FFD5C3B37}" srcOrd="0" destOrd="0" presId="urn:microsoft.com/office/officeart/2005/8/layout/lProcess2"/>
+    <dgm:cxn modelId="{5EEA8A34-C7BA-4539-8892-B9C97C556229}" type="presParOf" srcId="{6B5AA3D7-A4D5-4CC7-B111-B922726073BA}" destId="{24762DB8-9E67-463E-9EBC-7CA584652F62}" srcOrd="1" destOrd="0" presId="urn:microsoft.com/office/officeart/2005/8/layout/lProcess2"/>
+    <dgm:cxn modelId="{F222CB04-F1F2-40B3-87D6-AE22ECFF1AEF}" type="presParOf" srcId="{6B5AA3D7-A4D5-4CC7-B111-B922726073BA}" destId="{35488B9A-708C-45D5-9CB1-630A82D06DF5}" srcOrd="2" destOrd="0" presId="urn:microsoft.com/office/officeart/2005/8/layout/lProcess2"/>
+    <dgm:cxn modelId="{8DDDDE18-9BD5-4CE7-9F4C-A3E13E65145A}" type="presParOf" srcId="{35488B9A-708C-45D5-9CB1-630A82D06DF5}" destId="{2C5BB51E-EFEC-47EA-B4B9-434DA2FA4AB1}" srcOrd="0" destOrd="0" presId="urn:microsoft.com/office/officeart/2005/8/layout/lProcess2"/>
+    <dgm:cxn modelId="{0F393410-DF43-4999-963E-72BF389CC53F}" type="presParOf" srcId="{2C5BB51E-EFEC-47EA-B4B9-434DA2FA4AB1}" destId="{80C8E01A-3C9C-477A-990B-FCABBB81A7D6}" srcOrd="0" destOrd="0" presId="urn:microsoft.com/office/officeart/2005/8/layout/lProcess2"/>
+    <dgm:cxn modelId="{9D37F7D5-C253-47E7-A4E9-76F4C33779C1}" type="presParOf" srcId="{2C5BB51E-EFEC-47EA-B4B9-434DA2FA4AB1}" destId="{A8033B3E-178D-4EF7-AFAC-F5176BFEB314}" srcOrd="1" destOrd="0" presId="urn:microsoft.com/office/officeart/2005/8/layout/lProcess2"/>
+    <dgm:cxn modelId="{95BD68CD-1BF7-45B3-8F97-65C46B7F439A}" type="presParOf" srcId="{2C5BB51E-EFEC-47EA-B4B9-434DA2FA4AB1}" destId="{228B47B1-59AA-49DA-9FE7-37C004A1B707}" srcOrd="2" destOrd="0" presId="urn:microsoft.com/office/officeart/2005/8/layout/lProcess2"/>
+    <dgm:cxn modelId="{49410D2B-BB92-4DE3-8343-EC7DE1878860}" type="presParOf" srcId="{BCFC5BCB-BD3D-4AAE-AE72-AF87EBA1D3C5}" destId="{8CDAA53B-CEF6-4B15-B774-2220581C98EA}" srcOrd="3" destOrd="0" presId="urn:microsoft.com/office/officeart/2005/8/layout/lProcess2"/>
+    <dgm:cxn modelId="{44A7E420-B7EC-4E3D-8A01-51E053A497AF}" type="presParOf" srcId="{BCFC5BCB-BD3D-4AAE-AE72-AF87EBA1D3C5}" destId="{EC76DD07-F4E3-40DC-ADC8-A4A552AA9845}" srcOrd="4" destOrd="0" presId="urn:microsoft.com/office/officeart/2005/8/layout/lProcess2"/>
+    <dgm:cxn modelId="{F4CEFD57-C3D3-4A23-880E-1DE69B6C722C}" type="presParOf" srcId="{EC76DD07-F4E3-40DC-ADC8-A4A552AA9845}" destId="{07063025-3330-4CF1-B534-F5A69DB81250}" srcOrd="0" destOrd="0" presId="urn:microsoft.com/office/officeart/2005/8/layout/lProcess2"/>
+    <dgm:cxn modelId="{855A8C16-D6C8-4669-BA66-02DE0DAD1533}" type="presParOf" srcId="{EC76DD07-F4E3-40DC-ADC8-A4A552AA9845}" destId="{1DAE4B76-D287-4DAF-9C0C-627F617FFC3F}" srcOrd="1" destOrd="0" presId="urn:microsoft.com/office/officeart/2005/8/layout/lProcess2"/>
+    <dgm:cxn modelId="{CA5B488F-513F-4E39-8DD2-3720AC84DB42}" type="presParOf" srcId="{EC76DD07-F4E3-40DC-ADC8-A4A552AA9845}" destId="{5FA1D0AE-5C8F-4B96-877B-CD29BA632783}" srcOrd="2" destOrd="0" presId="urn:microsoft.com/office/officeart/2005/8/layout/lProcess2"/>
+    <dgm:cxn modelId="{56855720-CE90-4628-AB87-292D87F99A1F}" type="presParOf" srcId="{5FA1D0AE-5C8F-4B96-877B-CD29BA632783}" destId="{18518AAB-C989-45C5-8992-E7BB0DB3FE40}" srcOrd="0" destOrd="0" presId="urn:microsoft.com/office/officeart/2005/8/layout/lProcess2"/>
+    <dgm:cxn modelId="{A16BD1F3-D34E-4071-8171-985B7B06E4E1}" type="presParOf" srcId="{18518AAB-C989-45C5-8992-E7BB0DB3FE40}" destId="{2472C480-56CE-4022-A858-47784D085C74}" srcOrd="0" destOrd="0" presId="urn:microsoft.com/office/officeart/2005/8/layout/lProcess2"/>
+    <dgm:cxn modelId="{476913A7-786D-4CBA-BFBC-C2712456380C}" type="presParOf" srcId="{18518AAB-C989-45C5-8992-E7BB0DB3FE40}" destId="{650992B7-A76B-465C-A8A8-11D7A6F0FF66}" srcOrd="1" destOrd="0" presId="urn:microsoft.com/office/officeart/2005/8/layout/lProcess2"/>
+    <dgm:cxn modelId="{7160235E-FB90-4FF0-A78D-1344AC478802}" type="presParOf" srcId="{18518AAB-C989-45C5-8992-E7BB0DB3FE40}" destId="{3C9DC714-6EA8-48C4-85C0-CD6EA99AB3AE}" srcOrd="2" destOrd="0" presId="urn:microsoft.com/office/officeart/2005/8/layout/lProcess2"/>
+  </dgm:cxnLst>
+  <dgm:bg/>
+  <dgm:whole/>
+  <dgm:extLst>
+    <a:ext uri="http://schemas.microsoft.com/office/drawing/2008/diagram">
+      <dsp:dataModelExt xmlns:dsp="http://schemas.microsoft.com/office/drawing/2008/diagram" relId="rId6" minVer="http://schemas.openxmlformats.org/drawingml/2006/diagram"/>
+    </a:ext>
+  </dgm:extLst>
+</dgm:dataModel>
+</file>
+
+<file path=ppt/diagrams/data2.xml><?xml version="1.0" encoding="utf-8"?>
+<dgm:dataModel xmlns:dgm="http://schemas.openxmlformats.org/drawingml/2006/diagram" xmlns:a="http://schemas.openxmlformats.org/drawingml/2006/main">
+  <dgm:ptLst>
+    <dgm:pt modelId="{4A5512CD-B04F-4426-B6F9-C3A74C487843}" type="doc">
+      <dgm:prSet loTypeId="urn:microsoft.com/office/officeart/2005/8/layout/bList2" loCatId="list" qsTypeId="urn:microsoft.com/office/officeart/2005/8/quickstyle/simple1" qsCatId="simple" csTypeId="urn:microsoft.com/office/officeart/2005/8/colors/accent1_2" csCatId="accent1" phldr="1"/>
+      <dgm:spPr/>
+    </dgm:pt>
+    <dgm:pt modelId="{6E71286A-C409-4119-B057-48F018E03663}">
+      <dgm:prSet phldrT="[Text]"/>
+      <dgm:spPr/>
+      <dgm:t>
+        <a:bodyPr/>
+        <a:lstStyle/>
+        <a:p>
+          <a:r>
+            <a:rPr lang="en-US" dirty="0" err="1"/>
+            <a:t>RxNorm</a:t>
+          </a:r>
+          <a:endParaRPr lang="en-US" dirty="0"/>
+        </a:p>
+      </dgm:t>
+    </dgm:pt>
+    <dgm:pt modelId="{182EEB00-8102-42A0-AEAA-2E50BAEEA55A}" type="parTrans" cxnId="{9693705E-E60E-4660-B96F-401AAAA0EF07}">
+      <dgm:prSet/>
+      <dgm:spPr/>
+      <dgm:t>
+        <a:bodyPr/>
+        <a:lstStyle/>
+        <a:p>
+          <a:endParaRPr lang="en-US"/>
+        </a:p>
+      </dgm:t>
+    </dgm:pt>
+    <dgm:pt modelId="{64D57E81-4100-43E3-8838-D6BE1D836CDC}" type="sibTrans" cxnId="{9693705E-E60E-4660-B96F-401AAAA0EF07}">
+      <dgm:prSet/>
+      <dgm:spPr/>
+      <dgm:t>
+        <a:bodyPr/>
+        <a:lstStyle/>
+        <a:p>
+          <a:endParaRPr lang="en-US"/>
+        </a:p>
+      </dgm:t>
+    </dgm:pt>
+    <dgm:pt modelId="{20EF89FA-E565-4BDA-8746-FDE629240175}">
+      <dgm:prSet phldrT="[Text]"/>
+      <dgm:spPr/>
+      <dgm:t>
+        <a:bodyPr/>
+        <a:lstStyle/>
+        <a:p>
+          <a:r>
+            <a:rPr lang="en-US" dirty="0" err="1"/>
+            <a:t>CheBI</a:t>
+          </a:r>
+          <a:endParaRPr lang="en-US" dirty="0"/>
+        </a:p>
+      </dgm:t>
+    </dgm:pt>
+    <dgm:pt modelId="{5FAD80CC-AF5F-4C44-8866-ED380F49D030}" type="parTrans" cxnId="{A50CC897-8344-49CE-A100-0A910B761F8D}">
+      <dgm:prSet/>
+      <dgm:spPr/>
+      <dgm:t>
+        <a:bodyPr/>
+        <a:lstStyle/>
+        <a:p>
+          <a:endParaRPr lang="en-US"/>
+        </a:p>
+      </dgm:t>
+    </dgm:pt>
+    <dgm:pt modelId="{9300A24B-26BF-4AE8-A998-2089738E125A}" type="sibTrans" cxnId="{A50CC897-8344-49CE-A100-0A910B761F8D}">
+      <dgm:prSet/>
+      <dgm:spPr/>
+      <dgm:t>
+        <a:bodyPr/>
+        <a:lstStyle/>
+        <a:p>
+          <a:endParaRPr lang="en-US"/>
+        </a:p>
+      </dgm:t>
+    </dgm:pt>
+    <dgm:pt modelId="{9C83A48F-16BD-41C2-A5B2-21F8A712119A}">
+      <dgm:prSet phldrT="[Text]"/>
+      <dgm:spPr/>
+      <dgm:t>
+        <a:bodyPr/>
+        <a:lstStyle/>
+        <a:p>
+          <a:r>
+            <a:rPr lang="en-US" dirty="0"/>
+            <a:t>Drug Data, PRO, Drug BANK</a:t>
+          </a:r>
+        </a:p>
+        <a:p>
+          <a:endParaRPr lang="en-US" dirty="0"/>
+        </a:p>
+      </dgm:t>
+    </dgm:pt>
+    <dgm:pt modelId="{E8CB86D1-C321-4A77-AFB2-3EC966D73083}" type="parTrans" cxnId="{1B045F1E-365D-4387-826A-7D20A97F14CF}">
+      <dgm:prSet/>
+      <dgm:spPr/>
+      <dgm:t>
+        <a:bodyPr/>
+        <a:lstStyle/>
+        <a:p>
+          <a:endParaRPr lang="en-US"/>
+        </a:p>
+      </dgm:t>
+    </dgm:pt>
+    <dgm:pt modelId="{5BAFC4B3-A3E3-4368-8A40-8D1552524CCC}" type="sibTrans" cxnId="{1B045F1E-365D-4387-826A-7D20A97F14CF}">
+      <dgm:prSet/>
+      <dgm:spPr/>
+      <dgm:t>
+        <a:bodyPr/>
+        <a:lstStyle/>
+        <a:p>
+          <a:endParaRPr lang="en-US"/>
+        </a:p>
+      </dgm:t>
+    </dgm:pt>
+    <dgm:pt modelId="{AE7EA70A-B564-4E87-AD97-2F064EABB9BA}" type="pres">
+      <dgm:prSet presAssocID="{4A5512CD-B04F-4426-B6F9-C3A74C487843}" presName="diagram" presStyleCnt="0">
+        <dgm:presLayoutVars>
+          <dgm:dir/>
+          <dgm:animLvl val="lvl"/>
+          <dgm:resizeHandles val="exact"/>
+        </dgm:presLayoutVars>
+      </dgm:prSet>
+      <dgm:spPr/>
+    </dgm:pt>
+    <dgm:pt modelId="{3E20423D-6AF8-4429-997B-6DBF7DAA808C}" type="pres">
+      <dgm:prSet presAssocID="{6E71286A-C409-4119-B057-48F018E03663}" presName="compNode" presStyleCnt="0"/>
+      <dgm:spPr/>
+    </dgm:pt>
+    <dgm:pt modelId="{311A07A7-4385-4A89-9594-FC889557FC1C}" type="pres">
+      <dgm:prSet presAssocID="{6E71286A-C409-4119-B057-48F018E03663}" presName="childRect" presStyleLbl="bgAcc1" presStyleIdx="0" presStyleCnt="3">
+        <dgm:presLayoutVars>
+          <dgm:bulletEnabled val="1"/>
+        </dgm:presLayoutVars>
+      </dgm:prSet>
+      <dgm:spPr/>
+    </dgm:pt>
+    <dgm:pt modelId="{A017C5F5-4CB4-4E53-B255-FE08DFC51998}" type="pres">
+      <dgm:prSet presAssocID="{6E71286A-C409-4119-B057-48F018E03663}" presName="parentText" presStyleLbl="node1" presStyleIdx="0" presStyleCnt="0">
+        <dgm:presLayoutVars>
+          <dgm:chMax val="0"/>
+          <dgm:bulletEnabled val="1"/>
+        </dgm:presLayoutVars>
+      </dgm:prSet>
+      <dgm:spPr/>
+    </dgm:pt>
+    <dgm:pt modelId="{43789B08-77EE-4C36-A9B1-C9975A91E0D9}" type="pres">
+      <dgm:prSet presAssocID="{6E71286A-C409-4119-B057-48F018E03663}" presName="parentRect" presStyleLbl="alignNode1" presStyleIdx="0" presStyleCnt="3"/>
+      <dgm:spPr/>
+    </dgm:pt>
+    <dgm:pt modelId="{CF45A9C2-0EEB-439C-A63B-D00D2F6D8DD0}" type="pres">
+      <dgm:prSet presAssocID="{6E71286A-C409-4119-B057-48F018E03663}" presName="adorn" presStyleLbl="fgAccFollowNode1" presStyleIdx="0" presStyleCnt="3"/>
+      <dgm:spPr/>
+    </dgm:pt>
+    <dgm:pt modelId="{2E859B2C-2086-4E64-864B-C53944DE6C52}" type="pres">
+      <dgm:prSet presAssocID="{64D57E81-4100-43E3-8838-D6BE1D836CDC}" presName="sibTrans" presStyleLbl="sibTrans2D1" presStyleIdx="0" presStyleCnt="0"/>
+      <dgm:spPr/>
+    </dgm:pt>
+    <dgm:pt modelId="{3B340F22-BB02-4DAA-882F-5E4579897AEA}" type="pres">
+      <dgm:prSet presAssocID="{20EF89FA-E565-4BDA-8746-FDE629240175}" presName="compNode" presStyleCnt="0"/>
+      <dgm:spPr/>
+    </dgm:pt>
+    <dgm:pt modelId="{CB4BC7C5-B2B5-4958-81A0-A64E154D9662}" type="pres">
+      <dgm:prSet presAssocID="{20EF89FA-E565-4BDA-8746-FDE629240175}" presName="childRect" presStyleLbl="bgAcc1" presStyleIdx="1" presStyleCnt="3">
+        <dgm:presLayoutVars>
+          <dgm:bulletEnabled val="1"/>
+        </dgm:presLayoutVars>
+      </dgm:prSet>
+      <dgm:spPr/>
+    </dgm:pt>
+    <dgm:pt modelId="{FCA961AA-58A9-4F9B-AD2F-A09F3799F58D}" type="pres">
+      <dgm:prSet presAssocID="{20EF89FA-E565-4BDA-8746-FDE629240175}" presName="parentText" presStyleLbl="node1" presStyleIdx="0" presStyleCnt="0">
+        <dgm:presLayoutVars>
+          <dgm:chMax val="0"/>
+          <dgm:bulletEnabled val="1"/>
+        </dgm:presLayoutVars>
+      </dgm:prSet>
+      <dgm:spPr/>
+    </dgm:pt>
+    <dgm:pt modelId="{A6908957-169E-4AF0-B82D-AE24E59AE904}" type="pres">
+      <dgm:prSet presAssocID="{20EF89FA-E565-4BDA-8746-FDE629240175}" presName="parentRect" presStyleLbl="alignNode1" presStyleIdx="1" presStyleCnt="3"/>
+      <dgm:spPr/>
+    </dgm:pt>
+    <dgm:pt modelId="{C03BD930-2A99-46BF-9C34-84FB9E7E97BD}" type="pres">
+      <dgm:prSet presAssocID="{20EF89FA-E565-4BDA-8746-FDE629240175}" presName="adorn" presStyleLbl="fgAccFollowNode1" presStyleIdx="1" presStyleCnt="3"/>
+      <dgm:spPr/>
+    </dgm:pt>
+    <dgm:pt modelId="{DB467013-4075-48CE-884C-E3C918F30E0C}" type="pres">
+      <dgm:prSet presAssocID="{9300A24B-26BF-4AE8-A998-2089738E125A}" presName="sibTrans" presStyleLbl="sibTrans2D1" presStyleIdx="0" presStyleCnt="0"/>
+      <dgm:spPr/>
+    </dgm:pt>
+    <dgm:pt modelId="{FB0AEAB5-F8D9-49C7-A76F-E69880587251}" type="pres">
+      <dgm:prSet presAssocID="{9C83A48F-16BD-41C2-A5B2-21F8A712119A}" presName="compNode" presStyleCnt="0"/>
+      <dgm:spPr/>
+    </dgm:pt>
+    <dgm:pt modelId="{47F41344-AA36-4F2E-8B34-5CCD73A94F05}" type="pres">
+      <dgm:prSet presAssocID="{9C83A48F-16BD-41C2-A5B2-21F8A712119A}" presName="childRect" presStyleLbl="bgAcc1" presStyleIdx="2" presStyleCnt="3">
+        <dgm:presLayoutVars>
+          <dgm:bulletEnabled val="1"/>
+        </dgm:presLayoutVars>
+      </dgm:prSet>
+      <dgm:spPr/>
+    </dgm:pt>
+    <dgm:pt modelId="{D022097D-6295-4A09-9675-C63BE67BDD18}" type="pres">
+      <dgm:prSet presAssocID="{9C83A48F-16BD-41C2-A5B2-21F8A712119A}" presName="parentText" presStyleLbl="node1" presStyleIdx="0" presStyleCnt="0">
+        <dgm:presLayoutVars>
+          <dgm:chMax val="0"/>
+          <dgm:bulletEnabled val="1"/>
+        </dgm:presLayoutVars>
+      </dgm:prSet>
+      <dgm:spPr/>
+    </dgm:pt>
+    <dgm:pt modelId="{F8C2B3E5-19A1-440F-B8E1-3AFAE4D0D612}" type="pres">
+      <dgm:prSet presAssocID="{9C83A48F-16BD-41C2-A5B2-21F8A712119A}" presName="parentRect" presStyleLbl="alignNode1" presStyleIdx="2" presStyleCnt="3"/>
+      <dgm:spPr/>
+    </dgm:pt>
+    <dgm:pt modelId="{1B71DC06-55E8-48A1-92F5-99B8EBC1AA5B}" type="pres">
+      <dgm:prSet presAssocID="{9C83A48F-16BD-41C2-A5B2-21F8A712119A}" presName="adorn" presStyleLbl="fgAccFollowNode1" presStyleIdx="2" presStyleCnt="3"/>
+      <dgm:spPr/>
+    </dgm:pt>
+  </dgm:ptLst>
+  <dgm:cxnLst>
+    <dgm:cxn modelId="{5E352900-54B9-439A-A69E-B1491DE47602}" type="presOf" srcId="{64D57E81-4100-43E3-8838-D6BE1D836CDC}" destId="{2E859B2C-2086-4E64-864B-C53944DE6C52}" srcOrd="0" destOrd="0" presId="urn:microsoft.com/office/officeart/2005/8/layout/bList2"/>
+    <dgm:cxn modelId="{40CF5505-2646-45CF-A6E8-0A0575097755}" type="presOf" srcId="{9300A24B-26BF-4AE8-A998-2089738E125A}" destId="{DB467013-4075-48CE-884C-E3C918F30E0C}" srcOrd="0" destOrd="0" presId="urn:microsoft.com/office/officeart/2005/8/layout/bList2"/>
+    <dgm:cxn modelId="{808EA011-C6EF-41B2-BDA1-DC41092A7D70}" type="presOf" srcId="{6E71286A-C409-4119-B057-48F018E03663}" destId="{43789B08-77EE-4C36-A9B1-C9975A91E0D9}" srcOrd="1" destOrd="0" presId="urn:microsoft.com/office/officeart/2005/8/layout/bList2"/>
+    <dgm:cxn modelId="{1B045F1E-365D-4387-826A-7D20A97F14CF}" srcId="{4A5512CD-B04F-4426-B6F9-C3A74C487843}" destId="{9C83A48F-16BD-41C2-A5B2-21F8A712119A}" srcOrd="2" destOrd="0" parTransId="{E8CB86D1-C321-4A77-AFB2-3EC966D73083}" sibTransId="{5BAFC4B3-A3E3-4368-8A40-8D1552524CCC}"/>
+    <dgm:cxn modelId="{9693705E-E60E-4660-B96F-401AAAA0EF07}" srcId="{4A5512CD-B04F-4426-B6F9-C3A74C487843}" destId="{6E71286A-C409-4119-B057-48F018E03663}" srcOrd="0" destOrd="0" parTransId="{182EEB00-8102-42A0-AEAA-2E50BAEEA55A}" sibTransId="{64D57E81-4100-43E3-8838-D6BE1D836CDC}"/>
+    <dgm:cxn modelId="{BF531277-7EFB-4FA0-84C8-4F78EEC5D792}" type="presOf" srcId="{20EF89FA-E565-4BDA-8746-FDE629240175}" destId="{A6908957-169E-4AF0-B82D-AE24E59AE904}" srcOrd="1" destOrd="0" presId="urn:microsoft.com/office/officeart/2005/8/layout/bList2"/>
+    <dgm:cxn modelId="{D2B6D082-265E-4E43-98CE-E4BF8C120D71}" type="presOf" srcId="{9C83A48F-16BD-41C2-A5B2-21F8A712119A}" destId="{D022097D-6295-4A09-9675-C63BE67BDD18}" srcOrd="0" destOrd="0" presId="urn:microsoft.com/office/officeart/2005/8/layout/bList2"/>
+    <dgm:cxn modelId="{8E3DFA84-2AF3-4D38-94F4-4FEB44E9AFBE}" type="presOf" srcId="{9C83A48F-16BD-41C2-A5B2-21F8A712119A}" destId="{F8C2B3E5-19A1-440F-B8E1-3AFAE4D0D612}" srcOrd="1" destOrd="0" presId="urn:microsoft.com/office/officeart/2005/8/layout/bList2"/>
+    <dgm:cxn modelId="{A50CC897-8344-49CE-A100-0A910B761F8D}" srcId="{4A5512CD-B04F-4426-B6F9-C3A74C487843}" destId="{20EF89FA-E565-4BDA-8746-FDE629240175}" srcOrd="1" destOrd="0" parTransId="{5FAD80CC-AF5F-4C44-8866-ED380F49D030}" sibTransId="{9300A24B-26BF-4AE8-A998-2089738E125A}"/>
+    <dgm:cxn modelId="{0480D39D-1E1C-4552-B818-2471D9B8CF7E}" type="presOf" srcId="{20EF89FA-E565-4BDA-8746-FDE629240175}" destId="{FCA961AA-58A9-4F9B-AD2F-A09F3799F58D}" srcOrd="0" destOrd="0" presId="urn:microsoft.com/office/officeart/2005/8/layout/bList2"/>
+    <dgm:cxn modelId="{9B64ABB7-F887-4A7E-81E3-24A90E919309}" type="presOf" srcId="{6E71286A-C409-4119-B057-48F018E03663}" destId="{A017C5F5-4CB4-4E53-B255-FE08DFC51998}" srcOrd="0" destOrd="0" presId="urn:microsoft.com/office/officeart/2005/8/layout/bList2"/>
+    <dgm:cxn modelId="{1D961FD8-8341-44EE-AB4A-7E9F97C81BAC}" type="presOf" srcId="{4A5512CD-B04F-4426-B6F9-C3A74C487843}" destId="{AE7EA70A-B564-4E87-AD97-2F064EABB9BA}" srcOrd="0" destOrd="0" presId="urn:microsoft.com/office/officeart/2005/8/layout/bList2"/>
+    <dgm:cxn modelId="{5A116038-65A9-4182-804A-A0C0B29733D5}" type="presParOf" srcId="{AE7EA70A-B564-4E87-AD97-2F064EABB9BA}" destId="{3E20423D-6AF8-4429-997B-6DBF7DAA808C}" srcOrd="0" destOrd="0" presId="urn:microsoft.com/office/officeart/2005/8/layout/bList2"/>
+    <dgm:cxn modelId="{A6F4C510-D684-4E17-9D2E-35C840E58BF8}" type="presParOf" srcId="{3E20423D-6AF8-4429-997B-6DBF7DAA808C}" destId="{311A07A7-4385-4A89-9594-FC889557FC1C}" srcOrd="0" destOrd="0" presId="urn:microsoft.com/office/officeart/2005/8/layout/bList2"/>
+    <dgm:cxn modelId="{299D7DCD-F1B7-4340-ADBB-EDA249AF6E4F}" type="presParOf" srcId="{3E20423D-6AF8-4429-997B-6DBF7DAA808C}" destId="{A017C5F5-4CB4-4E53-B255-FE08DFC51998}" srcOrd="1" destOrd="0" presId="urn:microsoft.com/office/officeart/2005/8/layout/bList2"/>
+    <dgm:cxn modelId="{71074815-DEC5-40CE-B47E-4D352E21304F}" type="presParOf" srcId="{3E20423D-6AF8-4429-997B-6DBF7DAA808C}" destId="{43789B08-77EE-4C36-A9B1-C9975A91E0D9}" srcOrd="2" destOrd="0" presId="urn:microsoft.com/office/officeart/2005/8/layout/bList2"/>
+    <dgm:cxn modelId="{66997786-9E47-4B0C-850B-21EED31EDABB}" type="presParOf" srcId="{3E20423D-6AF8-4429-997B-6DBF7DAA808C}" destId="{CF45A9C2-0EEB-439C-A63B-D00D2F6D8DD0}" srcOrd="3" destOrd="0" presId="urn:microsoft.com/office/officeart/2005/8/layout/bList2"/>
+    <dgm:cxn modelId="{4E3C2460-B5CD-4818-99D9-D1DBE498E71B}" type="presParOf" srcId="{AE7EA70A-B564-4E87-AD97-2F064EABB9BA}" destId="{2E859B2C-2086-4E64-864B-C53944DE6C52}" srcOrd="1" destOrd="0" presId="urn:microsoft.com/office/officeart/2005/8/layout/bList2"/>
+    <dgm:cxn modelId="{4AA7B2A8-D536-4D25-A940-687B0964D700}" type="presParOf" srcId="{AE7EA70A-B564-4E87-AD97-2F064EABB9BA}" destId="{3B340F22-BB02-4DAA-882F-5E4579897AEA}" srcOrd="2" destOrd="0" presId="urn:microsoft.com/office/officeart/2005/8/layout/bList2"/>
+    <dgm:cxn modelId="{8DAA9BA8-EE84-455F-9C44-F503BD18FB9C}" type="presParOf" srcId="{3B340F22-BB02-4DAA-882F-5E4579897AEA}" destId="{CB4BC7C5-B2B5-4958-81A0-A64E154D9662}" srcOrd="0" destOrd="0" presId="urn:microsoft.com/office/officeart/2005/8/layout/bList2"/>
+    <dgm:cxn modelId="{6432655B-1DB4-4FF3-9558-755529C3D932}" type="presParOf" srcId="{3B340F22-BB02-4DAA-882F-5E4579897AEA}" destId="{FCA961AA-58A9-4F9B-AD2F-A09F3799F58D}" srcOrd="1" destOrd="0" presId="urn:microsoft.com/office/officeart/2005/8/layout/bList2"/>
+    <dgm:cxn modelId="{664F2DB0-B47A-4584-978A-67ADF3A318D2}" type="presParOf" srcId="{3B340F22-BB02-4DAA-882F-5E4579897AEA}" destId="{A6908957-169E-4AF0-B82D-AE24E59AE904}" srcOrd="2" destOrd="0" presId="urn:microsoft.com/office/officeart/2005/8/layout/bList2"/>
+    <dgm:cxn modelId="{82CA95B2-8D67-4668-AD59-B920E807203D}" type="presParOf" srcId="{3B340F22-BB02-4DAA-882F-5E4579897AEA}" destId="{C03BD930-2A99-46BF-9C34-84FB9E7E97BD}" srcOrd="3" destOrd="0" presId="urn:microsoft.com/office/officeart/2005/8/layout/bList2"/>
+    <dgm:cxn modelId="{0C727F58-52FE-4F2D-8342-3011884E5833}" type="presParOf" srcId="{AE7EA70A-B564-4E87-AD97-2F064EABB9BA}" destId="{DB467013-4075-48CE-884C-E3C918F30E0C}" srcOrd="3" destOrd="0" presId="urn:microsoft.com/office/officeart/2005/8/layout/bList2"/>
+    <dgm:cxn modelId="{9DE00494-2036-4146-8FF1-12D17D5A0506}" type="presParOf" srcId="{AE7EA70A-B564-4E87-AD97-2F064EABB9BA}" destId="{FB0AEAB5-F8D9-49C7-A76F-E69880587251}" srcOrd="4" destOrd="0" presId="urn:microsoft.com/office/officeart/2005/8/layout/bList2"/>
+    <dgm:cxn modelId="{A12079BB-441A-48E0-B6DD-39011DA01818}" type="presParOf" srcId="{FB0AEAB5-F8D9-49C7-A76F-E69880587251}" destId="{47F41344-AA36-4F2E-8B34-5CCD73A94F05}" srcOrd="0" destOrd="0" presId="urn:microsoft.com/office/officeart/2005/8/layout/bList2"/>
+    <dgm:cxn modelId="{82472AC1-F26D-4A39-B5DD-FC4D584991E6}" type="presParOf" srcId="{FB0AEAB5-F8D9-49C7-A76F-E69880587251}" destId="{D022097D-6295-4A09-9675-C63BE67BDD18}" srcOrd="1" destOrd="0" presId="urn:microsoft.com/office/officeart/2005/8/layout/bList2"/>
+    <dgm:cxn modelId="{D96BD43C-11FE-472C-A4DB-125526E09C80}" type="presParOf" srcId="{FB0AEAB5-F8D9-49C7-A76F-E69880587251}" destId="{F8C2B3E5-19A1-440F-B8E1-3AFAE4D0D612}" srcOrd="2" destOrd="0" presId="urn:microsoft.com/office/officeart/2005/8/layout/bList2"/>
+    <dgm:cxn modelId="{DCAC50C9-255C-4E2D-AFEA-E8ABD50F3713}" type="presParOf" srcId="{FB0AEAB5-F8D9-49C7-A76F-E69880587251}" destId="{1B71DC06-55E8-48A1-92F5-99B8EBC1AA5B}" srcOrd="3" destOrd="0" presId="urn:microsoft.com/office/officeart/2005/8/layout/bList2"/>
+  </dgm:cxnLst>
+  <dgm:bg/>
+  <dgm:whole/>
+  <dgm:extLst>
+    <a:ext uri="http://schemas.microsoft.com/office/drawing/2008/diagram">
+      <dsp:dataModelExt xmlns:dsp="http://schemas.microsoft.com/office/drawing/2008/diagram" relId="rId11" minVer="http://schemas.openxmlformats.org/drawingml/2006/diagram"/>
+    </a:ext>
+  </dgm:extLst>
+</dgm:dataModel>
+</file>
+
+<file path=ppt/diagrams/data3.xml><?xml version="1.0" encoding="utf-8"?>
 <dgm:dataModel xmlns:dgm="http://schemas.openxmlformats.org/drawingml/2006/diagram" xmlns:a="http://schemas.openxmlformats.org/drawingml/2006/main">
   <dgm:ptLst>
     <dgm:pt modelId="{7F2A82DF-2EF4-4371-90B6-7AD6DC4A3825}" type="doc">
@@ -1247,6 +3718,1269 @@
 </file>
 
 <file path=ppt/diagrams/drawing1.xml><?xml version="1.0" encoding="utf-8"?>
+<dsp:drawing xmlns:dgm="http://schemas.openxmlformats.org/drawingml/2006/diagram" xmlns:dsp="http://schemas.microsoft.com/office/drawing/2008/diagram" xmlns:a="http://schemas.openxmlformats.org/drawingml/2006/main">
+  <dsp:spTree>
+    <dsp:nvGrpSpPr>
+      <dsp:cNvPr id="0" name=""/>
+      <dsp:cNvGrpSpPr/>
+    </dsp:nvGrpSpPr>
+    <dsp:grpSpPr/>
+    <dsp:sp modelId="{26C7F48E-6FCE-4727-A767-A74B80A78DA2}">
+      <dsp:nvSpPr>
+        <dsp:cNvPr id="0" name=""/>
+        <dsp:cNvSpPr/>
+      </dsp:nvSpPr>
+      <dsp:spPr>
+        <a:xfrm>
+          <a:off x="225" y="0"/>
+          <a:ext cx="586257" cy="1167787"/>
+        </a:xfrm>
+        <a:prstGeom prst="roundRect">
+          <a:avLst>
+            <a:gd name="adj" fmla="val 10000"/>
+          </a:avLst>
+        </a:prstGeom>
+        <a:solidFill>
+          <a:schemeClr val="accent2">
+            <a:tint val="40000"/>
+            <a:hueOff val="0"/>
+            <a:satOff val="0"/>
+            <a:lumOff val="0"/>
+            <a:alphaOff val="0"/>
+          </a:schemeClr>
+        </a:solidFill>
+        <a:ln>
+          <a:noFill/>
+        </a:ln>
+        <a:effectLst/>
+      </dsp:spPr>
+      <dsp:style>
+        <a:lnRef idx="0">
+          <a:scrgbClr r="0" g="0" b="0"/>
+        </a:lnRef>
+        <a:fillRef idx="1">
+          <a:scrgbClr r="0" g="0" b="0"/>
+        </a:fillRef>
+        <a:effectRef idx="0">
+          <a:scrgbClr r="0" g="0" b="0"/>
+        </a:effectRef>
+        <a:fontRef idx="minor"/>
+      </dsp:style>
+      <dsp:txBody>
+        <a:bodyPr spcFirstLastPara="0" vert="horz" wrap="square" lIns="60960" tIns="60960" rIns="60960" bIns="60960" numCol="1" spcCol="1270" anchor="ctr" anchorCtr="0">
+          <a:noAutofit/>
+        </a:bodyPr>
+        <a:lstStyle/>
+        <a:p>
+          <a:pPr marL="0" lvl="0" indent="0" algn="ctr" defTabSz="711200">
+            <a:lnSpc>
+              <a:spcPct val="90000"/>
+            </a:lnSpc>
+            <a:spcBef>
+              <a:spcPct val="0"/>
+            </a:spcBef>
+            <a:spcAft>
+              <a:spcPct val="35000"/>
+            </a:spcAft>
+            <a:buNone/>
+          </a:pPr>
+          <a:r>
+            <a:rPr lang="en-US" sz="1600" kern="1200" dirty="0"/>
+            <a:t>Data</a:t>
+          </a:r>
+        </a:p>
+      </dsp:txBody>
+      <dsp:txXfrm>
+        <a:off x="225" y="0"/>
+        <a:ext cx="586257" cy="350336"/>
+      </dsp:txXfrm>
+    </dsp:sp>
+    <dsp:sp modelId="{69F7B089-3EB7-4078-A11D-C3519D51922D}">
+      <dsp:nvSpPr>
+        <dsp:cNvPr id="0" name=""/>
+        <dsp:cNvSpPr/>
+      </dsp:nvSpPr>
+      <dsp:spPr>
+        <a:xfrm>
+          <a:off x="58851" y="350678"/>
+          <a:ext cx="469005" cy="352104"/>
+        </a:xfrm>
+        <a:prstGeom prst="roundRect">
+          <a:avLst>
+            <a:gd name="adj" fmla="val 10000"/>
+          </a:avLst>
+        </a:prstGeom>
+        <a:solidFill>
+          <a:schemeClr val="accent2">
+            <a:hueOff val="0"/>
+            <a:satOff val="0"/>
+            <a:lumOff val="0"/>
+            <a:alphaOff val="0"/>
+          </a:schemeClr>
+        </a:solidFill>
+        <a:ln w="25400" cap="flat" cmpd="sng" algn="ctr">
+          <a:solidFill>
+            <a:schemeClr val="lt1">
+              <a:hueOff val="0"/>
+              <a:satOff val="0"/>
+              <a:lumOff val="0"/>
+              <a:alphaOff val="0"/>
+            </a:schemeClr>
+          </a:solidFill>
+          <a:prstDash val="solid"/>
+        </a:ln>
+        <a:effectLst/>
+      </dsp:spPr>
+      <dsp:style>
+        <a:lnRef idx="2">
+          <a:scrgbClr r="0" g="0" b="0"/>
+        </a:lnRef>
+        <a:fillRef idx="1">
+          <a:scrgbClr r="0" g="0" b="0"/>
+        </a:fillRef>
+        <a:effectRef idx="0">
+          <a:scrgbClr r="0" g="0" b="0"/>
+        </a:effectRef>
+        <a:fontRef idx="minor">
+          <a:schemeClr val="lt1"/>
+        </a:fontRef>
+      </dsp:style>
+      <dsp:txBody>
+        <a:bodyPr spcFirstLastPara="0" vert="horz" wrap="square" lIns="15240" tIns="11430" rIns="15240" bIns="11430" numCol="1" spcCol="1270" anchor="ctr" anchorCtr="0">
+          <a:noAutofit/>
+        </a:bodyPr>
+        <a:lstStyle/>
+        <a:p>
+          <a:pPr marL="0" lvl="0" indent="0" algn="ctr" defTabSz="266700">
+            <a:lnSpc>
+              <a:spcPct val="90000"/>
+            </a:lnSpc>
+            <a:spcBef>
+              <a:spcPct val="0"/>
+            </a:spcBef>
+            <a:spcAft>
+              <a:spcPct val="35000"/>
+            </a:spcAft>
+            <a:buNone/>
+          </a:pPr>
+          <a:r>
+            <a:rPr lang="en-US" sz="600" kern="1200" dirty="0"/>
+            <a:t>Ontology</a:t>
+          </a:r>
+        </a:p>
+      </dsp:txBody>
+      <dsp:txXfrm>
+        <a:off x="69164" y="360991"/>
+        <a:ext cx="448379" cy="331478"/>
+      </dsp:txXfrm>
+    </dsp:sp>
+    <dsp:sp modelId="{F33106A5-AF4D-4F48-AD3D-E30F406869FA}">
+      <dsp:nvSpPr>
+        <dsp:cNvPr id="0" name=""/>
+        <dsp:cNvSpPr/>
+      </dsp:nvSpPr>
+      <dsp:spPr>
+        <a:xfrm>
+          <a:off x="58851" y="756952"/>
+          <a:ext cx="469005" cy="352104"/>
+        </a:xfrm>
+        <a:prstGeom prst="roundRect">
+          <a:avLst>
+            <a:gd name="adj" fmla="val 10000"/>
+          </a:avLst>
+        </a:prstGeom>
+        <a:solidFill>
+          <a:schemeClr val="accent3">
+            <a:hueOff val="0"/>
+            <a:satOff val="0"/>
+            <a:lumOff val="0"/>
+            <a:alphaOff val="0"/>
+          </a:schemeClr>
+        </a:solidFill>
+        <a:ln w="25400" cap="flat" cmpd="sng" algn="ctr">
+          <a:solidFill>
+            <a:schemeClr val="lt1">
+              <a:hueOff val="0"/>
+              <a:satOff val="0"/>
+              <a:lumOff val="0"/>
+              <a:alphaOff val="0"/>
+            </a:schemeClr>
+          </a:solidFill>
+          <a:prstDash val="solid"/>
+        </a:ln>
+        <a:effectLst/>
+      </dsp:spPr>
+      <dsp:style>
+        <a:lnRef idx="2">
+          <a:scrgbClr r="0" g="0" b="0"/>
+        </a:lnRef>
+        <a:fillRef idx="1">
+          <a:scrgbClr r="0" g="0" b="0"/>
+        </a:fillRef>
+        <a:effectRef idx="0">
+          <a:scrgbClr r="0" g="0" b="0"/>
+        </a:effectRef>
+        <a:fontRef idx="minor">
+          <a:schemeClr val="lt1"/>
+        </a:fontRef>
+      </dsp:style>
+      <dsp:txBody>
+        <a:bodyPr spcFirstLastPara="0" vert="horz" wrap="square" lIns="15240" tIns="11430" rIns="15240" bIns="11430" numCol="1" spcCol="1270" anchor="ctr" anchorCtr="0">
+          <a:noAutofit/>
+        </a:bodyPr>
+        <a:lstStyle/>
+        <a:p>
+          <a:pPr marL="0" lvl="0" indent="0" algn="ctr" defTabSz="266700">
+            <a:lnSpc>
+              <a:spcPct val="90000"/>
+            </a:lnSpc>
+            <a:spcBef>
+              <a:spcPct val="0"/>
+            </a:spcBef>
+            <a:spcAft>
+              <a:spcPct val="35000"/>
+            </a:spcAft>
+            <a:buNone/>
+          </a:pPr>
+          <a:r>
+            <a:rPr lang="en-US" sz="600" kern="1200" dirty="0"/>
+            <a:t>Drug data</a:t>
+          </a:r>
+        </a:p>
+      </dsp:txBody>
+      <dsp:txXfrm>
+        <a:off x="69164" y="767265"/>
+        <a:ext cx="448379" cy="331478"/>
+      </dsp:txXfrm>
+    </dsp:sp>
+    <dsp:sp modelId="{17D9B208-6056-4BE4-BBB1-783FFD5C3B37}">
+      <dsp:nvSpPr>
+        <dsp:cNvPr id="0" name=""/>
+        <dsp:cNvSpPr/>
+      </dsp:nvSpPr>
+      <dsp:spPr>
+        <a:xfrm>
+          <a:off x="630451" y="0"/>
+          <a:ext cx="586257" cy="1167787"/>
+        </a:xfrm>
+        <a:prstGeom prst="roundRect">
+          <a:avLst>
+            <a:gd name="adj" fmla="val 10000"/>
+          </a:avLst>
+        </a:prstGeom>
+        <a:solidFill>
+          <a:schemeClr val="accent2">
+            <a:tint val="40000"/>
+            <a:hueOff val="0"/>
+            <a:satOff val="0"/>
+            <a:lumOff val="0"/>
+            <a:alphaOff val="0"/>
+          </a:schemeClr>
+        </a:solidFill>
+        <a:ln>
+          <a:noFill/>
+        </a:ln>
+        <a:effectLst/>
+      </dsp:spPr>
+      <dsp:style>
+        <a:lnRef idx="0">
+          <a:scrgbClr r="0" g="0" b="0"/>
+        </a:lnRef>
+        <a:fillRef idx="1">
+          <a:scrgbClr r="0" g="0" b="0"/>
+        </a:fillRef>
+        <a:effectRef idx="0">
+          <a:scrgbClr r="0" g="0" b="0"/>
+        </a:effectRef>
+        <a:fontRef idx="minor"/>
+      </dsp:style>
+      <dsp:txBody>
+        <a:bodyPr spcFirstLastPara="0" vert="horz" wrap="square" lIns="60960" tIns="60960" rIns="60960" bIns="60960" numCol="1" spcCol="1270" anchor="ctr" anchorCtr="0">
+          <a:noAutofit/>
+        </a:bodyPr>
+        <a:lstStyle/>
+        <a:p>
+          <a:pPr marL="0" lvl="0" indent="0" algn="ctr" defTabSz="711200">
+            <a:lnSpc>
+              <a:spcPct val="90000"/>
+            </a:lnSpc>
+            <a:spcBef>
+              <a:spcPct val="0"/>
+            </a:spcBef>
+            <a:spcAft>
+              <a:spcPct val="35000"/>
+            </a:spcAft>
+            <a:buNone/>
+          </a:pPr>
+          <a:r>
+            <a:rPr lang="en-US" sz="1600" kern="1200" dirty="0"/>
+            <a:t>Data</a:t>
+          </a:r>
+        </a:p>
+      </dsp:txBody>
+      <dsp:txXfrm>
+        <a:off x="630451" y="0"/>
+        <a:ext cx="586257" cy="350336"/>
+      </dsp:txXfrm>
+    </dsp:sp>
+    <dsp:sp modelId="{80C8E01A-3C9C-477A-990B-FCABBB81A7D6}">
+      <dsp:nvSpPr>
+        <dsp:cNvPr id="0" name=""/>
+        <dsp:cNvSpPr/>
+      </dsp:nvSpPr>
+      <dsp:spPr>
+        <a:xfrm>
+          <a:off x="689077" y="350678"/>
+          <a:ext cx="469005" cy="352104"/>
+        </a:xfrm>
+        <a:prstGeom prst="roundRect">
+          <a:avLst>
+            <a:gd name="adj" fmla="val 10000"/>
+          </a:avLst>
+        </a:prstGeom>
+        <a:solidFill>
+          <a:schemeClr val="accent4">
+            <a:hueOff val="0"/>
+            <a:satOff val="0"/>
+            <a:lumOff val="0"/>
+            <a:alphaOff val="0"/>
+          </a:schemeClr>
+        </a:solidFill>
+        <a:ln w="25400" cap="flat" cmpd="sng" algn="ctr">
+          <a:solidFill>
+            <a:schemeClr val="lt1">
+              <a:hueOff val="0"/>
+              <a:satOff val="0"/>
+              <a:lumOff val="0"/>
+              <a:alphaOff val="0"/>
+            </a:schemeClr>
+          </a:solidFill>
+          <a:prstDash val="solid"/>
+        </a:ln>
+        <a:effectLst/>
+      </dsp:spPr>
+      <dsp:style>
+        <a:lnRef idx="2">
+          <a:scrgbClr r="0" g="0" b="0"/>
+        </a:lnRef>
+        <a:fillRef idx="1">
+          <a:scrgbClr r="0" g="0" b="0"/>
+        </a:fillRef>
+        <a:effectRef idx="0">
+          <a:scrgbClr r="0" g="0" b="0"/>
+        </a:effectRef>
+        <a:fontRef idx="minor">
+          <a:schemeClr val="lt1"/>
+        </a:fontRef>
+      </dsp:style>
+      <dsp:txBody>
+        <a:bodyPr spcFirstLastPara="0" vert="horz" wrap="square" lIns="15240" tIns="11430" rIns="15240" bIns="11430" numCol="1" spcCol="1270" anchor="ctr" anchorCtr="0">
+          <a:noAutofit/>
+        </a:bodyPr>
+        <a:lstStyle/>
+        <a:p>
+          <a:pPr marL="0" lvl="0" indent="0" algn="ctr" defTabSz="266700">
+            <a:lnSpc>
+              <a:spcPct val="90000"/>
+            </a:lnSpc>
+            <a:spcBef>
+              <a:spcPct val="0"/>
+            </a:spcBef>
+            <a:spcAft>
+              <a:spcPct val="35000"/>
+            </a:spcAft>
+            <a:buNone/>
+          </a:pPr>
+          <a:r>
+            <a:rPr lang="en-US" sz="600" kern="1200" dirty="0"/>
+            <a:t>Map</a:t>
+          </a:r>
+        </a:p>
+      </dsp:txBody>
+      <dsp:txXfrm>
+        <a:off x="699390" y="360991"/>
+        <a:ext cx="448379" cy="331478"/>
+      </dsp:txXfrm>
+    </dsp:sp>
+    <dsp:sp modelId="{228B47B1-59AA-49DA-9FE7-37C004A1B707}">
+      <dsp:nvSpPr>
+        <dsp:cNvPr id="0" name=""/>
+        <dsp:cNvSpPr/>
+      </dsp:nvSpPr>
+      <dsp:spPr>
+        <a:xfrm>
+          <a:off x="689077" y="756952"/>
+          <a:ext cx="469005" cy="352104"/>
+        </a:xfrm>
+        <a:prstGeom prst="roundRect">
+          <a:avLst>
+            <a:gd name="adj" fmla="val 10000"/>
+          </a:avLst>
+        </a:prstGeom>
+        <a:solidFill>
+          <a:schemeClr val="accent5">
+            <a:hueOff val="0"/>
+            <a:satOff val="0"/>
+            <a:lumOff val="0"/>
+            <a:alphaOff val="0"/>
+          </a:schemeClr>
+        </a:solidFill>
+        <a:ln w="25400" cap="flat" cmpd="sng" algn="ctr">
+          <a:solidFill>
+            <a:schemeClr val="lt1">
+              <a:hueOff val="0"/>
+              <a:satOff val="0"/>
+              <a:lumOff val="0"/>
+              <a:alphaOff val="0"/>
+            </a:schemeClr>
+          </a:solidFill>
+          <a:prstDash val="solid"/>
+        </a:ln>
+        <a:effectLst/>
+      </dsp:spPr>
+      <dsp:style>
+        <a:lnRef idx="2">
+          <a:scrgbClr r="0" g="0" b="0"/>
+        </a:lnRef>
+        <a:fillRef idx="1">
+          <a:scrgbClr r="0" g="0" b="0"/>
+        </a:fillRef>
+        <a:effectRef idx="0">
+          <a:scrgbClr r="0" g="0" b="0"/>
+        </a:effectRef>
+        <a:fontRef idx="minor">
+          <a:schemeClr val="lt1"/>
+        </a:fontRef>
+      </dsp:style>
+      <dsp:txBody>
+        <a:bodyPr spcFirstLastPara="0" vert="horz" wrap="square" lIns="15240" tIns="11430" rIns="15240" bIns="11430" numCol="1" spcCol="1270" anchor="ctr" anchorCtr="0">
+          <a:noAutofit/>
+        </a:bodyPr>
+        <a:lstStyle/>
+        <a:p>
+          <a:pPr marL="0" lvl="0" indent="0" algn="ctr" defTabSz="266700">
+            <a:lnSpc>
+              <a:spcPct val="90000"/>
+            </a:lnSpc>
+            <a:spcBef>
+              <a:spcPct val="0"/>
+            </a:spcBef>
+            <a:spcAft>
+              <a:spcPct val="35000"/>
+            </a:spcAft>
+            <a:buNone/>
+          </a:pPr>
+          <a:r>
+            <a:rPr lang="en-US" sz="600" kern="1200" dirty="0"/>
+            <a:t>link</a:t>
+          </a:r>
+        </a:p>
+      </dsp:txBody>
+      <dsp:txXfrm>
+        <a:off x="699390" y="767265"/>
+        <a:ext cx="448379" cy="331478"/>
+      </dsp:txXfrm>
+    </dsp:sp>
+    <dsp:sp modelId="{07063025-3330-4CF1-B534-F5A69DB81250}">
+      <dsp:nvSpPr>
+        <dsp:cNvPr id="0" name=""/>
+        <dsp:cNvSpPr/>
+      </dsp:nvSpPr>
+      <dsp:spPr>
+        <a:xfrm>
+          <a:off x="1260678" y="0"/>
+          <a:ext cx="586257" cy="1167787"/>
+        </a:xfrm>
+        <a:prstGeom prst="roundRect">
+          <a:avLst>
+            <a:gd name="adj" fmla="val 10000"/>
+          </a:avLst>
+        </a:prstGeom>
+        <a:solidFill>
+          <a:schemeClr val="accent2">
+            <a:tint val="40000"/>
+            <a:hueOff val="0"/>
+            <a:satOff val="0"/>
+            <a:lumOff val="0"/>
+            <a:alphaOff val="0"/>
+          </a:schemeClr>
+        </a:solidFill>
+        <a:ln>
+          <a:noFill/>
+        </a:ln>
+        <a:effectLst/>
+      </dsp:spPr>
+      <dsp:style>
+        <a:lnRef idx="0">
+          <a:scrgbClr r="0" g="0" b="0"/>
+        </a:lnRef>
+        <a:fillRef idx="1">
+          <a:scrgbClr r="0" g="0" b="0"/>
+        </a:fillRef>
+        <a:effectRef idx="0">
+          <a:scrgbClr r="0" g="0" b="0"/>
+        </a:effectRef>
+        <a:fontRef idx="minor"/>
+      </dsp:style>
+      <dsp:txBody>
+        <a:bodyPr spcFirstLastPara="0" vert="horz" wrap="square" lIns="60960" tIns="60960" rIns="60960" bIns="60960" numCol="1" spcCol="1270" anchor="ctr" anchorCtr="0">
+          <a:noAutofit/>
+        </a:bodyPr>
+        <a:lstStyle/>
+        <a:p>
+          <a:pPr marL="0" lvl="0" indent="0" algn="ctr" defTabSz="711200">
+            <a:lnSpc>
+              <a:spcPct val="90000"/>
+            </a:lnSpc>
+            <a:spcBef>
+              <a:spcPct val="0"/>
+            </a:spcBef>
+            <a:spcAft>
+              <a:spcPct val="35000"/>
+            </a:spcAft>
+            <a:buNone/>
+          </a:pPr>
+          <a:r>
+            <a:rPr lang="en-US" sz="1600" kern="1200" dirty="0"/>
+            <a:t>Data</a:t>
+          </a:r>
+        </a:p>
+      </dsp:txBody>
+      <dsp:txXfrm>
+        <a:off x="1260678" y="0"/>
+        <a:ext cx="586257" cy="350336"/>
+      </dsp:txXfrm>
+    </dsp:sp>
+    <dsp:sp modelId="{2472C480-56CE-4022-A858-47784D085C74}">
+      <dsp:nvSpPr>
+        <dsp:cNvPr id="0" name=""/>
+        <dsp:cNvSpPr/>
+      </dsp:nvSpPr>
+      <dsp:spPr>
+        <a:xfrm>
+          <a:off x="1319304" y="350678"/>
+          <a:ext cx="469005" cy="352104"/>
+        </a:xfrm>
+        <a:prstGeom prst="roundRect">
+          <a:avLst>
+            <a:gd name="adj" fmla="val 10000"/>
+          </a:avLst>
+        </a:prstGeom>
+        <a:solidFill>
+          <a:schemeClr val="accent6">
+            <a:hueOff val="0"/>
+            <a:satOff val="0"/>
+            <a:lumOff val="0"/>
+            <a:alphaOff val="0"/>
+          </a:schemeClr>
+        </a:solidFill>
+        <a:ln w="25400" cap="flat" cmpd="sng" algn="ctr">
+          <a:solidFill>
+            <a:schemeClr val="lt1">
+              <a:hueOff val="0"/>
+              <a:satOff val="0"/>
+              <a:lumOff val="0"/>
+              <a:alphaOff val="0"/>
+            </a:schemeClr>
+          </a:solidFill>
+          <a:prstDash val="solid"/>
+        </a:ln>
+        <a:effectLst/>
+      </dsp:spPr>
+      <dsp:style>
+        <a:lnRef idx="2">
+          <a:scrgbClr r="0" g="0" b="0"/>
+        </a:lnRef>
+        <a:fillRef idx="1">
+          <a:scrgbClr r="0" g="0" b="0"/>
+        </a:fillRef>
+        <a:effectRef idx="0">
+          <a:scrgbClr r="0" g="0" b="0"/>
+        </a:effectRef>
+        <a:fontRef idx="minor">
+          <a:schemeClr val="lt1"/>
+        </a:fontRef>
+      </dsp:style>
+      <dsp:txBody>
+        <a:bodyPr spcFirstLastPara="0" vert="horz" wrap="square" lIns="15240" tIns="11430" rIns="15240" bIns="11430" numCol="1" spcCol="1270" anchor="ctr" anchorCtr="0">
+          <a:noAutofit/>
+        </a:bodyPr>
+        <a:lstStyle/>
+        <a:p>
+          <a:pPr marL="0" lvl="0" indent="0" algn="ctr" defTabSz="266700">
+            <a:lnSpc>
+              <a:spcPct val="90000"/>
+            </a:lnSpc>
+            <a:spcBef>
+              <a:spcPct val="0"/>
+            </a:spcBef>
+            <a:spcAft>
+              <a:spcPct val="35000"/>
+            </a:spcAft>
+            <a:buNone/>
+          </a:pPr>
+          <a:r>
+            <a:rPr lang="en-US" sz="600" kern="1200" dirty="0"/>
+            <a:t>Entity</a:t>
+          </a:r>
+        </a:p>
+      </dsp:txBody>
+      <dsp:txXfrm>
+        <a:off x="1329617" y="360991"/>
+        <a:ext cx="448379" cy="331478"/>
+      </dsp:txXfrm>
+    </dsp:sp>
+    <dsp:sp modelId="{3C9DC714-6EA8-48C4-85C0-CD6EA99AB3AE}">
+      <dsp:nvSpPr>
+        <dsp:cNvPr id="0" name=""/>
+        <dsp:cNvSpPr/>
+      </dsp:nvSpPr>
+      <dsp:spPr>
+        <a:xfrm>
+          <a:off x="1319304" y="756952"/>
+          <a:ext cx="469005" cy="352104"/>
+        </a:xfrm>
+        <a:prstGeom prst="roundRect">
+          <a:avLst>
+            <a:gd name="adj" fmla="val 10000"/>
+          </a:avLst>
+        </a:prstGeom>
+        <a:solidFill>
+          <a:schemeClr val="accent2">
+            <a:hueOff val="0"/>
+            <a:satOff val="0"/>
+            <a:lumOff val="0"/>
+            <a:alphaOff val="0"/>
+          </a:schemeClr>
+        </a:solidFill>
+        <a:ln w="25400" cap="flat" cmpd="sng" algn="ctr">
+          <a:solidFill>
+            <a:schemeClr val="lt1">
+              <a:hueOff val="0"/>
+              <a:satOff val="0"/>
+              <a:lumOff val="0"/>
+              <a:alphaOff val="0"/>
+            </a:schemeClr>
+          </a:solidFill>
+          <a:prstDash val="solid"/>
+        </a:ln>
+        <a:effectLst/>
+      </dsp:spPr>
+      <dsp:style>
+        <a:lnRef idx="2">
+          <a:scrgbClr r="0" g="0" b="0"/>
+        </a:lnRef>
+        <a:fillRef idx="1">
+          <a:scrgbClr r="0" g="0" b="0"/>
+        </a:fillRef>
+        <a:effectRef idx="0">
+          <a:scrgbClr r="0" g="0" b="0"/>
+        </a:effectRef>
+        <a:fontRef idx="minor">
+          <a:schemeClr val="lt1"/>
+        </a:fontRef>
+      </dsp:style>
+      <dsp:txBody>
+        <a:bodyPr spcFirstLastPara="0" vert="horz" wrap="square" lIns="15240" tIns="11430" rIns="15240" bIns="11430" numCol="1" spcCol="1270" anchor="ctr" anchorCtr="0">
+          <a:noAutofit/>
+        </a:bodyPr>
+        <a:lstStyle/>
+        <a:p>
+          <a:pPr marL="0" lvl="0" indent="0" algn="ctr" defTabSz="266700">
+            <a:lnSpc>
+              <a:spcPct val="90000"/>
+            </a:lnSpc>
+            <a:spcBef>
+              <a:spcPct val="0"/>
+            </a:spcBef>
+            <a:spcAft>
+              <a:spcPct val="35000"/>
+            </a:spcAft>
+            <a:buNone/>
+          </a:pPr>
+          <a:r>
+            <a:rPr lang="en-US" sz="600" kern="1200" dirty="0" err="1"/>
+            <a:t>Mechanoism</a:t>
+          </a:r>
+          <a:endParaRPr lang="en-US" sz="600" kern="1200" dirty="0"/>
+        </a:p>
+      </dsp:txBody>
+      <dsp:txXfrm>
+        <a:off x="1329617" y="767265"/>
+        <a:ext cx="448379" cy="331478"/>
+      </dsp:txXfrm>
+    </dsp:sp>
+  </dsp:spTree>
+</dsp:drawing>
+</file>
+
+<file path=ppt/diagrams/drawing2.xml><?xml version="1.0" encoding="utf-8"?>
+<dsp:drawing xmlns:dgm="http://schemas.openxmlformats.org/drawingml/2006/diagram" xmlns:dsp="http://schemas.microsoft.com/office/drawing/2008/diagram" xmlns:a="http://schemas.openxmlformats.org/drawingml/2006/main">
+  <dsp:spTree>
+    <dsp:nvGrpSpPr>
+      <dsp:cNvPr id="0" name=""/>
+      <dsp:cNvGrpSpPr/>
+    </dsp:nvGrpSpPr>
+    <dsp:grpSpPr/>
+    <dsp:sp modelId="{311A07A7-4385-4A89-9594-FC889557FC1C}">
+      <dsp:nvSpPr>
+        <dsp:cNvPr id="0" name=""/>
+        <dsp:cNvSpPr/>
+      </dsp:nvSpPr>
+      <dsp:spPr>
+        <a:xfrm>
+          <a:off x="30680" y="1209"/>
+          <a:ext cx="585955" cy="437403"/>
+        </a:xfrm>
+        <a:prstGeom prst="round2SameRect">
+          <a:avLst>
+            <a:gd name="adj1" fmla="val 8000"/>
+            <a:gd name="adj2" fmla="val 0"/>
+          </a:avLst>
+        </a:prstGeom>
+        <a:solidFill>
+          <a:schemeClr val="lt1">
+            <a:alpha val="90000"/>
+            <a:hueOff val="0"/>
+            <a:satOff val="0"/>
+            <a:lumOff val="0"/>
+            <a:alphaOff val="0"/>
+          </a:schemeClr>
+        </a:solidFill>
+        <a:ln w="25400" cap="flat" cmpd="sng" algn="ctr">
+          <a:solidFill>
+            <a:schemeClr val="accent1">
+              <a:hueOff val="0"/>
+              <a:satOff val="0"/>
+              <a:lumOff val="0"/>
+              <a:alphaOff val="0"/>
+            </a:schemeClr>
+          </a:solidFill>
+          <a:prstDash val="solid"/>
+        </a:ln>
+        <a:effectLst/>
+      </dsp:spPr>
+      <dsp:style>
+        <a:lnRef idx="2">
+          <a:scrgbClr r="0" g="0" b="0"/>
+        </a:lnRef>
+        <a:fillRef idx="1">
+          <a:scrgbClr r="0" g="0" b="0"/>
+        </a:fillRef>
+        <a:effectRef idx="0">
+          <a:scrgbClr r="0" g="0" b="0"/>
+        </a:effectRef>
+        <a:fontRef idx="minor"/>
+      </dsp:style>
+    </dsp:sp>
+    <dsp:sp modelId="{43789B08-77EE-4C36-A9B1-C9975A91E0D9}">
+      <dsp:nvSpPr>
+        <dsp:cNvPr id="0" name=""/>
+        <dsp:cNvSpPr/>
+      </dsp:nvSpPr>
+      <dsp:spPr>
+        <a:xfrm>
+          <a:off x="30680" y="438612"/>
+          <a:ext cx="585955" cy="188083"/>
+        </a:xfrm>
+        <a:prstGeom prst="rect">
+          <a:avLst/>
+        </a:prstGeom>
+        <a:solidFill>
+          <a:schemeClr val="accent1">
+            <a:hueOff val="0"/>
+            <a:satOff val="0"/>
+            <a:lumOff val="0"/>
+            <a:alphaOff val="0"/>
+          </a:schemeClr>
+        </a:solidFill>
+        <a:ln w="25400" cap="flat" cmpd="sng" algn="ctr">
+          <a:solidFill>
+            <a:schemeClr val="accent1">
+              <a:hueOff val="0"/>
+              <a:satOff val="0"/>
+              <a:lumOff val="0"/>
+              <a:alphaOff val="0"/>
+            </a:schemeClr>
+          </a:solidFill>
+          <a:prstDash val="solid"/>
+        </a:ln>
+        <a:effectLst/>
+      </dsp:spPr>
+      <dsp:style>
+        <a:lnRef idx="2">
+          <a:scrgbClr r="0" g="0" b="0"/>
+        </a:lnRef>
+        <a:fillRef idx="1">
+          <a:scrgbClr r="0" g="0" b="0"/>
+        </a:fillRef>
+        <a:effectRef idx="0">
+          <a:scrgbClr r="0" g="0" b="0"/>
+        </a:effectRef>
+        <a:fontRef idx="minor">
+          <a:schemeClr val="lt1"/>
+        </a:fontRef>
+      </dsp:style>
+      <dsp:txBody>
+        <a:bodyPr spcFirstLastPara="0" vert="horz" wrap="square" lIns="19050" tIns="0" rIns="6350" bIns="0" numCol="1" spcCol="1270" anchor="ctr" anchorCtr="0">
+          <a:noAutofit/>
+        </a:bodyPr>
+        <a:lstStyle/>
+        <a:p>
+          <a:pPr marL="0" lvl="0" indent="0" algn="l" defTabSz="222250">
+            <a:lnSpc>
+              <a:spcPct val="90000"/>
+            </a:lnSpc>
+            <a:spcBef>
+              <a:spcPct val="0"/>
+            </a:spcBef>
+            <a:spcAft>
+              <a:spcPct val="35000"/>
+            </a:spcAft>
+            <a:buNone/>
+          </a:pPr>
+          <a:r>
+            <a:rPr lang="en-US" sz="500" kern="1200" dirty="0" err="1"/>
+            <a:t>RxNorm</a:t>
+          </a:r>
+          <a:endParaRPr lang="en-US" sz="500" kern="1200" dirty="0"/>
+        </a:p>
+      </dsp:txBody>
+      <dsp:txXfrm>
+        <a:off x="30680" y="438612"/>
+        <a:ext cx="412644" cy="188083"/>
+      </dsp:txXfrm>
+    </dsp:sp>
+    <dsp:sp modelId="{CF45A9C2-0EEB-439C-A63B-D00D2F6D8DD0}">
+      <dsp:nvSpPr>
+        <dsp:cNvPr id="0" name=""/>
+        <dsp:cNvSpPr/>
+      </dsp:nvSpPr>
+      <dsp:spPr>
+        <a:xfrm>
+          <a:off x="459901" y="468487"/>
+          <a:ext cx="205084" cy="205084"/>
+        </a:xfrm>
+        <a:prstGeom prst="ellipse">
+          <a:avLst/>
+        </a:prstGeom>
+        <a:solidFill>
+          <a:schemeClr val="accent1">
+            <a:alpha val="90000"/>
+            <a:tint val="40000"/>
+            <a:hueOff val="0"/>
+            <a:satOff val="0"/>
+            <a:lumOff val="0"/>
+            <a:alphaOff val="0"/>
+          </a:schemeClr>
+        </a:solidFill>
+        <a:ln w="25400" cap="flat" cmpd="sng" algn="ctr">
+          <a:solidFill>
+            <a:schemeClr val="accent1">
+              <a:alpha val="90000"/>
+              <a:tint val="40000"/>
+              <a:hueOff val="0"/>
+              <a:satOff val="0"/>
+              <a:lumOff val="0"/>
+              <a:alphaOff val="0"/>
+            </a:schemeClr>
+          </a:solidFill>
+          <a:prstDash val="solid"/>
+        </a:ln>
+        <a:effectLst/>
+      </dsp:spPr>
+      <dsp:style>
+        <a:lnRef idx="2">
+          <a:scrgbClr r="0" g="0" b="0"/>
+        </a:lnRef>
+        <a:fillRef idx="1">
+          <a:scrgbClr r="0" g="0" b="0"/>
+        </a:fillRef>
+        <a:effectRef idx="0">
+          <a:scrgbClr r="0" g="0" b="0"/>
+        </a:effectRef>
+        <a:fontRef idx="minor"/>
+      </dsp:style>
+    </dsp:sp>
+    <dsp:sp modelId="{CB4BC7C5-B2B5-4958-81A0-A64E154D9662}">
+      <dsp:nvSpPr>
+        <dsp:cNvPr id="0" name=""/>
+        <dsp:cNvSpPr/>
+      </dsp:nvSpPr>
+      <dsp:spPr>
+        <a:xfrm>
+          <a:off x="715794" y="1209"/>
+          <a:ext cx="585955" cy="437403"/>
+        </a:xfrm>
+        <a:prstGeom prst="round2SameRect">
+          <a:avLst>
+            <a:gd name="adj1" fmla="val 8000"/>
+            <a:gd name="adj2" fmla="val 0"/>
+          </a:avLst>
+        </a:prstGeom>
+        <a:solidFill>
+          <a:schemeClr val="lt1">
+            <a:alpha val="90000"/>
+            <a:hueOff val="0"/>
+            <a:satOff val="0"/>
+            <a:lumOff val="0"/>
+            <a:alphaOff val="0"/>
+          </a:schemeClr>
+        </a:solidFill>
+        <a:ln w="25400" cap="flat" cmpd="sng" algn="ctr">
+          <a:solidFill>
+            <a:schemeClr val="accent1">
+              <a:hueOff val="0"/>
+              <a:satOff val="0"/>
+              <a:lumOff val="0"/>
+              <a:alphaOff val="0"/>
+            </a:schemeClr>
+          </a:solidFill>
+          <a:prstDash val="solid"/>
+        </a:ln>
+        <a:effectLst/>
+      </dsp:spPr>
+      <dsp:style>
+        <a:lnRef idx="2">
+          <a:scrgbClr r="0" g="0" b="0"/>
+        </a:lnRef>
+        <a:fillRef idx="1">
+          <a:scrgbClr r="0" g="0" b="0"/>
+        </a:fillRef>
+        <a:effectRef idx="0">
+          <a:scrgbClr r="0" g="0" b="0"/>
+        </a:effectRef>
+        <a:fontRef idx="minor"/>
+      </dsp:style>
+    </dsp:sp>
+    <dsp:sp modelId="{A6908957-169E-4AF0-B82D-AE24E59AE904}">
+      <dsp:nvSpPr>
+        <dsp:cNvPr id="0" name=""/>
+        <dsp:cNvSpPr/>
+      </dsp:nvSpPr>
+      <dsp:spPr>
+        <a:xfrm>
+          <a:off x="715794" y="438612"/>
+          <a:ext cx="585955" cy="188083"/>
+        </a:xfrm>
+        <a:prstGeom prst="rect">
+          <a:avLst/>
+        </a:prstGeom>
+        <a:solidFill>
+          <a:schemeClr val="accent1">
+            <a:hueOff val="0"/>
+            <a:satOff val="0"/>
+            <a:lumOff val="0"/>
+            <a:alphaOff val="0"/>
+          </a:schemeClr>
+        </a:solidFill>
+        <a:ln w="25400" cap="flat" cmpd="sng" algn="ctr">
+          <a:solidFill>
+            <a:schemeClr val="accent1">
+              <a:hueOff val="0"/>
+              <a:satOff val="0"/>
+              <a:lumOff val="0"/>
+              <a:alphaOff val="0"/>
+            </a:schemeClr>
+          </a:solidFill>
+          <a:prstDash val="solid"/>
+        </a:ln>
+        <a:effectLst/>
+      </dsp:spPr>
+      <dsp:style>
+        <a:lnRef idx="2">
+          <a:scrgbClr r="0" g="0" b="0"/>
+        </a:lnRef>
+        <a:fillRef idx="1">
+          <a:scrgbClr r="0" g="0" b="0"/>
+        </a:fillRef>
+        <a:effectRef idx="0">
+          <a:scrgbClr r="0" g="0" b="0"/>
+        </a:effectRef>
+        <a:fontRef idx="minor">
+          <a:schemeClr val="lt1"/>
+        </a:fontRef>
+      </dsp:style>
+      <dsp:txBody>
+        <a:bodyPr spcFirstLastPara="0" vert="horz" wrap="square" lIns="19050" tIns="0" rIns="6350" bIns="0" numCol="1" spcCol="1270" anchor="ctr" anchorCtr="0">
+          <a:noAutofit/>
+        </a:bodyPr>
+        <a:lstStyle/>
+        <a:p>
+          <a:pPr marL="0" lvl="0" indent="0" algn="l" defTabSz="222250">
+            <a:lnSpc>
+              <a:spcPct val="90000"/>
+            </a:lnSpc>
+            <a:spcBef>
+              <a:spcPct val="0"/>
+            </a:spcBef>
+            <a:spcAft>
+              <a:spcPct val="35000"/>
+            </a:spcAft>
+            <a:buNone/>
+          </a:pPr>
+          <a:r>
+            <a:rPr lang="en-US" sz="500" kern="1200" dirty="0" err="1"/>
+            <a:t>CheBI</a:t>
+          </a:r>
+          <a:endParaRPr lang="en-US" sz="500" kern="1200" dirty="0"/>
+        </a:p>
+      </dsp:txBody>
+      <dsp:txXfrm>
+        <a:off x="715794" y="438612"/>
+        <a:ext cx="412644" cy="188083"/>
+      </dsp:txXfrm>
+    </dsp:sp>
+    <dsp:sp modelId="{C03BD930-2A99-46BF-9C34-84FB9E7E97BD}">
+      <dsp:nvSpPr>
+        <dsp:cNvPr id="0" name=""/>
+        <dsp:cNvSpPr/>
+      </dsp:nvSpPr>
+      <dsp:spPr>
+        <a:xfrm>
+          <a:off x="1145014" y="468487"/>
+          <a:ext cx="205084" cy="205084"/>
+        </a:xfrm>
+        <a:prstGeom prst="ellipse">
+          <a:avLst/>
+        </a:prstGeom>
+        <a:solidFill>
+          <a:schemeClr val="accent1">
+            <a:alpha val="90000"/>
+            <a:tint val="40000"/>
+            <a:hueOff val="0"/>
+            <a:satOff val="0"/>
+            <a:lumOff val="0"/>
+            <a:alphaOff val="0"/>
+          </a:schemeClr>
+        </a:solidFill>
+        <a:ln w="25400" cap="flat" cmpd="sng" algn="ctr">
+          <a:solidFill>
+            <a:schemeClr val="accent1">
+              <a:alpha val="90000"/>
+              <a:tint val="40000"/>
+              <a:hueOff val="0"/>
+              <a:satOff val="0"/>
+              <a:lumOff val="0"/>
+              <a:alphaOff val="0"/>
+            </a:schemeClr>
+          </a:solidFill>
+          <a:prstDash val="solid"/>
+        </a:ln>
+        <a:effectLst/>
+      </dsp:spPr>
+      <dsp:style>
+        <a:lnRef idx="2">
+          <a:scrgbClr r="0" g="0" b="0"/>
+        </a:lnRef>
+        <a:fillRef idx="1">
+          <a:scrgbClr r="0" g="0" b="0"/>
+        </a:fillRef>
+        <a:effectRef idx="0">
+          <a:scrgbClr r="0" g="0" b="0"/>
+        </a:effectRef>
+        <a:fontRef idx="minor"/>
+      </dsp:style>
+    </dsp:sp>
+    <dsp:sp modelId="{47F41344-AA36-4F2E-8B34-5CCD73A94F05}">
+      <dsp:nvSpPr>
+        <dsp:cNvPr id="0" name=""/>
+        <dsp:cNvSpPr/>
+      </dsp:nvSpPr>
+      <dsp:spPr>
+        <a:xfrm>
+          <a:off x="373237" y="775146"/>
+          <a:ext cx="585955" cy="437403"/>
+        </a:xfrm>
+        <a:prstGeom prst="round2SameRect">
+          <a:avLst>
+            <a:gd name="adj1" fmla="val 8000"/>
+            <a:gd name="adj2" fmla="val 0"/>
+          </a:avLst>
+        </a:prstGeom>
+        <a:solidFill>
+          <a:schemeClr val="lt1">
+            <a:alpha val="90000"/>
+            <a:hueOff val="0"/>
+            <a:satOff val="0"/>
+            <a:lumOff val="0"/>
+            <a:alphaOff val="0"/>
+          </a:schemeClr>
+        </a:solidFill>
+        <a:ln w="25400" cap="flat" cmpd="sng" algn="ctr">
+          <a:solidFill>
+            <a:schemeClr val="accent1">
+              <a:hueOff val="0"/>
+              <a:satOff val="0"/>
+              <a:lumOff val="0"/>
+              <a:alphaOff val="0"/>
+            </a:schemeClr>
+          </a:solidFill>
+          <a:prstDash val="solid"/>
+        </a:ln>
+        <a:effectLst/>
+      </dsp:spPr>
+      <dsp:style>
+        <a:lnRef idx="2">
+          <a:scrgbClr r="0" g="0" b="0"/>
+        </a:lnRef>
+        <a:fillRef idx="1">
+          <a:scrgbClr r="0" g="0" b="0"/>
+        </a:fillRef>
+        <a:effectRef idx="0">
+          <a:scrgbClr r="0" g="0" b="0"/>
+        </a:effectRef>
+        <a:fontRef idx="minor"/>
+      </dsp:style>
+    </dsp:sp>
+    <dsp:sp modelId="{F8C2B3E5-19A1-440F-B8E1-3AFAE4D0D612}">
+      <dsp:nvSpPr>
+        <dsp:cNvPr id="0" name=""/>
+        <dsp:cNvSpPr/>
+      </dsp:nvSpPr>
+      <dsp:spPr>
+        <a:xfrm>
+          <a:off x="373237" y="1212550"/>
+          <a:ext cx="585955" cy="188083"/>
+        </a:xfrm>
+        <a:prstGeom prst="rect">
+          <a:avLst/>
+        </a:prstGeom>
+        <a:solidFill>
+          <a:schemeClr val="accent1">
+            <a:hueOff val="0"/>
+            <a:satOff val="0"/>
+            <a:lumOff val="0"/>
+            <a:alphaOff val="0"/>
+          </a:schemeClr>
+        </a:solidFill>
+        <a:ln w="25400" cap="flat" cmpd="sng" algn="ctr">
+          <a:solidFill>
+            <a:schemeClr val="accent1">
+              <a:hueOff val="0"/>
+              <a:satOff val="0"/>
+              <a:lumOff val="0"/>
+              <a:alphaOff val="0"/>
+            </a:schemeClr>
+          </a:solidFill>
+          <a:prstDash val="solid"/>
+        </a:ln>
+        <a:effectLst/>
+      </dsp:spPr>
+      <dsp:style>
+        <a:lnRef idx="2">
+          <a:scrgbClr r="0" g="0" b="0"/>
+        </a:lnRef>
+        <a:fillRef idx="1">
+          <a:scrgbClr r="0" g="0" b="0"/>
+        </a:fillRef>
+        <a:effectRef idx="0">
+          <a:scrgbClr r="0" g="0" b="0"/>
+        </a:effectRef>
+        <a:fontRef idx="minor">
+          <a:schemeClr val="lt1"/>
+        </a:fontRef>
+      </dsp:style>
+      <dsp:txBody>
+        <a:bodyPr spcFirstLastPara="0" vert="horz" wrap="square" lIns="19050" tIns="0" rIns="6350" bIns="0" numCol="1" spcCol="1270" anchor="ctr" anchorCtr="0">
+          <a:noAutofit/>
+        </a:bodyPr>
+        <a:lstStyle/>
+        <a:p>
+          <a:pPr marL="0" lvl="0" indent="0" algn="l" defTabSz="222250">
+            <a:lnSpc>
+              <a:spcPct val="90000"/>
+            </a:lnSpc>
+            <a:spcBef>
+              <a:spcPct val="0"/>
+            </a:spcBef>
+            <a:spcAft>
+              <a:spcPct val="35000"/>
+            </a:spcAft>
+            <a:buNone/>
+          </a:pPr>
+          <a:r>
+            <a:rPr lang="en-US" sz="500" kern="1200" dirty="0"/>
+            <a:t>Drug Data, PRO, Drug BANK</a:t>
+          </a:r>
+        </a:p>
+        <a:p>
+          <a:pPr marL="0" lvl="0" indent="0" algn="l" defTabSz="222250">
+            <a:lnSpc>
+              <a:spcPct val="90000"/>
+            </a:lnSpc>
+            <a:spcBef>
+              <a:spcPct val="0"/>
+            </a:spcBef>
+            <a:spcAft>
+              <a:spcPct val="35000"/>
+            </a:spcAft>
+            <a:buNone/>
+          </a:pPr>
+          <a:endParaRPr lang="en-US" sz="500" kern="1200" dirty="0"/>
+        </a:p>
+      </dsp:txBody>
+      <dsp:txXfrm>
+        <a:off x="373237" y="1212550"/>
+        <a:ext cx="412644" cy="188083"/>
+      </dsp:txXfrm>
+    </dsp:sp>
+    <dsp:sp modelId="{1B71DC06-55E8-48A1-92F5-99B8EBC1AA5B}">
+      <dsp:nvSpPr>
+        <dsp:cNvPr id="0" name=""/>
+        <dsp:cNvSpPr/>
+      </dsp:nvSpPr>
+      <dsp:spPr>
+        <a:xfrm>
+          <a:off x="802458" y="1242425"/>
+          <a:ext cx="205084" cy="205084"/>
+        </a:xfrm>
+        <a:prstGeom prst="ellipse">
+          <a:avLst/>
+        </a:prstGeom>
+        <a:solidFill>
+          <a:schemeClr val="accent1">
+            <a:alpha val="90000"/>
+            <a:tint val="40000"/>
+            <a:hueOff val="0"/>
+            <a:satOff val="0"/>
+            <a:lumOff val="0"/>
+            <a:alphaOff val="0"/>
+          </a:schemeClr>
+        </a:solidFill>
+        <a:ln w="25400" cap="flat" cmpd="sng" algn="ctr">
+          <a:solidFill>
+            <a:schemeClr val="accent1">
+              <a:alpha val="90000"/>
+              <a:tint val="40000"/>
+              <a:hueOff val="0"/>
+              <a:satOff val="0"/>
+              <a:lumOff val="0"/>
+              <a:alphaOff val="0"/>
+            </a:schemeClr>
+          </a:solidFill>
+          <a:prstDash val="solid"/>
+        </a:ln>
+        <a:effectLst/>
+      </dsp:spPr>
+      <dsp:style>
+        <a:lnRef idx="2">
+          <a:scrgbClr r="0" g="0" b="0"/>
+        </a:lnRef>
+        <a:fillRef idx="1">
+          <a:scrgbClr r="0" g="0" b="0"/>
+        </a:fillRef>
+        <a:effectRef idx="0">
+          <a:scrgbClr r="0" g="0" b="0"/>
+        </a:effectRef>
+        <a:fontRef idx="minor"/>
+      </dsp:style>
+    </dsp:sp>
+  </dsp:spTree>
+</dsp:drawing>
+</file>
+
+<file path=ppt/diagrams/drawing3.xml><?xml version="1.0" encoding="utf-8"?>
 <dsp:drawing xmlns:dgm="http://schemas.openxmlformats.org/drawingml/2006/diagram" xmlns:dsp="http://schemas.microsoft.com/office/drawing/2008/diagram" xmlns:a="http://schemas.openxmlformats.org/drawingml/2006/main">
   <dsp:spTree>
     <dsp:nvGrpSpPr>
@@ -1969,6 +5703,483 @@
 </file>
 
 <file path=ppt/diagrams/layout1.xml><?xml version="1.0" encoding="utf-8"?>
+<dgm:layoutDef xmlns:dgm="http://schemas.openxmlformats.org/drawingml/2006/diagram" xmlns:a="http://schemas.openxmlformats.org/drawingml/2006/main" uniqueId="urn:microsoft.com/office/officeart/2005/8/layout/lProcess2">
+  <dgm:title val=""/>
+  <dgm:desc val=""/>
+  <dgm:catLst>
+    <dgm:cat type="list" pri="10000"/>
+    <dgm:cat type="relationship" pri="13000"/>
+  </dgm:catLst>
+  <dgm:sampData>
+    <dgm:dataModel>
+      <dgm:ptLst>
+        <dgm:pt modelId="0" type="doc"/>
+        <dgm:pt modelId="1">
+          <dgm:prSet phldr="1"/>
+        </dgm:pt>
+        <dgm:pt modelId="11">
+          <dgm:prSet phldr="1"/>
+        </dgm:pt>
+        <dgm:pt modelId="12">
+          <dgm:prSet phldr="1"/>
+        </dgm:pt>
+        <dgm:pt modelId="2">
+          <dgm:prSet phldr="1"/>
+        </dgm:pt>
+        <dgm:pt modelId="21">
+          <dgm:prSet phldr="1"/>
+        </dgm:pt>
+        <dgm:pt modelId="22">
+          <dgm:prSet phldr="1"/>
+        </dgm:pt>
+        <dgm:pt modelId="3">
+          <dgm:prSet phldr="1"/>
+        </dgm:pt>
+        <dgm:pt modelId="31">
+          <dgm:prSet phldr="1"/>
+        </dgm:pt>
+        <dgm:pt modelId="32">
+          <dgm:prSet phldr="1"/>
+        </dgm:pt>
+      </dgm:ptLst>
+      <dgm:cxnLst>
+        <dgm:cxn modelId="4" srcId="0" destId="1" srcOrd="0" destOrd="0"/>
+        <dgm:cxn modelId="5" srcId="0" destId="2" srcOrd="1" destOrd="0"/>
+        <dgm:cxn modelId="13" srcId="1" destId="11" srcOrd="0" destOrd="0"/>
+        <dgm:cxn modelId="14" srcId="1" destId="12" srcOrd="0" destOrd="0"/>
+        <dgm:cxn modelId="23" srcId="2" destId="21" srcOrd="0" destOrd="0"/>
+        <dgm:cxn modelId="24" srcId="2" destId="22" srcOrd="0" destOrd="0"/>
+        <dgm:cxn modelId="33" srcId="3" destId="31" srcOrd="0" destOrd="0"/>
+        <dgm:cxn modelId="34" srcId="3" destId="32" srcOrd="0" destOrd="0"/>
+      </dgm:cxnLst>
+      <dgm:bg/>
+      <dgm:whole/>
+    </dgm:dataModel>
+  </dgm:sampData>
+  <dgm:styleData useDef="1">
+    <dgm:dataModel>
+      <dgm:ptLst/>
+      <dgm:bg/>
+      <dgm:whole/>
+    </dgm:dataModel>
+  </dgm:styleData>
+  <dgm:clrData useDef="1">
+    <dgm:dataModel>
+      <dgm:ptLst/>
+      <dgm:bg/>
+      <dgm:whole/>
+    </dgm:dataModel>
+  </dgm:clrData>
+  <dgm:layoutNode name="theList">
+    <dgm:varLst>
+      <dgm:dir/>
+      <dgm:animLvl val="lvl"/>
+      <dgm:resizeHandles val="exact"/>
+    </dgm:varLst>
+    <dgm:choose name="Name0">
+      <dgm:if name="Name1" func="var" arg="dir" op="equ" val="norm">
+        <dgm:alg type="lin"/>
+      </dgm:if>
+      <dgm:else name="Name2">
+        <dgm:alg type="lin">
+          <dgm:param type="linDir" val="fromR"/>
+        </dgm:alg>
+      </dgm:else>
+    </dgm:choose>
+    <dgm:shape xmlns:r="http://schemas.openxmlformats.org/officeDocument/2006/relationships" r:blip="">
+      <dgm:adjLst/>
+    </dgm:shape>
+    <dgm:presOf/>
+    <dgm:constrLst>
+      <dgm:constr type="w" for="ch" forName="compNode" refType="w"/>
+      <dgm:constr type="h" for="ch" forName="compNode" refType="h"/>
+      <dgm:constr type="w" for="ch" forName="aSpace" refType="w" fact="0.075"/>
+      <dgm:constr type="h" for="des" forName="aSpace2" refType="h" fact="0.1"/>
+      <dgm:constr type="primFontSz" for="des" forName="textNode" op="equ"/>
+      <dgm:constr type="primFontSz" for="des" forName="childNode" op="equ"/>
+    </dgm:constrLst>
+    <dgm:ruleLst/>
+    <dgm:forEach name="aNodeForEach" axis="ch" ptType="node">
+      <dgm:layoutNode name="compNode">
+        <dgm:alg type="composite"/>
+        <dgm:shape xmlns:r="http://schemas.openxmlformats.org/officeDocument/2006/relationships" r:blip="">
+          <dgm:adjLst/>
+        </dgm:shape>
+        <dgm:presOf/>
+        <dgm:constrLst>
+          <dgm:constr type="w" for="ch" forName="aNode" refType="w"/>
+          <dgm:constr type="h" for="ch" forName="aNode" refType="h"/>
+          <dgm:constr type="w" for="ch" forName="textNode" refType="w"/>
+          <dgm:constr type="h" for="ch" forName="textNode" refType="h" fact="0.3"/>
+          <dgm:constr type="ctrX" for="ch" forName="textNode" refType="w" fact="0.5"/>
+          <dgm:constr type="w" for="ch" forName="compChildNode" refType="w" fact="0.8"/>
+          <dgm:constr type="h" for="ch" forName="compChildNode" refType="h" fact="0.65"/>
+          <dgm:constr type="t" for="ch" forName="compChildNode" refType="h" fact="0.3"/>
+          <dgm:constr type="ctrX" for="ch" forName="compChildNode" refType="w" fact="0.5"/>
+        </dgm:constrLst>
+        <dgm:ruleLst/>
+        <dgm:layoutNode name="aNode" styleLbl="bgShp">
+          <dgm:alg type="sp"/>
+          <dgm:shape xmlns:r="http://schemas.openxmlformats.org/officeDocument/2006/relationships" type="roundRect" r:blip="">
+            <dgm:adjLst>
+              <dgm:adj idx="1" val="0.1"/>
+            </dgm:adjLst>
+          </dgm:shape>
+          <dgm:presOf axis="self"/>
+          <dgm:constrLst/>
+          <dgm:ruleLst/>
+        </dgm:layoutNode>
+        <dgm:layoutNode name="textNode" styleLbl="bgShp">
+          <dgm:alg type="tx"/>
+          <dgm:shape xmlns:r="http://schemas.openxmlformats.org/officeDocument/2006/relationships" type="rect" r:blip="" hideGeom="1">
+            <dgm:adjLst>
+              <dgm:adj idx="1" val="0.1"/>
+            </dgm:adjLst>
+          </dgm:shape>
+          <dgm:presOf axis="self"/>
+          <dgm:constrLst>
+            <dgm:constr type="primFontSz" val="65"/>
+            <dgm:constr type="lMarg" refType="primFontSz" fact="0.3"/>
+            <dgm:constr type="rMarg" refType="primFontSz" fact="0.3"/>
+            <dgm:constr type="tMarg" refType="primFontSz" fact="0.3"/>
+            <dgm:constr type="bMarg" refType="primFontSz" fact="0.3"/>
+          </dgm:constrLst>
+          <dgm:ruleLst>
+            <dgm:rule type="primFontSz" val="5" fact="NaN" max="NaN"/>
+          </dgm:ruleLst>
+        </dgm:layoutNode>
+        <dgm:layoutNode name="compChildNode">
+          <dgm:alg type="composite"/>
+          <dgm:shape xmlns:r="http://schemas.openxmlformats.org/officeDocument/2006/relationships" r:blip="">
+            <dgm:adjLst/>
+          </dgm:shape>
+          <dgm:presOf/>
+          <dgm:constrLst>
+            <dgm:constr type="w" for="des" forName="childNode" refType="w"/>
+            <dgm:constr type="h" for="des" forName="childNode" refType="h"/>
+          </dgm:constrLst>
+          <dgm:ruleLst/>
+          <dgm:layoutNode name="theInnerList">
+            <dgm:alg type="lin">
+              <dgm:param type="linDir" val="fromT"/>
+            </dgm:alg>
+            <dgm:shape xmlns:r="http://schemas.openxmlformats.org/officeDocument/2006/relationships" r:blip="">
+              <dgm:adjLst/>
+            </dgm:shape>
+            <dgm:presOf/>
+            <dgm:constrLst/>
+            <dgm:ruleLst/>
+            <dgm:forEach name="childNodeForEach" axis="ch" ptType="node">
+              <dgm:layoutNode name="childNode" styleLbl="node1">
+                <dgm:varLst>
+                  <dgm:bulletEnabled val="1"/>
+                </dgm:varLst>
+                <dgm:alg type="tx"/>
+                <dgm:shape xmlns:r="http://schemas.openxmlformats.org/officeDocument/2006/relationships" type="roundRect" r:blip="">
+                  <dgm:adjLst>
+                    <dgm:adj idx="1" val="0.1"/>
+                  </dgm:adjLst>
+                </dgm:shape>
+                <dgm:presOf axis="desOrSelf" ptType="node"/>
+                <dgm:constrLst>
+                  <dgm:constr type="primFontSz" val="65"/>
+                  <dgm:constr type="tMarg" refType="primFontSz" fact="0.15"/>
+                  <dgm:constr type="bMarg" refType="primFontSz" fact="0.15"/>
+                  <dgm:constr type="lMarg" refType="primFontSz" fact="0.2"/>
+                  <dgm:constr type="rMarg" refType="primFontSz" fact="0.2"/>
+                </dgm:constrLst>
+                <dgm:ruleLst>
+                  <dgm:rule type="primFontSz" val="5" fact="NaN" max="NaN"/>
+                </dgm:ruleLst>
+              </dgm:layoutNode>
+              <dgm:choose name="Name3">
+                <dgm:if name="Name4" axis="self" ptType="node" func="revPos" op="equ" val="1"/>
+                <dgm:else name="Name5">
+                  <dgm:layoutNode name="aSpace2">
+                    <dgm:alg type="sp"/>
+                    <dgm:shape xmlns:r="http://schemas.openxmlformats.org/officeDocument/2006/relationships" r:blip="">
+                      <dgm:adjLst/>
+                    </dgm:shape>
+                    <dgm:presOf/>
+                    <dgm:constrLst/>
+                    <dgm:ruleLst/>
+                  </dgm:layoutNode>
+                </dgm:else>
+              </dgm:choose>
+            </dgm:forEach>
+          </dgm:layoutNode>
+        </dgm:layoutNode>
+      </dgm:layoutNode>
+      <dgm:choose name="Name6">
+        <dgm:if name="Name7" axis="self" ptType="node" func="revPos" op="equ" val="1"/>
+        <dgm:else name="Name8">
+          <dgm:layoutNode name="aSpace">
+            <dgm:alg type="sp"/>
+            <dgm:shape xmlns:r="http://schemas.openxmlformats.org/officeDocument/2006/relationships" r:blip="">
+              <dgm:adjLst/>
+            </dgm:shape>
+            <dgm:presOf/>
+            <dgm:constrLst/>
+            <dgm:ruleLst/>
+          </dgm:layoutNode>
+        </dgm:else>
+      </dgm:choose>
+    </dgm:forEach>
+  </dgm:layoutNode>
+</dgm:layoutDef>
+</file>
+
+<file path=ppt/diagrams/layout2.xml><?xml version="1.0" encoding="utf-8"?>
+<dgm:layoutDef xmlns:dgm="http://schemas.openxmlformats.org/drawingml/2006/diagram" xmlns:a="http://schemas.openxmlformats.org/drawingml/2006/main" uniqueId="urn:microsoft.com/office/officeart/2005/8/layout/bList2">
+  <dgm:title val=""/>
+  <dgm:desc val=""/>
+  <dgm:catLst>
+    <dgm:cat type="list" pri="7000"/>
+    <dgm:cat type="convert" pri="16000"/>
+    <dgm:cat type="picture" pri="28000"/>
+    <dgm:cat type="pictureconvert" pri="28000"/>
+  </dgm:catLst>
+  <dgm:sampData useDef="1">
+    <dgm:dataModel>
+      <dgm:ptLst/>
+      <dgm:bg/>
+      <dgm:whole/>
+    </dgm:dataModel>
+  </dgm:sampData>
+  <dgm:styleData>
+    <dgm:dataModel>
+      <dgm:ptLst>
+        <dgm:pt modelId="0" type="doc"/>
+        <dgm:pt modelId="1"/>
+        <dgm:pt modelId="11"/>
+        <dgm:pt modelId="2"/>
+        <dgm:pt modelId="21"/>
+      </dgm:ptLst>
+      <dgm:cxnLst>
+        <dgm:cxn modelId="4" srcId="0" destId="1" srcOrd="0" destOrd="0"/>
+        <dgm:cxn modelId="5" srcId="0" destId="2" srcOrd="1" destOrd="0"/>
+        <dgm:cxn modelId="13" srcId="1" destId="11" srcOrd="0" destOrd="0"/>
+        <dgm:cxn modelId="23" srcId="2" destId="21" srcOrd="0" destOrd="0"/>
+      </dgm:cxnLst>
+      <dgm:bg/>
+      <dgm:whole/>
+    </dgm:dataModel>
+  </dgm:styleData>
+  <dgm:clrData>
+    <dgm:dataModel>
+      <dgm:ptLst>
+        <dgm:pt modelId="0" type="doc"/>
+        <dgm:pt modelId="1"/>
+        <dgm:pt modelId="11"/>
+        <dgm:pt modelId="2"/>
+        <dgm:pt modelId="21"/>
+        <dgm:pt modelId="3"/>
+        <dgm:pt modelId="31"/>
+        <dgm:pt modelId="4"/>
+        <dgm:pt modelId="41"/>
+      </dgm:ptLst>
+      <dgm:cxnLst>
+        <dgm:cxn modelId="5" srcId="0" destId="1" srcOrd="0" destOrd="0"/>
+        <dgm:cxn modelId="6" srcId="0" destId="2" srcOrd="1" destOrd="0"/>
+        <dgm:cxn modelId="7" srcId="0" destId="3" srcOrd="2" destOrd="0"/>
+        <dgm:cxn modelId="8" srcId="0" destId="4" srcOrd="3" destOrd="0"/>
+        <dgm:cxn modelId="13" srcId="1" destId="11" srcOrd="0" destOrd="0"/>
+        <dgm:cxn modelId="23" srcId="2" destId="21" srcOrd="0" destOrd="0"/>
+        <dgm:cxn modelId="33" srcId="3" destId="31" srcOrd="0" destOrd="0"/>
+        <dgm:cxn modelId="43" srcId="4" destId="41" srcOrd="0" destOrd="0"/>
+      </dgm:cxnLst>
+      <dgm:bg/>
+      <dgm:whole/>
+    </dgm:dataModel>
+  </dgm:clrData>
+  <dgm:layoutNode name="diagram">
+    <dgm:varLst>
+      <dgm:dir/>
+      <dgm:animLvl val="lvl"/>
+      <dgm:resizeHandles val="exact"/>
+    </dgm:varLst>
+    <dgm:choose name="Name0">
+      <dgm:if name="Name1" axis="self" func="var" arg="dir" op="equ" val="norm">
+        <dgm:alg type="snake">
+          <dgm:param type="grDir" val="tL"/>
+          <dgm:param type="flowDir" val="row"/>
+          <dgm:param type="contDir" val="sameDir"/>
+          <dgm:param type="off" val="ctr"/>
+        </dgm:alg>
+      </dgm:if>
+      <dgm:else name="Name2">
+        <dgm:alg type="snake">
+          <dgm:param type="grDir" val="tR"/>
+          <dgm:param type="flowDir" val="row"/>
+          <dgm:param type="contDir" val="sameDir"/>
+          <dgm:param type="off" val="ctr"/>
+        </dgm:alg>
+      </dgm:else>
+    </dgm:choose>
+    <dgm:shape xmlns:r="http://schemas.openxmlformats.org/officeDocument/2006/relationships" r:blip="">
+      <dgm:adjLst/>
+    </dgm:shape>
+    <dgm:presOf/>
+    <dgm:constrLst>
+      <dgm:constr type="w" for="ch" forName="compNode" refType="w"/>
+      <dgm:constr type="w" for="ch" ptType="sibTrans" refType="w" refFor="ch" refForName="compNode" op="equ" fact="0.08"/>
+      <dgm:constr type="sp" refType="w" refFor="ch" refForName="compNode" op="equ" fact="0.16"/>
+      <dgm:constr type="primFontSz" for="des" forName="parentText" op="equ" val="65"/>
+      <dgm:constr type="primFontSz" for="des" forName="childRect" op="equ" val="65"/>
+    </dgm:constrLst>
+    <dgm:ruleLst/>
+    <dgm:forEach name="nodesForEach" axis="ch" ptType="node">
+      <dgm:layoutNode name="compNode">
+        <dgm:alg type="composite">
+          <dgm:param type="ar" val="0.943"/>
+        </dgm:alg>
+        <dgm:shape xmlns:r="http://schemas.openxmlformats.org/officeDocument/2006/relationships" r:blip="">
+          <dgm:adjLst/>
+        </dgm:shape>
+        <dgm:presOf/>
+        <dgm:choose name="Name3">
+          <dgm:if name="Name4" axis="self" func="var" arg="dir" op="equ" val="norm">
+            <dgm:constrLst>
+              <dgm:constr type="w" val="1"/>
+              <dgm:constr type="h" refType="w" fact="1.06"/>
+              <dgm:constr type="h" for="ch" forName="childRect" refType="h" fact="0.65"/>
+              <dgm:constr type="w" for="ch" forName="childRect" refType="w" fact="0.923"/>
+              <dgm:constr type="l" for="ch" forName="childRect"/>
+              <dgm:constr type="t" for="ch" forName="childRect"/>
+              <dgm:constr type="w" for="ch" forName="parentText" refType="w" fact="0.65"/>
+              <dgm:constr type="h" for="ch" forName="parentText" refType="h" refFor="ch" refForName="childRect" fact="0.43"/>
+              <dgm:constr type="l" for="ch" forName="parentText"/>
+              <dgm:constr type="t" for="ch" forName="parentText" refType="h" refFor="ch" refForName="childRect"/>
+              <dgm:constr type="w" for="ch" forName="parentRect" refType="w" fact="0.923"/>
+              <dgm:constr type="h" for="ch" forName="parentRect" refType="h" refFor="ch" refForName="parentText"/>
+              <dgm:constr type="l" for="ch" forName="parentRect"/>
+              <dgm:constr type="t" for="ch" forName="parentRect" refType="t" refFor="ch" refForName="parentText"/>
+              <dgm:constr type="w" for="ch" forName="adorn" refType="w" refFor="ch" refForName="parentRect" fact="0.35"/>
+              <dgm:constr type="h" for="ch" forName="adorn" refType="w" refFor="ch" refForName="parentRect" fact="0.35"/>
+              <dgm:constr type="b" for="ch" forName="adorn" refType="h"/>
+              <dgm:constr type="r" for="ch" forName="adorn" refType="w"/>
+            </dgm:constrLst>
+          </dgm:if>
+          <dgm:else name="Name5">
+            <dgm:constrLst>
+              <dgm:constr type="w" val="1"/>
+              <dgm:constr type="h" refType="w" fact="1.06"/>
+              <dgm:constr type="h" for="ch" forName="childRect" refType="h" fact="0.65"/>
+              <dgm:constr type="w" for="ch" forName="childRect" refType="w" fact="0.923"/>
+              <dgm:constr type="r" for="ch" forName="childRect" refType="w"/>
+              <dgm:constr type="t" for="ch" forName="childRect"/>
+              <dgm:constr type="w" for="ch" forName="parentText" refType="w" fact="0.65"/>
+              <dgm:constr type="h" for="ch" forName="parentText" refType="h" refFor="ch" refForName="childRect" fact="0.43"/>
+              <dgm:constr type="r" for="ch" forName="parentText" refType="w"/>
+              <dgm:constr type="t" for="ch" forName="parentText" refType="h" refFor="ch" refForName="childRect"/>
+              <dgm:constr type="w" for="ch" forName="parentRect" refType="w" fact="0.923"/>
+              <dgm:constr type="h" for="ch" forName="parentRect" refType="h" refFor="ch" refForName="parentText"/>
+              <dgm:constr type="r" for="ch" forName="parentRect" refType="w"/>
+              <dgm:constr type="t" for="ch" forName="parentRect" refType="t" refFor="ch" refForName="parentText"/>
+              <dgm:constr type="w" for="ch" forName="adorn" refType="w" refFor="ch" refForName="parentRect" fact="0.35"/>
+              <dgm:constr type="h" for="ch" forName="adorn" refType="w" refFor="ch" refForName="parentRect" fact="0.35"/>
+              <dgm:constr type="b" for="ch" forName="adorn" refType="h"/>
+              <dgm:constr type="l" for="ch" forName="adorn"/>
+            </dgm:constrLst>
+          </dgm:else>
+        </dgm:choose>
+        <dgm:ruleLst/>
+        <dgm:layoutNode name="childRect" styleLbl="bgAcc1">
+          <dgm:varLst>
+            <dgm:bulletEnabled val="1"/>
+          </dgm:varLst>
+          <dgm:alg type="tx">
+            <dgm:param type="stBulletLvl" val="1"/>
+          </dgm:alg>
+          <dgm:shape xmlns:r="http://schemas.openxmlformats.org/officeDocument/2006/relationships" type="round2SameRect" r:blip="">
+            <dgm:adjLst>
+              <dgm:adj idx="1" val="0.08"/>
+            </dgm:adjLst>
+          </dgm:shape>
+          <dgm:presOf axis="des" ptType="node"/>
+          <dgm:constrLst>
+            <dgm:constr type="secFontSz" refType="primFontSz"/>
+            <dgm:constr type="tMarg" refType="primFontSz" fact="0.3"/>
+            <dgm:constr type="bMarg" refType="primFontSz" fact="0.1"/>
+            <dgm:constr type="lMarg" refType="primFontSz" fact="0.1"/>
+            <dgm:constr type="rMarg" refType="primFontSz" fact="0.1"/>
+          </dgm:constrLst>
+          <dgm:ruleLst>
+            <dgm:rule type="primFontSz" val="5" fact="NaN" max="NaN"/>
+          </dgm:ruleLst>
+        </dgm:layoutNode>
+        <dgm:layoutNode name="parentText">
+          <dgm:varLst>
+            <dgm:chMax val="0"/>
+            <dgm:bulletEnabled val="1"/>
+          </dgm:varLst>
+          <dgm:choose name="Name6">
+            <dgm:if name="Name7" func="var" arg="dir" op="equ" val="norm">
+              <dgm:alg type="tx">
+                <dgm:param type="parTxLTRAlign" val="l"/>
+                <dgm:param type="parTxRTLAlign" val="l"/>
+              </dgm:alg>
+            </dgm:if>
+            <dgm:else name="Name8">
+              <dgm:alg type="tx">
+                <dgm:param type="parTxLTRAlign" val="r"/>
+                <dgm:param type="parTxRTLAlign" val="r"/>
+              </dgm:alg>
+            </dgm:else>
+          </dgm:choose>
+          <dgm:shape xmlns:r="http://schemas.openxmlformats.org/officeDocument/2006/relationships" type="rect" r:blip="" zOrderOff="1" hideGeom="1">
+            <dgm:adjLst/>
+          </dgm:shape>
+          <dgm:presOf axis="self" ptType="node"/>
+          <dgm:constrLst>
+            <dgm:constr type="tMarg"/>
+            <dgm:constr type="bMarg"/>
+            <dgm:constr type="lMarg" refType="primFontSz" fact="0.3"/>
+            <dgm:constr type="rMarg" refType="primFontSz" fact="0.1"/>
+          </dgm:constrLst>
+          <dgm:ruleLst>
+            <dgm:rule type="primFontSz" val="5" fact="NaN" max="NaN"/>
+          </dgm:ruleLst>
+        </dgm:layoutNode>
+        <dgm:layoutNode name="parentRect" styleLbl="alignNode1">
+          <dgm:alg type="sp"/>
+          <dgm:shape xmlns:r="http://schemas.openxmlformats.org/officeDocument/2006/relationships" type="rect" r:blip="">
+            <dgm:adjLst/>
+          </dgm:shape>
+          <dgm:presOf axis="self" ptType="node"/>
+          <dgm:constrLst/>
+          <dgm:ruleLst/>
+        </dgm:layoutNode>
+        <dgm:layoutNode name="adorn" styleLbl="fgAccFollowNode1">
+          <dgm:alg type="sp"/>
+          <dgm:shape xmlns:r="http://schemas.openxmlformats.org/officeDocument/2006/relationships" type="ellipse" r:blip="" blipPhldr="1">
+            <dgm:adjLst/>
+          </dgm:shape>
+          <dgm:presOf/>
+          <dgm:constrLst/>
+          <dgm:ruleLst/>
+        </dgm:layoutNode>
+      </dgm:layoutNode>
+      <dgm:forEach name="sibTransForEach" axis="followSib" ptType="sibTrans" cnt="1">
+        <dgm:layoutNode name="sibTrans">
+          <dgm:alg type="sp"/>
+          <dgm:shape xmlns:r="http://schemas.openxmlformats.org/officeDocument/2006/relationships" type="rect" r:blip="" hideGeom="1">
+            <dgm:adjLst/>
+          </dgm:shape>
+          <dgm:presOf axis="self"/>
+          <dgm:constrLst>
+            <dgm:constr type="w" val="1"/>
+            <dgm:constr type="h" refType="w"/>
+          </dgm:constrLst>
+          <dgm:ruleLst/>
+        </dgm:layoutNode>
+      </dgm:forEach>
+    </dgm:forEach>
+  </dgm:layoutNode>
+</dgm:layoutDef>
+</file>
+
+<file path=ppt/diagrams/layout3.xml><?xml version="1.0" encoding="utf-8"?>
 <dgm:layoutDef xmlns:dgm="http://schemas.openxmlformats.org/drawingml/2006/diagram" xmlns:a="http://schemas.openxmlformats.org/drawingml/2006/main" uniqueId="urn:microsoft.com/office/officeart/2005/8/layout/process5">
   <dgm:title val=""/>
   <dgm:desc val=""/>
@@ -2140,6 +6351,2074 @@
 </file>
 
 <file path=ppt/diagrams/quickStyle1.xml><?xml version="1.0" encoding="utf-8"?>
+<dgm:styleDef xmlns:dgm="http://schemas.openxmlformats.org/drawingml/2006/diagram" xmlns:a="http://schemas.openxmlformats.org/drawingml/2006/main" uniqueId="urn:microsoft.com/office/officeart/2005/8/quickstyle/simple1">
+  <dgm:title val=""/>
+  <dgm:desc val=""/>
+  <dgm:catLst>
+    <dgm:cat type="simple" pri="10100"/>
+  </dgm:catLst>
+  <dgm:scene3d>
+    <a:camera prst="orthographicFront"/>
+    <a:lightRig rig="threePt" dir="t"/>
+  </dgm:scene3d>
+  <dgm:styleLbl name="node0">
+    <dgm:scene3d>
+      <a:camera prst="orthographicFront"/>
+      <a:lightRig rig="threePt" dir="t"/>
+    </dgm:scene3d>
+    <dgm:sp3d/>
+    <dgm:txPr/>
+    <dgm:style>
+      <a:lnRef idx="2">
+        <a:scrgbClr r="0" g="0" b="0"/>
+      </a:lnRef>
+      <a:fillRef idx="1">
+        <a:scrgbClr r="0" g="0" b="0"/>
+      </a:fillRef>
+      <a:effectRef idx="0">
+        <a:scrgbClr r="0" g="0" b="0"/>
+      </a:effectRef>
+      <a:fontRef idx="minor">
+        <a:schemeClr val="lt1"/>
+      </a:fontRef>
+    </dgm:style>
+  </dgm:styleLbl>
+  <dgm:styleLbl name="lnNode1">
+    <dgm:scene3d>
+      <a:camera prst="orthographicFront"/>
+      <a:lightRig rig="threePt" dir="t"/>
+    </dgm:scene3d>
+    <dgm:sp3d/>
+    <dgm:txPr/>
+    <dgm:style>
+      <a:lnRef idx="2">
+        <a:scrgbClr r="0" g="0" b="0"/>
+      </a:lnRef>
+      <a:fillRef idx="1">
+        <a:scrgbClr r="0" g="0" b="0"/>
+      </a:fillRef>
+      <a:effectRef idx="0">
+        <a:scrgbClr r="0" g="0" b="0"/>
+      </a:effectRef>
+      <a:fontRef idx="minor">
+        <a:schemeClr val="lt1"/>
+      </a:fontRef>
+    </dgm:style>
+  </dgm:styleLbl>
+  <dgm:styleLbl name="vennNode1">
+    <dgm:scene3d>
+      <a:camera prst="orthographicFront"/>
+      <a:lightRig rig="threePt" dir="t"/>
+    </dgm:scene3d>
+    <dgm:sp3d/>
+    <dgm:txPr/>
+    <dgm:style>
+      <a:lnRef idx="2">
+        <a:scrgbClr r="0" g="0" b="0"/>
+      </a:lnRef>
+      <a:fillRef idx="1">
+        <a:scrgbClr r="0" g="0" b="0"/>
+      </a:fillRef>
+      <a:effectRef idx="0">
+        <a:scrgbClr r="0" g="0" b="0"/>
+      </a:effectRef>
+      <a:fontRef idx="minor">
+        <a:schemeClr val="tx1"/>
+      </a:fontRef>
+    </dgm:style>
+  </dgm:styleLbl>
+  <dgm:styleLbl name="alignNode1">
+    <dgm:scene3d>
+      <a:camera prst="orthographicFront"/>
+      <a:lightRig rig="threePt" dir="t"/>
+    </dgm:scene3d>
+    <dgm:sp3d/>
+    <dgm:txPr/>
+    <dgm:style>
+      <a:lnRef idx="2">
+        <a:scrgbClr r="0" g="0" b="0"/>
+      </a:lnRef>
+      <a:fillRef idx="1">
+        <a:scrgbClr r="0" g="0" b="0"/>
+      </a:fillRef>
+      <a:effectRef idx="0">
+        <a:scrgbClr r="0" g="0" b="0"/>
+      </a:effectRef>
+      <a:fontRef idx="minor">
+        <a:schemeClr val="lt1"/>
+      </a:fontRef>
+    </dgm:style>
+  </dgm:styleLbl>
+  <dgm:styleLbl name="node1">
+    <dgm:scene3d>
+      <a:camera prst="orthographicFront"/>
+      <a:lightRig rig="threePt" dir="t"/>
+    </dgm:scene3d>
+    <dgm:sp3d/>
+    <dgm:txPr/>
+    <dgm:style>
+      <a:lnRef idx="2">
+        <a:scrgbClr r="0" g="0" b="0"/>
+      </a:lnRef>
+      <a:fillRef idx="1">
+        <a:scrgbClr r="0" g="0" b="0"/>
+      </a:fillRef>
+      <a:effectRef idx="0">
+        <a:scrgbClr r="0" g="0" b="0"/>
+      </a:effectRef>
+      <a:fontRef idx="minor">
+        <a:schemeClr val="lt1"/>
+      </a:fontRef>
+    </dgm:style>
+  </dgm:styleLbl>
+  <dgm:styleLbl name="node2">
+    <dgm:scene3d>
+      <a:camera prst="orthographicFront"/>
+      <a:lightRig rig="threePt" dir="t"/>
+    </dgm:scene3d>
+    <dgm:sp3d/>
+    <dgm:txPr/>
+    <dgm:style>
+      <a:lnRef idx="2">
+        <a:scrgbClr r="0" g="0" b="0"/>
+      </a:lnRef>
+      <a:fillRef idx="1">
+        <a:scrgbClr r="0" g="0" b="0"/>
+      </a:fillRef>
+      <a:effectRef idx="0">
+        <a:scrgbClr r="0" g="0" b="0"/>
+      </a:effectRef>
+      <a:fontRef idx="minor">
+        <a:schemeClr val="lt1"/>
+      </a:fontRef>
+    </dgm:style>
+  </dgm:styleLbl>
+  <dgm:styleLbl name="node3">
+    <dgm:scene3d>
+      <a:camera prst="orthographicFront"/>
+      <a:lightRig rig="threePt" dir="t"/>
+    </dgm:scene3d>
+    <dgm:sp3d/>
+    <dgm:txPr/>
+    <dgm:style>
+      <a:lnRef idx="2">
+        <a:scrgbClr r="0" g="0" b="0"/>
+      </a:lnRef>
+      <a:fillRef idx="1">
+        <a:scrgbClr r="0" g="0" b="0"/>
+      </a:fillRef>
+      <a:effectRef idx="0">
+        <a:scrgbClr r="0" g="0" b="0"/>
+      </a:effectRef>
+      <a:fontRef idx="minor">
+        <a:schemeClr val="lt1"/>
+      </a:fontRef>
+    </dgm:style>
+  </dgm:styleLbl>
+  <dgm:styleLbl name="node4">
+    <dgm:scene3d>
+      <a:camera prst="orthographicFront"/>
+      <a:lightRig rig="threePt" dir="t"/>
+    </dgm:scene3d>
+    <dgm:sp3d/>
+    <dgm:txPr/>
+    <dgm:style>
+      <a:lnRef idx="2">
+        <a:scrgbClr r="0" g="0" b="0"/>
+      </a:lnRef>
+      <a:fillRef idx="1">
+        <a:scrgbClr r="0" g="0" b="0"/>
+      </a:fillRef>
+      <a:effectRef idx="0">
+        <a:scrgbClr r="0" g="0" b="0"/>
+      </a:effectRef>
+      <a:fontRef idx="minor">
+        <a:schemeClr val="lt1"/>
+      </a:fontRef>
+    </dgm:style>
+  </dgm:styleLbl>
+  <dgm:styleLbl name="fgImgPlace1">
+    <dgm:scene3d>
+      <a:camera prst="orthographicFront"/>
+      <a:lightRig rig="threePt" dir="t"/>
+    </dgm:scene3d>
+    <dgm:sp3d/>
+    <dgm:txPr/>
+    <dgm:style>
+      <a:lnRef idx="2">
+        <a:scrgbClr r="0" g="0" b="0"/>
+      </a:lnRef>
+      <a:fillRef idx="1">
+        <a:scrgbClr r="0" g="0" b="0"/>
+      </a:fillRef>
+      <a:effectRef idx="0">
+        <a:scrgbClr r="0" g="0" b="0"/>
+      </a:effectRef>
+      <a:fontRef idx="minor"/>
+    </dgm:style>
+  </dgm:styleLbl>
+  <dgm:styleLbl name="alignImgPlace1">
+    <dgm:scene3d>
+      <a:camera prst="orthographicFront"/>
+      <a:lightRig rig="threePt" dir="t"/>
+    </dgm:scene3d>
+    <dgm:sp3d/>
+    <dgm:txPr/>
+    <dgm:style>
+      <a:lnRef idx="2">
+        <a:scrgbClr r="0" g="0" b="0"/>
+      </a:lnRef>
+      <a:fillRef idx="1">
+        <a:scrgbClr r="0" g="0" b="0"/>
+      </a:fillRef>
+      <a:effectRef idx="0">
+        <a:scrgbClr r="0" g="0" b="0"/>
+      </a:effectRef>
+      <a:fontRef idx="minor"/>
+    </dgm:style>
+  </dgm:styleLbl>
+  <dgm:styleLbl name="bgImgPlace1">
+    <dgm:scene3d>
+      <a:camera prst="orthographicFront"/>
+      <a:lightRig rig="threePt" dir="t"/>
+    </dgm:scene3d>
+    <dgm:sp3d/>
+    <dgm:txPr/>
+    <dgm:style>
+      <a:lnRef idx="2">
+        <a:scrgbClr r="0" g="0" b="0"/>
+      </a:lnRef>
+      <a:fillRef idx="1">
+        <a:scrgbClr r="0" g="0" b="0"/>
+      </a:fillRef>
+      <a:effectRef idx="0">
+        <a:scrgbClr r="0" g="0" b="0"/>
+      </a:effectRef>
+      <a:fontRef idx="minor"/>
+    </dgm:style>
+  </dgm:styleLbl>
+  <dgm:styleLbl name="sibTrans2D1">
+    <dgm:scene3d>
+      <a:camera prst="orthographicFront"/>
+      <a:lightRig rig="threePt" dir="t"/>
+    </dgm:scene3d>
+    <dgm:sp3d/>
+    <dgm:txPr/>
+    <dgm:style>
+      <a:lnRef idx="0">
+        <a:scrgbClr r="0" g="0" b="0"/>
+      </a:lnRef>
+      <a:fillRef idx="1">
+        <a:scrgbClr r="0" g="0" b="0"/>
+      </a:fillRef>
+      <a:effectRef idx="0">
+        <a:scrgbClr r="0" g="0" b="0"/>
+      </a:effectRef>
+      <a:fontRef idx="minor">
+        <a:schemeClr val="lt1"/>
+      </a:fontRef>
+    </dgm:style>
+  </dgm:styleLbl>
+  <dgm:styleLbl name="fgSibTrans2D1">
+    <dgm:scene3d>
+      <a:camera prst="orthographicFront"/>
+      <a:lightRig rig="threePt" dir="t"/>
+    </dgm:scene3d>
+    <dgm:sp3d/>
+    <dgm:txPr/>
+    <dgm:style>
+      <a:lnRef idx="0">
+        <a:scrgbClr r="0" g="0" b="0"/>
+      </a:lnRef>
+      <a:fillRef idx="1">
+        <a:scrgbClr r="0" g="0" b="0"/>
+      </a:fillRef>
+      <a:effectRef idx="0">
+        <a:scrgbClr r="0" g="0" b="0"/>
+      </a:effectRef>
+      <a:fontRef idx="minor">
+        <a:schemeClr val="lt1"/>
+      </a:fontRef>
+    </dgm:style>
+  </dgm:styleLbl>
+  <dgm:styleLbl name="bgSibTrans2D1">
+    <dgm:scene3d>
+      <a:camera prst="orthographicFront"/>
+      <a:lightRig rig="threePt" dir="t"/>
+    </dgm:scene3d>
+    <dgm:sp3d/>
+    <dgm:txPr/>
+    <dgm:style>
+      <a:lnRef idx="0">
+        <a:scrgbClr r="0" g="0" b="0"/>
+      </a:lnRef>
+      <a:fillRef idx="1">
+        <a:scrgbClr r="0" g="0" b="0"/>
+      </a:fillRef>
+      <a:effectRef idx="0">
+        <a:scrgbClr r="0" g="0" b="0"/>
+      </a:effectRef>
+      <a:fontRef idx="minor">
+        <a:schemeClr val="lt1"/>
+      </a:fontRef>
+    </dgm:style>
+  </dgm:styleLbl>
+  <dgm:styleLbl name="sibTrans1D1">
+    <dgm:scene3d>
+      <a:camera prst="orthographicFront"/>
+      <a:lightRig rig="threePt" dir="t"/>
+    </dgm:scene3d>
+    <dgm:sp3d/>
+    <dgm:txPr/>
+    <dgm:style>
+      <a:lnRef idx="1">
+        <a:scrgbClr r="0" g="0" b="0"/>
+      </a:lnRef>
+      <a:fillRef idx="0">
+        <a:scrgbClr r="0" g="0" b="0"/>
+      </a:fillRef>
+      <a:effectRef idx="0">
+        <a:scrgbClr r="0" g="0" b="0"/>
+      </a:effectRef>
+      <a:fontRef idx="minor"/>
+    </dgm:style>
+  </dgm:styleLbl>
+  <dgm:styleLbl name="callout">
+    <dgm:scene3d>
+      <a:camera prst="orthographicFront"/>
+      <a:lightRig rig="threePt" dir="t"/>
+    </dgm:scene3d>
+    <dgm:sp3d/>
+    <dgm:txPr/>
+    <dgm:style>
+      <a:lnRef idx="2">
+        <a:scrgbClr r="0" g="0" b="0"/>
+      </a:lnRef>
+      <a:fillRef idx="1">
+        <a:scrgbClr r="0" g="0" b="0"/>
+      </a:fillRef>
+      <a:effectRef idx="0">
+        <a:scrgbClr r="0" g="0" b="0"/>
+      </a:effectRef>
+      <a:fontRef idx="minor"/>
+    </dgm:style>
+  </dgm:styleLbl>
+  <dgm:styleLbl name="asst0">
+    <dgm:scene3d>
+      <a:camera prst="orthographicFront"/>
+      <a:lightRig rig="threePt" dir="t"/>
+    </dgm:scene3d>
+    <dgm:sp3d/>
+    <dgm:txPr/>
+    <dgm:style>
+      <a:lnRef idx="2">
+        <a:scrgbClr r="0" g="0" b="0"/>
+      </a:lnRef>
+      <a:fillRef idx="1">
+        <a:scrgbClr r="0" g="0" b="0"/>
+      </a:fillRef>
+      <a:effectRef idx="0">
+        <a:scrgbClr r="0" g="0" b="0"/>
+      </a:effectRef>
+      <a:fontRef idx="minor">
+        <a:schemeClr val="lt1"/>
+      </a:fontRef>
+    </dgm:style>
+  </dgm:styleLbl>
+  <dgm:styleLbl name="asst1">
+    <dgm:scene3d>
+      <a:camera prst="orthographicFront"/>
+      <a:lightRig rig="threePt" dir="t"/>
+    </dgm:scene3d>
+    <dgm:sp3d/>
+    <dgm:txPr/>
+    <dgm:style>
+      <a:lnRef idx="2">
+        <a:scrgbClr r="0" g="0" b="0"/>
+      </a:lnRef>
+      <a:fillRef idx="1">
+        <a:scrgbClr r="0" g="0" b="0"/>
+      </a:fillRef>
+      <a:effectRef idx="0">
+        <a:scrgbClr r="0" g="0" b="0"/>
+      </a:effectRef>
+      <a:fontRef idx="minor">
+        <a:schemeClr val="lt1"/>
+      </a:fontRef>
+    </dgm:style>
+  </dgm:styleLbl>
+  <dgm:styleLbl name="asst2">
+    <dgm:scene3d>
+      <a:camera prst="orthographicFront"/>
+      <a:lightRig rig="threePt" dir="t"/>
+    </dgm:scene3d>
+    <dgm:sp3d/>
+    <dgm:txPr/>
+    <dgm:style>
+      <a:lnRef idx="2">
+        <a:scrgbClr r="0" g="0" b="0"/>
+      </a:lnRef>
+      <a:fillRef idx="1">
+        <a:scrgbClr r="0" g="0" b="0"/>
+      </a:fillRef>
+      <a:effectRef idx="0">
+        <a:scrgbClr r="0" g="0" b="0"/>
+      </a:effectRef>
+      <a:fontRef idx="minor">
+        <a:schemeClr val="lt1"/>
+      </a:fontRef>
+    </dgm:style>
+  </dgm:styleLbl>
+  <dgm:styleLbl name="asst3">
+    <dgm:scene3d>
+      <a:camera prst="orthographicFront"/>
+      <a:lightRig rig="threePt" dir="t"/>
+    </dgm:scene3d>
+    <dgm:sp3d/>
+    <dgm:txPr/>
+    <dgm:style>
+      <a:lnRef idx="2">
+        <a:scrgbClr r="0" g="0" b="0"/>
+      </a:lnRef>
+      <a:fillRef idx="1">
+        <a:scrgbClr r="0" g="0" b="0"/>
+      </a:fillRef>
+      <a:effectRef idx="0">
+        <a:scrgbClr r="0" g="0" b="0"/>
+      </a:effectRef>
+      <a:fontRef idx="minor">
+        <a:schemeClr val="lt1"/>
+      </a:fontRef>
+    </dgm:style>
+  </dgm:styleLbl>
+  <dgm:styleLbl name="asst4">
+    <dgm:scene3d>
+      <a:camera prst="orthographicFront"/>
+      <a:lightRig rig="threePt" dir="t"/>
+    </dgm:scene3d>
+    <dgm:sp3d/>
+    <dgm:txPr/>
+    <dgm:style>
+      <a:lnRef idx="2">
+        <a:scrgbClr r="0" g="0" b="0"/>
+      </a:lnRef>
+      <a:fillRef idx="1">
+        <a:scrgbClr r="0" g="0" b="0"/>
+      </a:fillRef>
+      <a:effectRef idx="0">
+        <a:scrgbClr r="0" g="0" b="0"/>
+      </a:effectRef>
+      <a:fontRef idx="minor">
+        <a:schemeClr val="lt1"/>
+      </a:fontRef>
+    </dgm:style>
+  </dgm:styleLbl>
+  <dgm:styleLbl name="parChTrans2D1">
+    <dgm:scene3d>
+      <a:camera prst="orthographicFront"/>
+      <a:lightRig rig="threePt" dir="t"/>
+    </dgm:scene3d>
+    <dgm:sp3d/>
+    <dgm:txPr/>
+    <dgm:style>
+      <a:lnRef idx="2">
+        <a:scrgbClr r="0" g="0" b="0"/>
+      </a:lnRef>
+      <a:fillRef idx="1">
+        <a:scrgbClr r="0" g="0" b="0"/>
+      </a:fillRef>
+      <a:effectRef idx="0">
+        <a:scrgbClr r="0" g="0" b="0"/>
+      </a:effectRef>
+      <a:fontRef idx="minor">
+        <a:schemeClr val="lt1"/>
+      </a:fontRef>
+    </dgm:style>
+  </dgm:styleLbl>
+  <dgm:styleLbl name="parChTrans2D2">
+    <dgm:scene3d>
+      <a:camera prst="orthographicFront"/>
+      <a:lightRig rig="threePt" dir="t"/>
+    </dgm:scene3d>
+    <dgm:sp3d/>
+    <dgm:txPr/>
+    <dgm:style>
+      <a:lnRef idx="2">
+        <a:scrgbClr r="0" g="0" b="0"/>
+      </a:lnRef>
+      <a:fillRef idx="1">
+        <a:scrgbClr r="0" g="0" b="0"/>
+      </a:fillRef>
+      <a:effectRef idx="0">
+        <a:scrgbClr r="0" g="0" b="0"/>
+      </a:effectRef>
+      <a:fontRef idx="minor">
+        <a:schemeClr val="lt1"/>
+      </a:fontRef>
+    </dgm:style>
+  </dgm:styleLbl>
+  <dgm:styleLbl name="parChTrans2D3">
+    <dgm:scene3d>
+      <a:camera prst="orthographicFront"/>
+      <a:lightRig rig="threePt" dir="t"/>
+    </dgm:scene3d>
+    <dgm:sp3d/>
+    <dgm:txPr/>
+    <dgm:style>
+      <a:lnRef idx="2">
+        <a:scrgbClr r="0" g="0" b="0"/>
+      </a:lnRef>
+      <a:fillRef idx="1">
+        <a:scrgbClr r="0" g="0" b="0"/>
+      </a:fillRef>
+      <a:effectRef idx="0">
+        <a:scrgbClr r="0" g="0" b="0"/>
+      </a:effectRef>
+      <a:fontRef idx="minor">
+        <a:schemeClr val="lt1"/>
+      </a:fontRef>
+    </dgm:style>
+  </dgm:styleLbl>
+  <dgm:styleLbl name="parChTrans2D4">
+    <dgm:scene3d>
+      <a:camera prst="orthographicFront"/>
+      <a:lightRig rig="threePt" dir="t"/>
+    </dgm:scene3d>
+    <dgm:sp3d/>
+    <dgm:txPr/>
+    <dgm:style>
+      <a:lnRef idx="2">
+        <a:scrgbClr r="0" g="0" b="0"/>
+      </a:lnRef>
+      <a:fillRef idx="1">
+        <a:scrgbClr r="0" g="0" b="0"/>
+      </a:fillRef>
+      <a:effectRef idx="0">
+        <a:scrgbClr r="0" g="0" b="0"/>
+      </a:effectRef>
+      <a:fontRef idx="minor">
+        <a:schemeClr val="lt1"/>
+      </a:fontRef>
+    </dgm:style>
+  </dgm:styleLbl>
+  <dgm:styleLbl name="parChTrans1D1">
+    <dgm:scene3d>
+      <a:camera prst="orthographicFront"/>
+      <a:lightRig rig="threePt" dir="t"/>
+    </dgm:scene3d>
+    <dgm:sp3d/>
+    <dgm:txPr/>
+    <dgm:style>
+      <a:lnRef idx="2">
+        <a:scrgbClr r="0" g="0" b="0"/>
+      </a:lnRef>
+      <a:fillRef idx="0">
+        <a:scrgbClr r="0" g="0" b="0"/>
+      </a:fillRef>
+      <a:effectRef idx="0">
+        <a:scrgbClr r="0" g="0" b="0"/>
+      </a:effectRef>
+      <a:fontRef idx="minor"/>
+    </dgm:style>
+  </dgm:styleLbl>
+  <dgm:styleLbl name="parChTrans1D2">
+    <dgm:scene3d>
+      <a:camera prst="orthographicFront"/>
+      <a:lightRig rig="threePt" dir="t"/>
+    </dgm:scene3d>
+    <dgm:sp3d/>
+    <dgm:txPr/>
+    <dgm:style>
+      <a:lnRef idx="2">
+        <a:scrgbClr r="0" g="0" b="0"/>
+      </a:lnRef>
+      <a:fillRef idx="0">
+        <a:scrgbClr r="0" g="0" b="0"/>
+      </a:fillRef>
+      <a:effectRef idx="0">
+        <a:scrgbClr r="0" g="0" b="0"/>
+      </a:effectRef>
+      <a:fontRef idx="minor"/>
+    </dgm:style>
+  </dgm:styleLbl>
+  <dgm:styleLbl name="parChTrans1D3">
+    <dgm:scene3d>
+      <a:camera prst="orthographicFront"/>
+      <a:lightRig rig="threePt" dir="t"/>
+    </dgm:scene3d>
+    <dgm:sp3d/>
+    <dgm:txPr/>
+    <dgm:style>
+      <a:lnRef idx="2">
+        <a:scrgbClr r="0" g="0" b="0"/>
+      </a:lnRef>
+      <a:fillRef idx="0">
+        <a:scrgbClr r="0" g="0" b="0"/>
+      </a:fillRef>
+      <a:effectRef idx="0">
+        <a:scrgbClr r="0" g="0" b="0"/>
+      </a:effectRef>
+      <a:fontRef idx="minor"/>
+    </dgm:style>
+  </dgm:styleLbl>
+  <dgm:styleLbl name="parChTrans1D4">
+    <dgm:scene3d>
+      <a:camera prst="orthographicFront"/>
+      <a:lightRig rig="threePt" dir="t"/>
+    </dgm:scene3d>
+    <dgm:sp3d/>
+    <dgm:txPr/>
+    <dgm:style>
+      <a:lnRef idx="2">
+        <a:scrgbClr r="0" g="0" b="0"/>
+      </a:lnRef>
+      <a:fillRef idx="0">
+        <a:scrgbClr r="0" g="0" b="0"/>
+      </a:fillRef>
+      <a:effectRef idx="0">
+        <a:scrgbClr r="0" g="0" b="0"/>
+      </a:effectRef>
+      <a:fontRef idx="minor"/>
+    </dgm:style>
+  </dgm:styleLbl>
+  <dgm:styleLbl name="fgAcc1">
+    <dgm:scene3d>
+      <a:camera prst="orthographicFront"/>
+      <a:lightRig rig="threePt" dir="t"/>
+    </dgm:scene3d>
+    <dgm:sp3d/>
+    <dgm:txPr/>
+    <dgm:style>
+      <a:lnRef idx="2">
+        <a:scrgbClr r="0" g="0" b="0"/>
+      </a:lnRef>
+      <a:fillRef idx="1">
+        <a:scrgbClr r="0" g="0" b="0"/>
+      </a:fillRef>
+      <a:effectRef idx="0">
+        <a:scrgbClr r="0" g="0" b="0"/>
+      </a:effectRef>
+      <a:fontRef idx="minor"/>
+    </dgm:style>
+  </dgm:styleLbl>
+  <dgm:styleLbl name="conFgAcc1">
+    <dgm:scene3d>
+      <a:camera prst="orthographicFront"/>
+      <a:lightRig rig="threePt" dir="t"/>
+    </dgm:scene3d>
+    <dgm:sp3d/>
+    <dgm:txPr/>
+    <dgm:style>
+      <a:lnRef idx="2">
+        <a:scrgbClr r="0" g="0" b="0"/>
+      </a:lnRef>
+      <a:fillRef idx="1">
+        <a:scrgbClr r="0" g="0" b="0"/>
+      </a:fillRef>
+      <a:effectRef idx="0">
+        <a:scrgbClr r="0" g="0" b="0"/>
+      </a:effectRef>
+      <a:fontRef idx="minor"/>
+    </dgm:style>
+  </dgm:styleLbl>
+  <dgm:styleLbl name="alignAcc1">
+    <dgm:scene3d>
+      <a:camera prst="orthographicFront"/>
+      <a:lightRig rig="threePt" dir="t"/>
+    </dgm:scene3d>
+    <dgm:sp3d/>
+    <dgm:txPr/>
+    <dgm:style>
+      <a:lnRef idx="2">
+        <a:scrgbClr r="0" g="0" b="0"/>
+      </a:lnRef>
+      <a:fillRef idx="1">
+        <a:scrgbClr r="0" g="0" b="0"/>
+      </a:fillRef>
+      <a:effectRef idx="0">
+        <a:scrgbClr r="0" g="0" b="0"/>
+      </a:effectRef>
+      <a:fontRef idx="minor"/>
+    </dgm:style>
+  </dgm:styleLbl>
+  <dgm:styleLbl name="trAlignAcc1">
+    <dgm:scene3d>
+      <a:camera prst="orthographicFront"/>
+      <a:lightRig rig="threePt" dir="t"/>
+    </dgm:scene3d>
+    <dgm:sp3d/>
+    <dgm:txPr/>
+    <dgm:style>
+      <a:lnRef idx="1">
+        <a:scrgbClr r="0" g="0" b="0"/>
+      </a:lnRef>
+      <a:fillRef idx="1">
+        <a:scrgbClr r="0" g="0" b="0"/>
+      </a:fillRef>
+      <a:effectRef idx="0">
+        <a:scrgbClr r="0" g="0" b="0"/>
+      </a:effectRef>
+      <a:fontRef idx="minor"/>
+    </dgm:style>
+  </dgm:styleLbl>
+  <dgm:styleLbl name="bgAcc1">
+    <dgm:scene3d>
+      <a:camera prst="orthographicFront"/>
+      <a:lightRig rig="threePt" dir="t"/>
+    </dgm:scene3d>
+    <dgm:sp3d/>
+    <dgm:txPr/>
+    <dgm:style>
+      <a:lnRef idx="2">
+        <a:scrgbClr r="0" g="0" b="0"/>
+      </a:lnRef>
+      <a:fillRef idx="1">
+        <a:scrgbClr r="0" g="0" b="0"/>
+      </a:fillRef>
+      <a:effectRef idx="0">
+        <a:scrgbClr r="0" g="0" b="0"/>
+      </a:effectRef>
+      <a:fontRef idx="minor"/>
+    </dgm:style>
+  </dgm:styleLbl>
+  <dgm:styleLbl name="solidFgAcc1">
+    <dgm:scene3d>
+      <a:camera prst="orthographicFront"/>
+      <a:lightRig rig="threePt" dir="t"/>
+    </dgm:scene3d>
+    <dgm:sp3d/>
+    <dgm:txPr/>
+    <dgm:style>
+      <a:lnRef idx="2">
+        <a:scrgbClr r="0" g="0" b="0"/>
+      </a:lnRef>
+      <a:fillRef idx="1">
+        <a:scrgbClr r="0" g="0" b="0"/>
+      </a:fillRef>
+      <a:effectRef idx="0">
+        <a:scrgbClr r="0" g="0" b="0"/>
+      </a:effectRef>
+      <a:fontRef idx="minor"/>
+    </dgm:style>
+  </dgm:styleLbl>
+  <dgm:styleLbl name="solidAlignAcc1">
+    <dgm:scene3d>
+      <a:camera prst="orthographicFront"/>
+      <a:lightRig rig="threePt" dir="t"/>
+    </dgm:scene3d>
+    <dgm:sp3d/>
+    <dgm:txPr/>
+    <dgm:style>
+      <a:lnRef idx="2">
+        <a:scrgbClr r="0" g="0" b="0"/>
+      </a:lnRef>
+      <a:fillRef idx="1">
+        <a:scrgbClr r="0" g="0" b="0"/>
+      </a:fillRef>
+      <a:effectRef idx="0">
+        <a:scrgbClr r="0" g="0" b="0"/>
+      </a:effectRef>
+      <a:fontRef idx="minor"/>
+    </dgm:style>
+  </dgm:styleLbl>
+  <dgm:styleLbl name="solidBgAcc1">
+    <dgm:scene3d>
+      <a:camera prst="orthographicFront"/>
+      <a:lightRig rig="threePt" dir="t"/>
+    </dgm:scene3d>
+    <dgm:sp3d/>
+    <dgm:txPr/>
+    <dgm:style>
+      <a:lnRef idx="2">
+        <a:scrgbClr r="0" g="0" b="0"/>
+      </a:lnRef>
+      <a:fillRef idx="1">
+        <a:scrgbClr r="0" g="0" b="0"/>
+      </a:fillRef>
+      <a:effectRef idx="0">
+        <a:scrgbClr r="0" g="0" b="0"/>
+      </a:effectRef>
+      <a:fontRef idx="minor"/>
+    </dgm:style>
+  </dgm:styleLbl>
+  <dgm:styleLbl name="fgAccFollowNode1">
+    <dgm:scene3d>
+      <a:camera prst="orthographicFront"/>
+      <a:lightRig rig="threePt" dir="t"/>
+    </dgm:scene3d>
+    <dgm:sp3d/>
+    <dgm:txPr/>
+    <dgm:style>
+      <a:lnRef idx="2">
+        <a:scrgbClr r="0" g="0" b="0"/>
+      </a:lnRef>
+      <a:fillRef idx="1">
+        <a:scrgbClr r="0" g="0" b="0"/>
+      </a:fillRef>
+      <a:effectRef idx="0">
+        <a:scrgbClr r="0" g="0" b="0"/>
+      </a:effectRef>
+      <a:fontRef idx="minor"/>
+    </dgm:style>
+  </dgm:styleLbl>
+  <dgm:styleLbl name="alignAccFollowNode1">
+    <dgm:scene3d>
+      <a:camera prst="orthographicFront"/>
+      <a:lightRig rig="threePt" dir="t"/>
+    </dgm:scene3d>
+    <dgm:sp3d/>
+    <dgm:txPr/>
+    <dgm:style>
+      <a:lnRef idx="2">
+        <a:scrgbClr r="0" g="0" b="0"/>
+      </a:lnRef>
+      <a:fillRef idx="1">
+        <a:scrgbClr r="0" g="0" b="0"/>
+      </a:fillRef>
+      <a:effectRef idx="0">
+        <a:scrgbClr r="0" g="0" b="0"/>
+      </a:effectRef>
+      <a:fontRef idx="minor"/>
+    </dgm:style>
+  </dgm:styleLbl>
+  <dgm:styleLbl name="bgAccFollowNode1">
+    <dgm:scene3d>
+      <a:camera prst="orthographicFront"/>
+      <a:lightRig rig="threePt" dir="t"/>
+    </dgm:scene3d>
+    <dgm:sp3d/>
+    <dgm:txPr/>
+    <dgm:style>
+      <a:lnRef idx="2">
+        <a:scrgbClr r="0" g="0" b="0"/>
+      </a:lnRef>
+      <a:fillRef idx="1">
+        <a:scrgbClr r="0" g="0" b="0"/>
+      </a:fillRef>
+      <a:effectRef idx="0">
+        <a:scrgbClr r="0" g="0" b="0"/>
+      </a:effectRef>
+      <a:fontRef idx="minor"/>
+    </dgm:style>
+  </dgm:styleLbl>
+  <dgm:styleLbl name="fgAcc0">
+    <dgm:scene3d>
+      <a:camera prst="orthographicFront"/>
+      <a:lightRig rig="threePt" dir="t"/>
+    </dgm:scene3d>
+    <dgm:sp3d/>
+    <dgm:txPr/>
+    <dgm:style>
+      <a:lnRef idx="2">
+        <a:scrgbClr r="0" g="0" b="0"/>
+      </a:lnRef>
+      <a:fillRef idx="1">
+        <a:scrgbClr r="0" g="0" b="0"/>
+      </a:fillRef>
+      <a:effectRef idx="0">
+        <a:scrgbClr r="0" g="0" b="0"/>
+      </a:effectRef>
+      <a:fontRef idx="minor"/>
+    </dgm:style>
+  </dgm:styleLbl>
+  <dgm:styleLbl name="fgAcc2">
+    <dgm:scene3d>
+      <a:camera prst="orthographicFront"/>
+      <a:lightRig rig="threePt" dir="t"/>
+    </dgm:scene3d>
+    <dgm:sp3d/>
+    <dgm:txPr/>
+    <dgm:style>
+      <a:lnRef idx="2">
+        <a:scrgbClr r="0" g="0" b="0"/>
+      </a:lnRef>
+      <a:fillRef idx="1">
+        <a:scrgbClr r="0" g="0" b="0"/>
+      </a:fillRef>
+      <a:effectRef idx="0">
+        <a:scrgbClr r="0" g="0" b="0"/>
+      </a:effectRef>
+      <a:fontRef idx="minor"/>
+    </dgm:style>
+  </dgm:styleLbl>
+  <dgm:styleLbl name="fgAcc3">
+    <dgm:scene3d>
+      <a:camera prst="orthographicFront"/>
+      <a:lightRig rig="threePt" dir="t"/>
+    </dgm:scene3d>
+    <dgm:sp3d/>
+    <dgm:txPr/>
+    <dgm:style>
+      <a:lnRef idx="2">
+        <a:scrgbClr r="0" g="0" b="0"/>
+      </a:lnRef>
+      <a:fillRef idx="1">
+        <a:scrgbClr r="0" g="0" b="0"/>
+      </a:fillRef>
+      <a:effectRef idx="0">
+        <a:scrgbClr r="0" g="0" b="0"/>
+      </a:effectRef>
+      <a:fontRef idx="minor"/>
+    </dgm:style>
+  </dgm:styleLbl>
+  <dgm:styleLbl name="fgAcc4">
+    <dgm:scene3d>
+      <a:camera prst="orthographicFront"/>
+      <a:lightRig rig="threePt" dir="t"/>
+    </dgm:scene3d>
+    <dgm:sp3d/>
+    <dgm:txPr/>
+    <dgm:style>
+      <a:lnRef idx="2">
+        <a:scrgbClr r="0" g="0" b="0"/>
+      </a:lnRef>
+      <a:fillRef idx="1">
+        <a:scrgbClr r="0" g="0" b="0"/>
+      </a:fillRef>
+      <a:effectRef idx="0">
+        <a:scrgbClr r="0" g="0" b="0"/>
+      </a:effectRef>
+      <a:fontRef idx="minor"/>
+    </dgm:style>
+  </dgm:styleLbl>
+  <dgm:styleLbl name="bgShp">
+    <dgm:scene3d>
+      <a:camera prst="orthographicFront"/>
+      <a:lightRig rig="threePt" dir="t"/>
+    </dgm:scene3d>
+    <dgm:sp3d/>
+    <dgm:txPr/>
+    <dgm:style>
+      <a:lnRef idx="0">
+        <a:scrgbClr r="0" g="0" b="0"/>
+      </a:lnRef>
+      <a:fillRef idx="1">
+        <a:scrgbClr r="0" g="0" b="0"/>
+      </a:fillRef>
+      <a:effectRef idx="0">
+        <a:scrgbClr r="0" g="0" b="0"/>
+      </a:effectRef>
+      <a:fontRef idx="minor"/>
+    </dgm:style>
+  </dgm:styleLbl>
+  <dgm:styleLbl name="dkBgShp">
+    <dgm:scene3d>
+      <a:camera prst="orthographicFront"/>
+      <a:lightRig rig="threePt" dir="t"/>
+    </dgm:scene3d>
+    <dgm:sp3d/>
+    <dgm:txPr/>
+    <dgm:style>
+      <a:lnRef idx="0">
+        <a:scrgbClr r="0" g="0" b="0"/>
+      </a:lnRef>
+      <a:fillRef idx="1">
+        <a:scrgbClr r="0" g="0" b="0"/>
+      </a:fillRef>
+      <a:effectRef idx="0">
+        <a:scrgbClr r="0" g="0" b="0"/>
+      </a:effectRef>
+      <a:fontRef idx="minor"/>
+    </dgm:style>
+  </dgm:styleLbl>
+  <dgm:styleLbl name="trBgShp">
+    <dgm:scene3d>
+      <a:camera prst="orthographicFront"/>
+      <a:lightRig rig="threePt" dir="t"/>
+    </dgm:scene3d>
+    <dgm:sp3d/>
+    <dgm:txPr/>
+    <dgm:style>
+      <a:lnRef idx="0">
+        <a:scrgbClr r="0" g="0" b="0"/>
+      </a:lnRef>
+      <a:fillRef idx="1">
+        <a:scrgbClr r="0" g="0" b="0"/>
+      </a:fillRef>
+      <a:effectRef idx="0">
+        <a:scrgbClr r="0" g="0" b="0"/>
+      </a:effectRef>
+      <a:fontRef idx="minor"/>
+    </dgm:style>
+  </dgm:styleLbl>
+  <dgm:styleLbl name="fgShp">
+    <dgm:scene3d>
+      <a:camera prst="orthographicFront"/>
+      <a:lightRig rig="threePt" dir="t"/>
+    </dgm:scene3d>
+    <dgm:sp3d/>
+    <dgm:txPr/>
+    <dgm:style>
+      <a:lnRef idx="2">
+        <a:scrgbClr r="0" g="0" b="0"/>
+      </a:lnRef>
+      <a:fillRef idx="1">
+        <a:scrgbClr r="0" g="0" b="0"/>
+      </a:fillRef>
+      <a:effectRef idx="0">
+        <a:scrgbClr r="0" g="0" b="0"/>
+      </a:effectRef>
+      <a:fontRef idx="minor"/>
+    </dgm:style>
+  </dgm:styleLbl>
+  <dgm:styleLbl name="revTx">
+    <dgm:scene3d>
+      <a:camera prst="orthographicFront"/>
+      <a:lightRig rig="threePt" dir="t"/>
+    </dgm:scene3d>
+    <dgm:sp3d/>
+    <dgm:txPr/>
+    <dgm:style>
+      <a:lnRef idx="0">
+        <a:scrgbClr r="0" g="0" b="0"/>
+      </a:lnRef>
+      <a:fillRef idx="0">
+        <a:scrgbClr r="0" g="0" b="0"/>
+      </a:fillRef>
+      <a:effectRef idx="0">
+        <a:scrgbClr r="0" g="0" b="0"/>
+      </a:effectRef>
+      <a:fontRef idx="minor"/>
+    </dgm:style>
+  </dgm:styleLbl>
+</dgm:styleDef>
+</file>
+
+<file path=ppt/diagrams/quickStyle2.xml><?xml version="1.0" encoding="utf-8"?>
+<dgm:styleDef xmlns:dgm="http://schemas.openxmlformats.org/drawingml/2006/diagram" xmlns:a="http://schemas.openxmlformats.org/drawingml/2006/main" uniqueId="urn:microsoft.com/office/officeart/2005/8/quickstyle/simple1">
+  <dgm:title val=""/>
+  <dgm:desc val=""/>
+  <dgm:catLst>
+    <dgm:cat type="simple" pri="10100"/>
+  </dgm:catLst>
+  <dgm:scene3d>
+    <a:camera prst="orthographicFront"/>
+    <a:lightRig rig="threePt" dir="t"/>
+  </dgm:scene3d>
+  <dgm:styleLbl name="node0">
+    <dgm:scene3d>
+      <a:camera prst="orthographicFront"/>
+      <a:lightRig rig="threePt" dir="t"/>
+    </dgm:scene3d>
+    <dgm:sp3d/>
+    <dgm:txPr/>
+    <dgm:style>
+      <a:lnRef idx="2">
+        <a:scrgbClr r="0" g="0" b="0"/>
+      </a:lnRef>
+      <a:fillRef idx="1">
+        <a:scrgbClr r="0" g="0" b="0"/>
+      </a:fillRef>
+      <a:effectRef idx="0">
+        <a:scrgbClr r="0" g="0" b="0"/>
+      </a:effectRef>
+      <a:fontRef idx="minor">
+        <a:schemeClr val="lt1"/>
+      </a:fontRef>
+    </dgm:style>
+  </dgm:styleLbl>
+  <dgm:styleLbl name="lnNode1">
+    <dgm:scene3d>
+      <a:camera prst="orthographicFront"/>
+      <a:lightRig rig="threePt" dir="t"/>
+    </dgm:scene3d>
+    <dgm:sp3d/>
+    <dgm:txPr/>
+    <dgm:style>
+      <a:lnRef idx="2">
+        <a:scrgbClr r="0" g="0" b="0"/>
+      </a:lnRef>
+      <a:fillRef idx="1">
+        <a:scrgbClr r="0" g="0" b="0"/>
+      </a:fillRef>
+      <a:effectRef idx="0">
+        <a:scrgbClr r="0" g="0" b="0"/>
+      </a:effectRef>
+      <a:fontRef idx="minor">
+        <a:schemeClr val="lt1"/>
+      </a:fontRef>
+    </dgm:style>
+  </dgm:styleLbl>
+  <dgm:styleLbl name="vennNode1">
+    <dgm:scene3d>
+      <a:camera prst="orthographicFront"/>
+      <a:lightRig rig="threePt" dir="t"/>
+    </dgm:scene3d>
+    <dgm:sp3d/>
+    <dgm:txPr/>
+    <dgm:style>
+      <a:lnRef idx="2">
+        <a:scrgbClr r="0" g="0" b="0"/>
+      </a:lnRef>
+      <a:fillRef idx="1">
+        <a:scrgbClr r="0" g="0" b="0"/>
+      </a:fillRef>
+      <a:effectRef idx="0">
+        <a:scrgbClr r="0" g="0" b="0"/>
+      </a:effectRef>
+      <a:fontRef idx="minor">
+        <a:schemeClr val="tx1"/>
+      </a:fontRef>
+    </dgm:style>
+  </dgm:styleLbl>
+  <dgm:styleLbl name="alignNode1">
+    <dgm:scene3d>
+      <a:camera prst="orthographicFront"/>
+      <a:lightRig rig="threePt" dir="t"/>
+    </dgm:scene3d>
+    <dgm:sp3d/>
+    <dgm:txPr/>
+    <dgm:style>
+      <a:lnRef idx="2">
+        <a:scrgbClr r="0" g="0" b="0"/>
+      </a:lnRef>
+      <a:fillRef idx="1">
+        <a:scrgbClr r="0" g="0" b="0"/>
+      </a:fillRef>
+      <a:effectRef idx="0">
+        <a:scrgbClr r="0" g="0" b="0"/>
+      </a:effectRef>
+      <a:fontRef idx="minor">
+        <a:schemeClr val="lt1"/>
+      </a:fontRef>
+    </dgm:style>
+  </dgm:styleLbl>
+  <dgm:styleLbl name="node1">
+    <dgm:scene3d>
+      <a:camera prst="orthographicFront"/>
+      <a:lightRig rig="threePt" dir="t"/>
+    </dgm:scene3d>
+    <dgm:sp3d/>
+    <dgm:txPr/>
+    <dgm:style>
+      <a:lnRef idx="2">
+        <a:scrgbClr r="0" g="0" b="0"/>
+      </a:lnRef>
+      <a:fillRef idx="1">
+        <a:scrgbClr r="0" g="0" b="0"/>
+      </a:fillRef>
+      <a:effectRef idx="0">
+        <a:scrgbClr r="0" g="0" b="0"/>
+      </a:effectRef>
+      <a:fontRef idx="minor">
+        <a:schemeClr val="lt1"/>
+      </a:fontRef>
+    </dgm:style>
+  </dgm:styleLbl>
+  <dgm:styleLbl name="node2">
+    <dgm:scene3d>
+      <a:camera prst="orthographicFront"/>
+      <a:lightRig rig="threePt" dir="t"/>
+    </dgm:scene3d>
+    <dgm:sp3d/>
+    <dgm:txPr/>
+    <dgm:style>
+      <a:lnRef idx="2">
+        <a:scrgbClr r="0" g="0" b="0"/>
+      </a:lnRef>
+      <a:fillRef idx="1">
+        <a:scrgbClr r="0" g="0" b="0"/>
+      </a:fillRef>
+      <a:effectRef idx="0">
+        <a:scrgbClr r="0" g="0" b="0"/>
+      </a:effectRef>
+      <a:fontRef idx="minor">
+        <a:schemeClr val="lt1"/>
+      </a:fontRef>
+    </dgm:style>
+  </dgm:styleLbl>
+  <dgm:styleLbl name="node3">
+    <dgm:scene3d>
+      <a:camera prst="orthographicFront"/>
+      <a:lightRig rig="threePt" dir="t"/>
+    </dgm:scene3d>
+    <dgm:sp3d/>
+    <dgm:txPr/>
+    <dgm:style>
+      <a:lnRef idx="2">
+        <a:scrgbClr r="0" g="0" b="0"/>
+      </a:lnRef>
+      <a:fillRef idx="1">
+        <a:scrgbClr r="0" g="0" b="0"/>
+      </a:fillRef>
+      <a:effectRef idx="0">
+        <a:scrgbClr r="0" g="0" b="0"/>
+      </a:effectRef>
+      <a:fontRef idx="minor">
+        <a:schemeClr val="lt1"/>
+      </a:fontRef>
+    </dgm:style>
+  </dgm:styleLbl>
+  <dgm:styleLbl name="node4">
+    <dgm:scene3d>
+      <a:camera prst="orthographicFront"/>
+      <a:lightRig rig="threePt" dir="t"/>
+    </dgm:scene3d>
+    <dgm:sp3d/>
+    <dgm:txPr/>
+    <dgm:style>
+      <a:lnRef idx="2">
+        <a:scrgbClr r="0" g="0" b="0"/>
+      </a:lnRef>
+      <a:fillRef idx="1">
+        <a:scrgbClr r="0" g="0" b="0"/>
+      </a:fillRef>
+      <a:effectRef idx="0">
+        <a:scrgbClr r="0" g="0" b="0"/>
+      </a:effectRef>
+      <a:fontRef idx="minor">
+        <a:schemeClr val="lt1"/>
+      </a:fontRef>
+    </dgm:style>
+  </dgm:styleLbl>
+  <dgm:styleLbl name="fgImgPlace1">
+    <dgm:scene3d>
+      <a:camera prst="orthographicFront"/>
+      <a:lightRig rig="threePt" dir="t"/>
+    </dgm:scene3d>
+    <dgm:sp3d/>
+    <dgm:txPr/>
+    <dgm:style>
+      <a:lnRef idx="2">
+        <a:scrgbClr r="0" g="0" b="0"/>
+      </a:lnRef>
+      <a:fillRef idx="1">
+        <a:scrgbClr r="0" g="0" b="0"/>
+      </a:fillRef>
+      <a:effectRef idx="0">
+        <a:scrgbClr r="0" g="0" b="0"/>
+      </a:effectRef>
+      <a:fontRef idx="minor"/>
+    </dgm:style>
+  </dgm:styleLbl>
+  <dgm:styleLbl name="alignImgPlace1">
+    <dgm:scene3d>
+      <a:camera prst="orthographicFront"/>
+      <a:lightRig rig="threePt" dir="t"/>
+    </dgm:scene3d>
+    <dgm:sp3d/>
+    <dgm:txPr/>
+    <dgm:style>
+      <a:lnRef idx="2">
+        <a:scrgbClr r="0" g="0" b="0"/>
+      </a:lnRef>
+      <a:fillRef idx="1">
+        <a:scrgbClr r="0" g="0" b="0"/>
+      </a:fillRef>
+      <a:effectRef idx="0">
+        <a:scrgbClr r="0" g="0" b="0"/>
+      </a:effectRef>
+      <a:fontRef idx="minor"/>
+    </dgm:style>
+  </dgm:styleLbl>
+  <dgm:styleLbl name="bgImgPlace1">
+    <dgm:scene3d>
+      <a:camera prst="orthographicFront"/>
+      <a:lightRig rig="threePt" dir="t"/>
+    </dgm:scene3d>
+    <dgm:sp3d/>
+    <dgm:txPr/>
+    <dgm:style>
+      <a:lnRef idx="2">
+        <a:scrgbClr r="0" g="0" b="0"/>
+      </a:lnRef>
+      <a:fillRef idx="1">
+        <a:scrgbClr r="0" g="0" b="0"/>
+      </a:fillRef>
+      <a:effectRef idx="0">
+        <a:scrgbClr r="0" g="0" b="0"/>
+      </a:effectRef>
+      <a:fontRef idx="minor"/>
+    </dgm:style>
+  </dgm:styleLbl>
+  <dgm:styleLbl name="sibTrans2D1">
+    <dgm:scene3d>
+      <a:camera prst="orthographicFront"/>
+      <a:lightRig rig="threePt" dir="t"/>
+    </dgm:scene3d>
+    <dgm:sp3d/>
+    <dgm:txPr/>
+    <dgm:style>
+      <a:lnRef idx="0">
+        <a:scrgbClr r="0" g="0" b="0"/>
+      </a:lnRef>
+      <a:fillRef idx="1">
+        <a:scrgbClr r="0" g="0" b="0"/>
+      </a:fillRef>
+      <a:effectRef idx="0">
+        <a:scrgbClr r="0" g="0" b="0"/>
+      </a:effectRef>
+      <a:fontRef idx="minor">
+        <a:schemeClr val="lt1"/>
+      </a:fontRef>
+    </dgm:style>
+  </dgm:styleLbl>
+  <dgm:styleLbl name="fgSibTrans2D1">
+    <dgm:scene3d>
+      <a:camera prst="orthographicFront"/>
+      <a:lightRig rig="threePt" dir="t"/>
+    </dgm:scene3d>
+    <dgm:sp3d/>
+    <dgm:txPr/>
+    <dgm:style>
+      <a:lnRef idx="0">
+        <a:scrgbClr r="0" g="0" b="0"/>
+      </a:lnRef>
+      <a:fillRef idx="1">
+        <a:scrgbClr r="0" g="0" b="0"/>
+      </a:fillRef>
+      <a:effectRef idx="0">
+        <a:scrgbClr r="0" g="0" b="0"/>
+      </a:effectRef>
+      <a:fontRef idx="minor">
+        <a:schemeClr val="lt1"/>
+      </a:fontRef>
+    </dgm:style>
+  </dgm:styleLbl>
+  <dgm:styleLbl name="bgSibTrans2D1">
+    <dgm:scene3d>
+      <a:camera prst="orthographicFront"/>
+      <a:lightRig rig="threePt" dir="t"/>
+    </dgm:scene3d>
+    <dgm:sp3d/>
+    <dgm:txPr/>
+    <dgm:style>
+      <a:lnRef idx="0">
+        <a:scrgbClr r="0" g="0" b="0"/>
+      </a:lnRef>
+      <a:fillRef idx="1">
+        <a:scrgbClr r="0" g="0" b="0"/>
+      </a:fillRef>
+      <a:effectRef idx="0">
+        <a:scrgbClr r="0" g="0" b="0"/>
+      </a:effectRef>
+      <a:fontRef idx="minor">
+        <a:schemeClr val="lt1"/>
+      </a:fontRef>
+    </dgm:style>
+  </dgm:styleLbl>
+  <dgm:styleLbl name="sibTrans1D1">
+    <dgm:scene3d>
+      <a:camera prst="orthographicFront"/>
+      <a:lightRig rig="threePt" dir="t"/>
+    </dgm:scene3d>
+    <dgm:sp3d/>
+    <dgm:txPr/>
+    <dgm:style>
+      <a:lnRef idx="1">
+        <a:scrgbClr r="0" g="0" b="0"/>
+      </a:lnRef>
+      <a:fillRef idx="0">
+        <a:scrgbClr r="0" g="0" b="0"/>
+      </a:fillRef>
+      <a:effectRef idx="0">
+        <a:scrgbClr r="0" g="0" b="0"/>
+      </a:effectRef>
+      <a:fontRef idx="minor"/>
+    </dgm:style>
+  </dgm:styleLbl>
+  <dgm:styleLbl name="callout">
+    <dgm:scene3d>
+      <a:camera prst="orthographicFront"/>
+      <a:lightRig rig="threePt" dir="t"/>
+    </dgm:scene3d>
+    <dgm:sp3d/>
+    <dgm:txPr/>
+    <dgm:style>
+      <a:lnRef idx="2">
+        <a:scrgbClr r="0" g="0" b="0"/>
+      </a:lnRef>
+      <a:fillRef idx="1">
+        <a:scrgbClr r="0" g="0" b="0"/>
+      </a:fillRef>
+      <a:effectRef idx="0">
+        <a:scrgbClr r="0" g="0" b="0"/>
+      </a:effectRef>
+      <a:fontRef idx="minor"/>
+    </dgm:style>
+  </dgm:styleLbl>
+  <dgm:styleLbl name="asst0">
+    <dgm:scene3d>
+      <a:camera prst="orthographicFront"/>
+      <a:lightRig rig="threePt" dir="t"/>
+    </dgm:scene3d>
+    <dgm:sp3d/>
+    <dgm:txPr/>
+    <dgm:style>
+      <a:lnRef idx="2">
+        <a:scrgbClr r="0" g="0" b="0"/>
+      </a:lnRef>
+      <a:fillRef idx="1">
+        <a:scrgbClr r="0" g="0" b="0"/>
+      </a:fillRef>
+      <a:effectRef idx="0">
+        <a:scrgbClr r="0" g="0" b="0"/>
+      </a:effectRef>
+      <a:fontRef idx="minor">
+        <a:schemeClr val="lt1"/>
+      </a:fontRef>
+    </dgm:style>
+  </dgm:styleLbl>
+  <dgm:styleLbl name="asst1">
+    <dgm:scene3d>
+      <a:camera prst="orthographicFront"/>
+      <a:lightRig rig="threePt" dir="t"/>
+    </dgm:scene3d>
+    <dgm:sp3d/>
+    <dgm:txPr/>
+    <dgm:style>
+      <a:lnRef idx="2">
+        <a:scrgbClr r="0" g="0" b="0"/>
+      </a:lnRef>
+      <a:fillRef idx="1">
+        <a:scrgbClr r="0" g="0" b="0"/>
+      </a:fillRef>
+      <a:effectRef idx="0">
+        <a:scrgbClr r="0" g="0" b="0"/>
+      </a:effectRef>
+      <a:fontRef idx="minor">
+        <a:schemeClr val="lt1"/>
+      </a:fontRef>
+    </dgm:style>
+  </dgm:styleLbl>
+  <dgm:styleLbl name="asst2">
+    <dgm:scene3d>
+      <a:camera prst="orthographicFront"/>
+      <a:lightRig rig="threePt" dir="t"/>
+    </dgm:scene3d>
+    <dgm:sp3d/>
+    <dgm:txPr/>
+    <dgm:style>
+      <a:lnRef idx="2">
+        <a:scrgbClr r="0" g="0" b="0"/>
+      </a:lnRef>
+      <a:fillRef idx="1">
+        <a:scrgbClr r="0" g="0" b="0"/>
+      </a:fillRef>
+      <a:effectRef idx="0">
+        <a:scrgbClr r="0" g="0" b="0"/>
+      </a:effectRef>
+      <a:fontRef idx="minor">
+        <a:schemeClr val="lt1"/>
+      </a:fontRef>
+    </dgm:style>
+  </dgm:styleLbl>
+  <dgm:styleLbl name="asst3">
+    <dgm:scene3d>
+      <a:camera prst="orthographicFront"/>
+      <a:lightRig rig="threePt" dir="t"/>
+    </dgm:scene3d>
+    <dgm:sp3d/>
+    <dgm:txPr/>
+    <dgm:style>
+      <a:lnRef idx="2">
+        <a:scrgbClr r="0" g="0" b="0"/>
+      </a:lnRef>
+      <a:fillRef idx="1">
+        <a:scrgbClr r="0" g="0" b="0"/>
+      </a:fillRef>
+      <a:effectRef idx="0">
+        <a:scrgbClr r="0" g="0" b="0"/>
+      </a:effectRef>
+      <a:fontRef idx="minor">
+        <a:schemeClr val="lt1"/>
+      </a:fontRef>
+    </dgm:style>
+  </dgm:styleLbl>
+  <dgm:styleLbl name="asst4">
+    <dgm:scene3d>
+      <a:camera prst="orthographicFront"/>
+      <a:lightRig rig="threePt" dir="t"/>
+    </dgm:scene3d>
+    <dgm:sp3d/>
+    <dgm:txPr/>
+    <dgm:style>
+      <a:lnRef idx="2">
+        <a:scrgbClr r="0" g="0" b="0"/>
+      </a:lnRef>
+      <a:fillRef idx="1">
+        <a:scrgbClr r="0" g="0" b="0"/>
+      </a:fillRef>
+      <a:effectRef idx="0">
+        <a:scrgbClr r="0" g="0" b="0"/>
+      </a:effectRef>
+      <a:fontRef idx="minor">
+        <a:schemeClr val="lt1"/>
+      </a:fontRef>
+    </dgm:style>
+  </dgm:styleLbl>
+  <dgm:styleLbl name="parChTrans2D1">
+    <dgm:scene3d>
+      <a:camera prst="orthographicFront"/>
+      <a:lightRig rig="threePt" dir="t"/>
+    </dgm:scene3d>
+    <dgm:sp3d/>
+    <dgm:txPr/>
+    <dgm:style>
+      <a:lnRef idx="2">
+        <a:scrgbClr r="0" g="0" b="0"/>
+      </a:lnRef>
+      <a:fillRef idx="1">
+        <a:scrgbClr r="0" g="0" b="0"/>
+      </a:fillRef>
+      <a:effectRef idx="0">
+        <a:scrgbClr r="0" g="0" b="0"/>
+      </a:effectRef>
+      <a:fontRef idx="minor">
+        <a:schemeClr val="lt1"/>
+      </a:fontRef>
+    </dgm:style>
+  </dgm:styleLbl>
+  <dgm:styleLbl name="parChTrans2D2">
+    <dgm:scene3d>
+      <a:camera prst="orthographicFront"/>
+      <a:lightRig rig="threePt" dir="t"/>
+    </dgm:scene3d>
+    <dgm:sp3d/>
+    <dgm:txPr/>
+    <dgm:style>
+      <a:lnRef idx="2">
+        <a:scrgbClr r="0" g="0" b="0"/>
+      </a:lnRef>
+      <a:fillRef idx="1">
+        <a:scrgbClr r="0" g="0" b="0"/>
+      </a:fillRef>
+      <a:effectRef idx="0">
+        <a:scrgbClr r="0" g="0" b="0"/>
+      </a:effectRef>
+      <a:fontRef idx="minor">
+        <a:schemeClr val="lt1"/>
+      </a:fontRef>
+    </dgm:style>
+  </dgm:styleLbl>
+  <dgm:styleLbl name="parChTrans2D3">
+    <dgm:scene3d>
+      <a:camera prst="orthographicFront"/>
+      <a:lightRig rig="threePt" dir="t"/>
+    </dgm:scene3d>
+    <dgm:sp3d/>
+    <dgm:txPr/>
+    <dgm:style>
+      <a:lnRef idx="2">
+        <a:scrgbClr r="0" g="0" b="0"/>
+      </a:lnRef>
+      <a:fillRef idx="1">
+        <a:scrgbClr r="0" g="0" b="0"/>
+      </a:fillRef>
+      <a:effectRef idx="0">
+        <a:scrgbClr r="0" g="0" b="0"/>
+      </a:effectRef>
+      <a:fontRef idx="minor">
+        <a:schemeClr val="lt1"/>
+      </a:fontRef>
+    </dgm:style>
+  </dgm:styleLbl>
+  <dgm:styleLbl name="parChTrans2D4">
+    <dgm:scene3d>
+      <a:camera prst="orthographicFront"/>
+      <a:lightRig rig="threePt" dir="t"/>
+    </dgm:scene3d>
+    <dgm:sp3d/>
+    <dgm:txPr/>
+    <dgm:style>
+      <a:lnRef idx="2">
+        <a:scrgbClr r="0" g="0" b="0"/>
+      </a:lnRef>
+      <a:fillRef idx="1">
+        <a:scrgbClr r="0" g="0" b="0"/>
+      </a:fillRef>
+      <a:effectRef idx="0">
+        <a:scrgbClr r="0" g="0" b="0"/>
+      </a:effectRef>
+      <a:fontRef idx="minor">
+        <a:schemeClr val="lt1"/>
+      </a:fontRef>
+    </dgm:style>
+  </dgm:styleLbl>
+  <dgm:styleLbl name="parChTrans1D1">
+    <dgm:scene3d>
+      <a:camera prst="orthographicFront"/>
+      <a:lightRig rig="threePt" dir="t"/>
+    </dgm:scene3d>
+    <dgm:sp3d/>
+    <dgm:txPr/>
+    <dgm:style>
+      <a:lnRef idx="2">
+        <a:scrgbClr r="0" g="0" b="0"/>
+      </a:lnRef>
+      <a:fillRef idx="0">
+        <a:scrgbClr r="0" g="0" b="0"/>
+      </a:fillRef>
+      <a:effectRef idx="0">
+        <a:scrgbClr r="0" g="0" b="0"/>
+      </a:effectRef>
+      <a:fontRef idx="minor"/>
+    </dgm:style>
+  </dgm:styleLbl>
+  <dgm:styleLbl name="parChTrans1D2">
+    <dgm:scene3d>
+      <a:camera prst="orthographicFront"/>
+      <a:lightRig rig="threePt" dir="t"/>
+    </dgm:scene3d>
+    <dgm:sp3d/>
+    <dgm:txPr/>
+    <dgm:style>
+      <a:lnRef idx="2">
+        <a:scrgbClr r="0" g="0" b="0"/>
+      </a:lnRef>
+      <a:fillRef idx="0">
+        <a:scrgbClr r="0" g="0" b="0"/>
+      </a:fillRef>
+      <a:effectRef idx="0">
+        <a:scrgbClr r="0" g="0" b="0"/>
+      </a:effectRef>
+      <a:fontRef idx="minor"/>
+    </dgm:style>
+  </dgm:styleLbl>
+  <dgm:styleLbl name="parChTrans1D3">
+    <dgm:scene3d>
+      <a:camera prst="orthographicFront"/>
+      <a:lightRig rig="threePt" dir="t"/>
+    </dgm:scene3d>
+    <dgm:sp3d/>
+    <dgm:txPr/>
+    <dgm:style>
+      <a:lnRef idx="2">
+        <a:scrgbClr r="0" g="0" b="0"/>
+      </a:lnRef>
+      <a:fillRef idx="0">
+        <a:scrgbClr r="0" g="0" b="0"/>
+      </a:fillRef>
+      <a:effectRef idx="0">
+        <a:scrgbClr r="0" g="0" b="0"/>
+      </a:effectRef>
+      <a:fontRef idx="minor"/>
+    </dgm:style>
+  </dgm:styleLbl>
+  <dgm:styleLbl name="parChTrans1D4">
+    <dgm:scene3d>
+      <a:camera prst="orthographicFront"/>
+      <a:lightRig rig="threePt" dir="t"/>
+    </dgm:scene3d>
+    <dgm:sp3d/>
+    <dgm:txPr/>
+    <dgm:style>
+      <a:lnRef idx="2">
+        <a:scrgbClr r="0" g="0" b="0"/>
+      </a:lnRef>
+      <a:fillRef idx="0">
+        <a:scrgbClr r="0" g="0" b="0"/>
+      </a:fillRef>
+      <a:effectRef idx="0">
+        <a:scrgbClr r="0" g="0" b="0"/>
+      </a:effectRef>
+      <a:fontRef idx="minor"/>
+    </dgm:style>
+  </dgm:styleLbl>
+  <dgm:styleLbl name="fgAcc1">
+    <dgm:scene3d>
+      <a:camera prst="orthographicFront"/>
+      <a:lightRig rig="threePt" dir="t"/>
+    </dgm:scene3d>
+    <dgm:sp3d/>
+    <dgm:txPr/>
+    <dgm:style>
+      <a:lnRef idx="2">
+        <a:scrgbClr r="0" g="0" b="0"/>
+      </a:lnRef>
+      <a:fillRef idx="1">
+        <a:scrgbClr r="0" g="0" b="0"/>
+      </a:fillRef>
+      <a:effectRef idx="0">
+        <a:scrgbClr r="0" g="0" b="0"/>
+      </a:effectRef>
+      <a:fontRef idx="minor"/>
+    </dgm:style>
+  </dgm:styleLbl>
+  <dgm:styleLbl name="conFgAcc1">
+    <dgm:scene3d>
+      <a:camera prst="orthographicFront"/>
+      <a:lightRig rig="threePt" dir="t"/>
+    </dgm:scene3d>
+    <dgm:sp3d/>
+    <dgm:txPr/>
+    <dgm:style>
+      <a:lnRef idx="2">
+        <a:scrgbClr r="0" g="0" b="0"/>
+      </a:lnRef>
+      <a:fillRef idx="1">
+        <a:scrgbClr r="0" g="0" b="0"/>
+      </a:fillRef>
+      <a:effectRef idx="0">
+        <a:scrgbClr r="0" g="0" b="0"/>
+      </a:effectRef>
+      <a:fontRef idx="minor"/>
+    </dgm:style>
+  </dgm:styleLbl>
+  <dgm:styleLbl name="alignAcc1">
+    <dgm:scene3d>
+      <a:camera prst="orthographicFront"/>
+      <a:lightRig rig="threePt" dir="t"/>
+    </dgm:scene3d>
+    <dgm:sp3d/>
+    <dgm:txPr/>
+    <dgm:style>
+      <a:lnRef idx="2">
+        <a:scrgbClr r="0" g="0" b="0"/>
+      </a:lnRef>
+      <a:fillRef idx="1">
+        <a:scrgbClr r="0" g="0" b="0"/>
+      </a:fillRef>
+      <a:effectRef idx="0">
+        <a:scrgbClr r="0" g="0" b="0"/>
+      </a:effectRef>
+      <a:fontRef idx="minor"/>
+    </dgm:style>
+  </dgm:styleLbl>
+  <dgm:styleLbl name="trAlignAcc1">
+    <dgm:scene3d>
+      <a:camera prst="orthographicFront"/>
+      <a:lightRig rig="threePt" dir="t"/>
+    </dgm:scene3d>
+    <dgm:sp3d/>
+    <dgm:txPr/>
+    <dgm:style>
+      <a:lnRef idx="1">
+        <a:scrgbClr r="0" g="0" b="0"/>
+      </a:lnRef>
+      <a:fillRef idx="1">
+        <a:scrgbClr r="0" g="0" b="0"/>
+      </a:fillRef>
+      <a:effectRef idx="0">
+        <a:scrgbClr r="0" g="0" b="0"/>
+      </a:effectRef>
+      <a:fontRef idx="minor"/>
+    </dgm:style>
+  </dgm:styleLbl>
+  <dgm:styleLbl name="bgAcc1">
+    <dgm:scene3d>
+      <a:camera prst="orthographicFront"/>
+      <a:lightRig rig="threePt" dir="t"/>
+    </dgm:scene3d>
+    <dgm:sp3d/>
+    <dgm:txPr/>
+    <dgm:style>
+      <a:lnRef idx="2">
+        <a:scrgbClr r="0" g="0" b="0"/>
+      </a:lnRef>
+      <a:fillRef idx="1">
+        <a:scrgbClr r="0" g="0" b="0"/>
+      </a:fillRef>
+      <a:effectRef idx="0">
+        <a:scrgbClr r="0" g="0" b="0"/>
+      </a:effectRef>
+      <a:fontRef idx="minor"/>
+    </dgm:style>
+  </dgm:styleLbl>
+  <dgm:styleLbl name="solidFgAcc1">
+    <dgm:scene3d>
+      <a:camera prst="orthographicFront"/>
+      <a:lightRig rig="threePt" dir="t"/>
+    </dgm:scene3d>
+    <dgm:sp3d/>
+    <dgm:txPr/>
+    <dgm:style>
+      <a:lnRef idx="2">
+        <a:scrgbClr r="0" g="0" b="0"/>
+      </a:lnRef>
+      <a:fillRef idx="1">
+        <a:scrgbClr r="0" g="0" b="0"/>
+      </a:fillRef>
+      <a:effectRef idx="0">
+        <a:scrgbClr r="0" g="0" b="0"/>
+      </a:effectRef>
+      <a:fontRef idx="minor"/>
+    </dgm:style>
+  </dgm:styleLbl>
+  <dgm:styleLbl name="solidAlignAcc1">
+    <dgm:scene3d>
+      <a:camera prst="orthographicFront"/>
+      <a:lightRig rig="threePt" dir="t"/>
+    </dgm:scene3d>
+    <dgm:sp3d/>
+    <dgm:txPr/>
+    <dgm:style>
+      <a:lnRef idx="2">
+        <a:scrgbClr r="0" g="0" b="0"/>
+      </a:lnRef>
+      <a:fillRef idx="1">
+        <a:scrgbClr r="0" g="0" b="0"/>
+      </a:fillRef>
+      <a:effectRef idx="0">
+        <a:scrgbClr r="0" g="0" b="0"/>
+      </a:effectRef>
+      <a:fontRef idx="minor"/>
+    </dgm:style>
+  </dgm:styleLbl>
+  <dgm:styleLbl name="solidBgAcc1">
+    <dgm:scene3d>
+      <a:camera prst="orthographicFront"/>
+      <a:lightRig rig="threePt" dir="t"/>
+    </dgm:scene3d>
+    <dgm:sp3d/>
+    <dgm:txPr/>
+    <dgm:style>
+      <a:lnRef idx="2">
+        <a:scrgbClr r="0" g="0" b="0"/>
+      </a:lnRef>
+      <a:fillRef idx="1">
+        <a:scrgbClr r="0" g="0" b="0"/>
+      </a:fillRef>
+      <a:effectRef idx="0">
+        <a:scrgbClr r="0" g="0" b="0"/>
+      </a:effectRef>
+      <a:fontRef idx="minor"/>
+    </dgm:style>
+  </dgm:styleLbl>
+  <dgm:styleLbl name="fgAccFollowNode1">
+    <dgm:scene3d>
+      <a:camera prst="orthographicFront"/>
+      <a:lightRig rig="threePt" dir="t"/>
+    </dgm:scene3d>
+    <dgm:sp3d/>
+    <dgm:txPr/>
+    <dgm:style>
+      <a:lnRef idx="2">
+        <a:scrgbClr r="0" g="0" b="0"/>
+      </a:lnRef>
+      <a:fillRef idx="1">
+        <a:scrgbClr r="0" g="0" b="0"/>
+      </a:fillRef>
+      <a:effectRef idx="0">
+        <a:scrgbClr r="0" g="0" b="0"/>
+      </a:effectRef>
+      <a:fontRef idx="minor"/>
+    </dgm:style>
+  </dgm:styleLbl>
+  <dgm:styleLbl name="alignAccFollowNode1">
+    <dgm:scene3d>
+      <a:camera prst="orthographicFront"/>
+      <a:lightRig rig="threePt" dir="t"/>
+    </dgm:scene3d>
+    <dgm:sp3d/>
+    <dgm:txPr/>
+    <dgm:style>
+      <a:lnRef idx="2">
+        <a:scrgbClr r="0" g="0" b="0"/>
+      </a:lnRef>
+      <a:fillRef idx="1">
+        <a:scrgbClr r="0" g="0" b="0"/>
+      </a:fillRef>
+      <a:effectRef idx="0">
+        <a:scrgbClr r="0" g="0" b="0"/>
+      </a:effectRef>
+      <a:fontRef idx="minor"/>
+    </dgm:style>
+  </dgm:styleLbl>
+  <dgm:styleLbl name="bgAccFollowNode1">
+    <dgm:scene3d>
+      <a:camera prst="orthographicFront"/>
+      <a:lightRig rig="threePt" dir="t"/>
+    </dgm:scene3d>
+    <dgm:sp3d/>
+    <dgm:txPr/>
+    <dgm:style>
+      <a:lnRef idx="2">
+        <a:scrgbClr r="0" g="0" b="0"/>
+      </a:lnRef>
+      <a:fillRef idx="1">
+        <a:scrgbClr r="0" g="0" b="0"/>
+      </a:fillRef>
+      <a:effectRef idx="0">
+        <a:scrgbClr r="0" g="0" b="0"/>
+      </a:effectRef>
+      <a:fontRef idx="minor"/>
+    </dgm:style>
+  </dgm:styleLbl>
+  <dgm:styleLbl name="fgAcc0">
+    <dgm:scene3d>
+      <a:camera prst="orthographicFront"/>
+      <a:lightRig rig="threePt" dir="t"/>
+    </dgm:scene3d>
+    <dgm:sp3d/>
+    <dgm:txPr/>
+    <dgm:style>
+      <a:lnRef idx="2">
+        <a:scrgbClr r="0" g="0" b="0"/>
+      </a:lnRef>
+      <a:fillRef idx="1">
+        <a:scrgbClr r="0" g="0" b="0"/>
+      </a:fillRef>
+      <a:effectRef idx="0">
+        <a:scrgbClr r="0" g="0" b="0"/>
+      </a:effectRef>
+      <a:fontRef idx="minor"/>
+    </dgm:style>
+  </dgm:styleLbl>
+  <dgm:styleLbl name="fgAcc2">
+    <dgm:scene3d>
+      <a:camera prst="orthographicFront"/>
+      <a:lightRig rig="threePt" dir="t"/>
+    </dgm:scene3d>
+    <dgm:sp3d/>
+    <dgm:txPr/>
+    <dgm:style>
+      <a:lnRef idx="2">
+        <a:scrgbClr r="0" g="0" b="0"/>
+      </a:lnRef>
+      <a:fillRef idx="1">
+        <a:scrgbClr r="0" g="0" b="0"/>
+      </a:fillRef>
+      <a:effectRef idx="0">
+        <a:scrgbClr r="0" g="0" b="0"/>
+      </a:effectRef>
+      <a:fontRef idx="minor"/>
+    </dgm:style>
+  </dgm:styleLbl>
+  <dgm:styleLbl name="fgAcc3">
+    <dgm:scene3d>
+      <a:camera prst="orthographicFront"/>
+      <a:lightRig rig="threePt" dir="t"/>
+    </dgm:scene3d>
+    <dgm:sp3d/>
+    <dgm:txPr/>
+    <dgm:style>
+      <a:lnRef idx="2">
+        <a:scrgbClr r="0" g="0" b="0"/>
+      </a:lnRef>
+      <a:fillRef idx="1">
+        <a:scrgbClr r="0" g="0" b="0"/>
+      </a:fillRef>
+      <a:effectRef idx="0">
+        <a:scrgbClr r="0" g="0" b="0"/>
+      </a:effectRef>
+      <a:fontRef idx="minor"/>
+    </dgm:style>
+  </dgm:styleLbl>
+  <dgm:styleLbl name="fgAcc4">
+    <dgm:scene3d>
+      <a:camera prst="orthographicFront"/>
+      <a:lightRig rig="threePt" dir="t"/>
+    </dgm:scene3d>
+    <dgm:sp3d/>
+    <dgm:txPr/>
+    <dgm:style>
+      <a:lnRef idx="2">
+        <a:scrgbClr r="0" g="0" b="0"/>
+      </a:lnRef>
+      <a:fillRef idx="1">
+        <a:scrgbClr r="0" g="0" b="0"/>
+      </a:fillRef>
+      <a:effectRef idx="0">
+        <a:scrgbClr r="0" g="0" b="0"/>
+      </a:effectRef>
+      <a:fontRef idx="minor"/>
+    </dgm:style>
+  </dgm:styleLbl>
+  <dgm:styleLbl name="bgShp">
+    <dgm:scene3d>
+      <a:camera prst="orthographicFront"/>
+      <a:lightRig rig="threePt" dir="t"/>
+    </dgm:scene3d>
+    <dgm:sp3d/>
+    <dgm:txPr/>
+    <dgm:style>
+      <a:lnRef idx="0">
+        <a:scrgbClr r="0" g="0" b="0"/>
+      </a:lnRef>
+      <a:fillRef idx="1">
+        <a:scrgbClr r="0" g="0" b="0"/>
+      </a:fillRef>
+      <a:effectRef idx="0">
+        <a:scrgbClr r="0" g="0" b="0"/>
+      </a:effectRef>
+      <a:fontRef idx="minor"/>
+    </dgm:style>
+  </dgm:styleLbl>
+  <dgm:styleLbl name="dkBgShp">
+    <dgm:scene3d>
+      <a:camera prst="orthographicFront"/>
+      <a:lightRig rig="threePt" dir="t"/>
+    </dgm:scene3d>
+    <dgm:sp3d/>
+    <dgm:txPr/>
+    <dgm:style>
+      <a:lnRef idx="0">
+        <a:scrgbClr r="0" g="0" b="0"/>
+      </a:lnRef>
+      <a:fillRef idx="1">
+        <a:scrgbClr r="0" g="0" b="0"/>
+      </a:fillRef>
+      <a:effectRef idx="0">
+        <a:scrgbClr r="0" g="0" b="0"/>
+      </a:effectRef>
+      <a:fontRef idx="minor"/>
+    </dgm:style>
+  </dgm:styleLbl>
+  <dgm:styleLbl name="trBgShp">
+    <dgm:scene3d>
+      <a:camera prst="orthographicFront"/>
+      <a:lightRig rig="threePt" dir="t"/>
+    </dgm:scene3d>
+    <dgm:sp3d/>
+    <dgm:txPr/>
+    <dgm:style>
+      <a:lnRef idx="0">
+        <a:scrgbClr r="0" g="0" b="0"/>
+      </a:lnRef>
+      <a:fillRef idx="1">
+        <a:scrgbClr r="0" g="0" b="0"/>
+      </a:fillRef>
+      <a:effectRef idx="0">
+        <a:scrgbClr r="0" g="0" b="0"/>
+      </a:effectRef>
+      <a:fontRef idx="minor"/>
+    </dgm:style>
+  </dgm:styleLbl>
+  <dgm:styleLbl name="fgShp">
+    <dgm:scene3d>
+      <a:camera prst="orthographicFront"/>
+      <a:lightRig rig="threePt" dir="t"/>
+    </dgm:scene3d>
+    <dgm:sp3d/>
+    <dgm:txPr/>
+    <dgm:style>
+      <a:lnRef idx="2">
+        <a:scrgbClr r="0" g="0" b="0"/>
+      </a:lnRef>
+      <a:fillRef idx="1">
+        <a:scrgbClr r="0" g="0" b="0"/>
+      </a:fillRef>
+      <a:effectRef idx="0">
+        <a:scrgbClr r="0" g="0" b="0"/>
+      </a:effectRef>
+      <a:fontRef idx="minor"/>
+    </dgm:style>
+  </dgm:styleLbl>
+  <dgm:styleLbl name="revTx">
+    <dgm:scene3d>
+      <a:camera prst="orthographicFront"/>
+      <a:lightRig rig="threePt" dir="t"/>
+    </dgm:scene3d>
+    <dgm:sp3d/>
+    <dgm:txPr/>
+    <dgm:style>
+      <a:lnRef idx="0">
+        <a:scrgbClr r="0" g="0" b="0"/>
+      </a:lnRef>
+      <a:fillRef idx="0">
+        <a:scrgbClr r="0" g="0" b="0"/>
+      </a:fillRef>
+      <a:effectRef idx="0">
+        <a:scrgbClr r="0" g="0" b="0"/>
+      </a:effectRef>
+      <a:fontRef idx="minor"/>
+    </dgm:style>
+  </dgm:styleLbl>
+</dgm:styleDef>
+</file>
+
+<file path=ppt/diagrams/quickStyle3.xml><?xml version="1.0" encoding="utf-8"?>
 <dgm:styleDef xmlns:dgm="http://schemas.openxmlformats.org/drawingml/2006/diagram" xmlns:a="http://schemas.openxmlformats.org/drawingml/2006/main" uniqueId="urn:microsoft.com/office/officeart/2005/8/quickstyle/simple1">
   <dgm:title val=""/>
   <dgm:desc val=""/>
@@ -10044,13 +16323,8 @@
             </a:pPr>
             <a:r>
               <a:rPr lang="en-US" sz="2800" dirty="0"/>
-              <a:t>General Criticism </a:t>
-            </a:r>
-            <a:r>
-              <a:rPr lang="en-US" sz="2800"/>
-              <a:t>&amp; questions</a:t>
-            </a:r>
-            <a:endParaRPr lang="en-US" sz="2800" dirty="0"/>
+              <a:t>General Criticism &amp; questions</a:t>
+            </a:r>
           </a:p>
           <a:p>
             <a:pPr lvl="0">
@@ -10084,6 +16358,194 @@
               </a:buClr>
             </a:pPr>
             <a:endParaRPr lang="en-US" sz="2800" dirty="0"/>
+          </a:p>
+        </p:txBody>
+      </p:sp>
+      <p:graphicFrame>
+        <p:nvGraphicFramePr>
+          <p:cNvPr id="4" name="Diagram 3">
+            <a:extLst>
+              <a:ext uri="{FF2B5EF4-FFF2-40B4-BE49-F238E27FC236}">
+                <a16:creationId xmlns:a16="http://schemas.microsoft.com/office/drawing/2014/main" id="{96011F05-27FE-44C1-B865-AEEF7A2A9310}"/>
+              </a:ext>
+            </a:extLst>
+          </p:cNvPr>
+          <p:cNvGraphicFramePr/>
+          <p:nvPr>
+            <p:extLst>
+              <p:ext uri="{D42A27DB-BD31-4B8C-83A1-F6EECF244321}">
+                <p14:modId xmlns:p14="http://schemas.microsoft.com/office/powerpoint/2010/main" val="1394634969"/>
+              </p:ext>
+            </p:extLst>
+          </p:nvPr>
+        </p:nvGraphicFramePr>
+        <p:xfrm>
+          <a:off x="5930748" y="3237979"/>
+          <a:ext cx="1847161" cy="1167788"/>
+        </p:xfrm>
+        <a:graphic>
+          <a:graphicData uri="http://schemas.openxmlformats.org/drawingml/2006/diagram">
+            <dgm:relIds xmlns:dgm="http://schemas.openxmlformats.org/drawingml/2006/diagram" xmlns:r="http://schemas.openxmlformats.org/officeDocument/2006/relationships" r:dm="rId2" r:lo="rId3" r:qs="rId4" r:cs="rId5"/>
+          </a:graphicData>
+        </a:graphic>
+      </p:graphicFrame>
+      <p:graphicFrame>
+        <p:nvGraphicFramePr>
+          <p:cNvPr id="5" name="Diagram 4">
+            <a:extLst>
+              <a:ext uri="{FF2B5EF4-FFF2-40B4-BE49-F238E27FC236}">
+                <a16:creationId xmlns:a16="http://schemas.microsoft.com/office/drawing/2014/main" id="{A5996E31-99A5-4AEA-853E-FA5F27098640}"/>
+              </a:ext>
+            </a:extLst>
+          </p:cNvPr>
+          <p:cNvGraphicFramePr/>
+          <p:nvPr>
+            <p:extLst>
+              <p:ext uri="{D42A27DB-BD31-4B8C-83A1-F6EECF244321}">
+                <p14:modId xmlns:p14="http://schemas.microsoft.com/office/powerpoint/2010/main" val="4224149684"/>
+              </p:ext>
+            </p:extLst>
+          </p:nvPr>
+        </p:nvGraphicFramePr>
+        <p:xfrm>
+          <a:off x="6163938" y="1035583"/>
+          <a:ext cx="1380780" cy="1448719"/>
+        </p:xfrm>
+        <a:graphic>
+          <a:graphicData uri="http://schemas.openxmlformats.org/drawingml/2006/diagram">
+            <dgm:relIds xmlns:dgm="http://schemas.openxmlformats.org/drawingml/2006/diagram" xmlns:r="http://schemas.openxmlformats.org/officeDocument/2006/relationships" r:dm="rId7" r:lo="rId8" r:qs="rId9" r:cs="rId10"/>
+          </a:graphicData>
+        </a:graphic>
+      </p:graphicFrame>
+      <p:pic>
+        <p:nvPicPr>
+          <p:cNvPr id="7" name="Graphic 6" descr="Database">
+            <a:extLst>
+              <a:ext uri="{FF2B5EF4-FFF2-40B4-BE49-F238E27FC236}">
+                <a16:creationId xmlns:a16="http://schemas.microsoft.com/office/drawing/2014/main" id="{DED25804-F3A2-4A67-A9E5-8B98DDB911A9}"/>
+              </a:ext>
+            </a:extLst>
+          </p:cNvPr>
+          <p:cNvPicPr>
+            <a:picLocks noChangeAspect="1"/>
+          </p:cNvPicPr>
+          <p:nvPr/>
+        </p:nvPicPr>
+        <p:blipFill>
+          <a:blip r:embed="rId12">
+            <a:extLst>
+              <a:ext uri="{96DAC541-7B7A-43D3-8B79-37D633B846F1}">
+                <asvg:svgBlip xmlns:asvg="http://schemas.microsoft.com/office/drawing/2016/SVG/main" r:embed="rId13"/>
+              </a:ext>
+            </a:extLst>
+          </a:blip>
+          <a:stretch>
+            <a:fillRect/>
+          </a:stretch>
+        </p:blipFill>
+        <p:spPr>
+          <a:xfrm>
+            <a:off x="6397128" y="4902507"/>
+            <a:ext cx="914400" cy="914400"/>
+          </a:xfrm>
+          <a:prstGeom prst="rect">
+            <a:avLst/>
+          </a:prstGeom>
+        </p:spPr>
+      </p:pic>
+      <p:sp>
+        <p:nvSpPr>
+          <p:cNvPr id="8" name="Arrow: Down 7">
+            <a:extLst>
+              <a:ext uri="{FF2B5EF4-FFF2-40B4-BE49-F238E27FC236}">
+                <a16:creationId xmlns:a16="http://schemas.microsoft.com/office/drawing/2014/main" id="{338389B4-BEDF-46FB-ACA0-1D43D6EAA2BF}"/>
+              </a:ext>
+            </a:extLst>
+          </p:cNvPr>
+          <p:cNvSpPr/>
+          <p:nvPr/>
+        </p:nvSpPr>
+        <p:spPr>
+          <a:xfrm>
+            <a:off x="6711109" y="2661367"/>
+            <a:ext cx="286438" cy="348011"/>
+          </a:xfrm>
+          <a:prstGeom prst="downArrow">
+            <a:avLst/>
+          </a:prstGeom>
+          <a:solidFill>
+            <a:schemeClr val="accent2">
+              <a:lumMod val="75000"/>
+            </a:schemeClr>
+          </a:solidFill>
+        </p:spPr>
+        <p:style>
+          <a:lnRef idx="1">
+            <a:schemeClr val="accent1"/>
+          </a:lnRef>
+          <a:fillRef idx="3">
+            <a:schemeClr val="accent1"/>
+          </a:fillRef>
+          <a:effectRef idx="2">
+            <a:schemeClr val="accent1"/>
+          </a:effectRef>
+          <a:fontRef idx="minor">
+            <a:schemeClr val="lt1"/>
+          </a:fontRef>
+        </p:style>
+        <p:txBody>
+          <a:bodyPr rtlCol="0" anchor="ctr"/>
+          <a:lstStyle/>
+          <a:p>
+            <a:pPr algn="ctr"/>
+            <a:endParaRPr lang="en-US"/>
+          </a:p>
+        </p:txBody>
+      </p:sp>
+      <p:sp>
+        <p:nvSpPr>
+          <p:cNvPr id="9" name="Arrow: Down 8">
+            <a:extLst>
+              <a:ext uri="{FF2B5EF4-FFF2-40B4-BE49-F238E27FC236}">
+                <a16:creationId xmlns:a16="http://schemas.microsoft.com/office/drawing/2014/main" id="{52FD8B20-2B09-4836-B364-97826B574B82}"/>
+              </a:ext>
+            </a:extLst>
+          </p:cNvPr>
+          <p:cNvSpPr/>
+          <p:nvPr/>
+        </p:nvSpPr>
+        <p:spPr>
+          <a:xfrm>
+            <a:off x="6720290" y="4554496"/>
+            <a:ext cx="286438" cy="348011"/>
+          </a:xfrm>
+          <a:prstGeom prst="downArrow">
+            <a:avLst/>
+          </a:prstGeom>
+          <a:solidFill>
+            <a:srgbClr val="FFFF00"/>
+          </a:solidFill>
+        </p:spPr>
+        <p:style>
+          <a:lnRef idx="1">
+            <a:schemeClr val="accent1"/>
+          </a:lnRef>
+          <a:fillRef idx="3">
+            <a:schemeClr val="accent1"/>
+          </a:fillRef>
+          <a:effectRef idx="2">
+            <a:schemeClr val="accent1"/>
+          </a:effectRef>
+          <a:fontRef idx="minor">
+            <a:schemeClr val="lt1"/>
+          </a:fontRef>
+        </p:style>
+        <p:txBody>
+          <a:bodyPr rtlCol="0" anchor="ctr"/>
+          <a:lstStyle/>
+          <a:p>
+            <a:pPr algn="ctr"/>
+            <a:endParaRPr lang="en-US"/>
           </a:p>
         </p:txBody>
       </p:sp>

--- a/JournalClub/KDM_JC.pptx
+++ b/JournalClub/KDM_JC.pptx
@@ -16097,7 +16097,7 @@
         </p:nvSpPr>
         <p:spPr>
           <a:xfrm>
-            <a:off x="685800" y="1395412"/>
+            <a:off x="606846" y="3223161"/>
             <a:ext cx="7772400" cy="1470025"/>
           </a:xfrm>
         </p:spPr>
@@ -16132,8 +16132,8 @@
         </p:nvSpPr>
         <p:spPr>
           <a:xfrm>
-            <a:off x="1371600" y="3992564"/>
-            <a:ext cx="6400800" cy="1225569"/>
+            <a:off x="1371600" y="4693186"/>
+            <a:ext cx="6400800" cy="524947"/>
           </a:xfrm>
         </p:spPr>
         <p:txBody>
@@ -16152,6 +16152,163 @@
               </a:rPr>
               <a:t>Ruthvic Punyamurtula</a:t>
             </a:r>
+          </a:p>
+        </p:txBody>
+      </p:sp>
+      <p:sp>
+        <p:nvSpPr>
+          <p:cNvPr id="8" name="Title 4">
+            <a:extLst>
+              <a:ext uri="{FF2B5EF4-FFF2-40B4-BE49-F238E27FC236}">
+                <a16:creationId xmlns:a16="http://schemas.microsoft.com/office/drawing/2014/main" id="{F75FD803-5F91-4A5D-A3EB-61A56B630136}"/>
+              </a:ext>
+            </a:extLst>
+          </p:cNvPr>
+          <p:cNvSpPr txBox="1">
+            <a:spLocks/>
+          </p:cNvSpPr>
+          <p:nvPr/>
+        </p:nvSpPr>
+        <p:spPr>
+          <a:xfrm>
+            <a:off x="683964" y="736484"/>
+            <a:ext cx="7772400" cy="903383"/>
+          </a:xfrm>
+          <a:prstGeom prst="rect">
+            <a:avLst/>
+          </a:prstGeom>
+        </p:spPr>
+        <p:txBody>
+          <a:bodyPr vert="horz" lIns="91440" tIns="45720" rIns="91440" bIns="45720" rtlCol="0" anchor="ctr">
+            <a:normAutofit/>
+          </a:bodyPr>
+          <a:lstStyle>
+            <a:lvl1pPr algn="ctr" defTabSz="457200" rtl="0" eaLnBrk="1" latinLnBrk="0" hangingPunct="1">
+              <a:spcBef>
+                <a:spcPct val="0"/>
+              </a:spcBef>
+              <a:buNone/>
+              <a:defRPr sz="4400" kern="1200">
+                <a:solidFill>
+                  <a:schemeClr val="tx1"/>
+                </a:solidFill>
+                <a:latin typeface="Helvetica"/>
+                <a:ea typeface="+mj-ea"/>
+                <a:cs typeface="Helvetica"/>
+              </a:defRPr>
+            </a:lvl1pPr>
+          </a:lstStyle>
+          <a:p>
+            <a:r>
+              <a:rPr lang="en-US" dirty="0">
+                <a:solidFill>
+                  <a:schemeClr val="bg1"/>
+                </a:solidFill>
+              </a:rPr>
+              <a:t>References</a:t>
+            </a:r>
+          </a:p>
+        </p:txBody>
+      </p:sp>
+      <p:sp>
+        <p:nvSpPr>
+          <p:cNvPr id="2" name="Rectangle 1">
+            <a:extLst>
+              <a:ext uri="{FF2B5EF4-FFF2-40B4-BE49-F238E27FC236}">
+                <a16:creationId xmlns:a16="http://schemas.microsoft.com/office/drawing/2014/main" id="{F8BF319F-1B7A-42A3-A5F7-B63BB238F457}"/>
+              </a:ext>
+            </a:extLst>
+          </p:cNvPr>
+          <p:cNvSpPr/>
+          <p:nvPr/>
+        </p:nvSpPr>
+        <p:spPr>
+          <a:xfrm>
+            <a:off x="1371600" y="1639867"/>
+            <a:ext cx="5486400" cy="1477328"/>
+          </a:xfrm>
+          <a:prstGeom prst="rect">
+            <a:avLst/>
+          </a:prstGeom>
+        </p:spPr>
+        <p:txBody>
+          <a:bodyPr wrap="square">
+            <a:spAutoFit/>
+          </a:bodyPr>
+          <a:lstStyle/>
+          <a:p>
+            <a:pPr marL="285750" indent="-285750">
+              <a:buFont typeface="Arial" panose="020B0604020202020204" pitchFamily="34" charset="0"/>
+              <a:buChar char="•"/>
+            </a:pPr>
+            <a:r>
+              <a:rPr lang="en-US" dirty="0">
+                <a:solidFill>
+                  <a:schemeClr val="bg1"/>
+                </a:solidFill>
+                <a:hlinkClick r:id="rId3">
+                  <a:extLst>
+                    <a:ext uri="{A12FA001-AC4F-418D-AE19-62706E023703}">
+                      <ahyp:hlinkClr xmlns:ahyp="http://schemas.microsoft.com/office/drawing/2018/hyperlinkcolor" val="tx"/>
+                    </a:ext>
+                  </a:extLst>
+                </a:hlinkClick>
+              </a:rPr>
+              <a:t>https://jbiomedsem.biomedcentral.com/articles/10.1186/2041-1480-4-44</a:t>
+            </a:r>
+            <a:endParaRPr lang="en-US" dirty="0">
+              <a:solidFill>
+                <a:schemeClr val="bg1"/>
+              </a:solidFill>
+            </a:endParaRPr>
+          </a:p>
+          <a:p>
+            <a:pPr marL="285750" indent="-285750">
+              <a:buFont typeface="Arial" panose="020B0604020202020204" pitchFamily="34" charset="0"/>
+              <a:buChar char="•"/>
+            </a:pPr>
+            <a:r>
+              <a:rPr lang="en-US" dirty="0">
+                <a:solidFill>
+                  <a:schemeClr val="bg1"/>
+                </a:solidFill>
+                <a:hlinkClick r:id="rId4">
+                  <a:extLst>
+                    <a:ext uri="{A12FA001-AC4F-418D-AE19-62706E023703}">
+                      <ahyp:hlinkClr xmlns:ahyp="http://schemas.microsoft.com/office/drawing/2018/hyperlinkcolor" val="tx"/>
+                    </a:ext>
+                  </a:extLst>
+                </a:hlinkClick>
+              </a:rPr>
+              <a:t>https://www.ncbi.nlm.nih.gov/pubmed/24345026</a:t>
+            </a:r>
+            <a:endParaRPr lang="en-US" dirty="0">
+              <a:solidFill>
+                <a:schemeClr val="bg1"/>
+              </a:solidFill>
+            </a:endParaRPr>
+          </a:p>
+          <a:p>
+            <a:pPr marL="285750" indent="-285750">
+              <a:buFont typeface="Arial" panose="020B0604020202020204" pitchFamily="34" charset="0"/>
+              <a:buChar char="•"/>
+            </a:pPr>
+            <a:endParaRPr lang="en-US" dirty="0">
+              <a:solidFill>
+                <a:schemeClr val="bg1"/>
+              </a:solidFill>
+            </a:endParaRPr>
+          </a:p>
+          <a:p>
+            <a:pPr marL="285750" indent="-285750">
+              <a:buFont typeface="Arial" panose="020B0604020202020204" pitchFamily="34" charset="0"/>
+              <a:buChar char="•"/>
+            </a:pPr>
+            <a:endParaRPr lang="en-US" dirty="0">
+              <a:solidFill>
+                <a:schemeClr val="bg1"/>
+              </a:solidFill>
+            </a:endParaRPr>
           </a:p>
         </p:txBody>
       </p:sp>
